--- a/仇思宇-终期答辩-20190530.pptx
+++ b/仇思宇-终期答辩-20190530.pptx
@@ -8,25 +8,24 @@
     <p:sldId id="256" r:id="rId2"/>
     <p:sldId id="291" r:id="rId3"/>
     <p:sldId id="294" r:id="rId4"/>
-    <p:sldId id="277" r:id="rId5"/>
+    <p:sldId id="300" r:id="rId5"/>
     <p:sldId id="278" r:id="rId6"/>
-    <p:sldId id="282" r:id="rId7"/>
-    <p:sldId id="283" r:id="rId8"/>
-    <p:sldId id="284" r:id="rId9"/>
+    <p:sldId id="297" r:id="rId7"/>
+    <p:sldId id="284" r:id="rId8"/>
+    <p:sldId id="301" r:id="rId9"/>
     <p:sldId id="285" r:id="rId10"/>
-    <p:sldId id="286" r:id="rId11"/>
-    <p:sldId id="287" r:id="rId12"/>
-    <p:sldId id="288" r:id="rId13"/>
-    <p:sldId id="293" r:id="rId14"/>
-    <p:sldId id="292" r:id="rId15"/>
-    <p:sldId id="289" r:id="rId16"/>
+    <p:sldId id="298" r:id="rId11"/>
+    <p:sldId id="286" r:id="rId12"/>
+    <p:sldId id="287" r:id="rId13"/>
+    <p:sldId id="288" r:id="rId14"/>
+    <p:sldId id="293" r:id="rId15"/>
+    <p:sldId id="292" r:id="rId16"/>
     <p:sldId id="274" r:id="rId17"/>
     <p:sldId id="295" r:id="rId18"/>
-    <p:sldId id="275" r:id="rId19"/>
-    <p:sldId id="276" r:id="rId20"/>
-    <p:sldId id="279" r:id="rId21"/>
-    <p:sldId id="280" r:id="rId22"/>
-    <p:sldId id="290" r:id="rId23"/>
+    <p:sldId id="276" r:id="rId19"/>
+    <p:sldId id="279" r:id="rId20"/>
+    <p:sldId id="280" r:id="rId21"/>
+    <p:sldId id="290" r:id="rId22"/>
   </p:sldIdLst>
   <p:sldSz cx="9144000" cy="6858000" type="screen4x3"/>
   <p:notesSz cx="6858000" cy="9144000"/>
@@ -264,7 +263,7 @@
           <a:p>
             <a:fld id="{1AD5DAC3-D1B8-4594-81AC-C61F56190D39}" type="datetimeFigureOut">
               <a:rPr lang="zh-CN" altLang="en-US" smtClean="0"/>
-              <a:t>2019/5/29</a:t>
+              <a:t>2019/5/31</a:t>
             </a:fld>
             <a:endParaRPr lang="zh-CN" altLang="en-US"/>
           </a:p>
@@ -434,7 +433,7 @@
           <a:p>
             <a:fld id="{1AD5DAC3-D1B8-4594-81AC-C61F56190D39}" type="datetimeFigureOut">
               <a:rPr lang="zh-CN" altLang="en-US" smtClean="0"/>
-              <a:t>2019/5/29</a:t>
+              <a:t>2019/5/31</a:t>
             </a:fld>
             <a:endParaRPr lang="zh-CN" altLang="en-US"/>
           </a:p>
@@ -614,7 +613,7 @@
           <a:p>
             <a:fld id="{1AD5DAC3-D1B8-4594-81AC-C61F56190D39}" type="datetimeFigureOut">
               <a:rPr lang="zh-CN" altLang="en-US" smtClean="0"/>
-              <a:t>2019/5/29</a:t>
+              <a:t>2019/5/31</a:t>
             </a:fld>
             <a:endParaRPr lang="zh-CN" altLang="en-US"/>
           </a:p>
@@ -784,7 +783,7 @@
           <a:p>
             <a:fld id="{1AD5DAC3-D1B8-4594-81AC-C61F56190D39}" type="datetimeFigureOut">
               <a:rPr lang="zh-CN" altLang="en-US" smtClean="0"/>
-              <a:t>2019/5/29</a:t>
+              <a:t>2019/5/31</a:t>
             </a:fld>
             <a:endParaRPr lang="zh-CN" altLang="en-US"/>
           </a:p>
@@ -1028,7 +1027,7 @@
           <a:p>
             <a:fld id="{1AD5DAC3-D1B8-4594-81AC-C61F56190D39}" type="datetimeFigureOut">
               <a:rPr lang="zh-CN" altLang="en-US" smtClean="0"/>
-              <a:t>2019/5/29</a:t>
+              <a:t>2019/5/31</a:t>
             </a:fld>
             <a:endParaRPr lang="zh-CN" altLang="en-US"/>
           </a:p>
@@ -1260,7 +1259,7 @@
           <a:p>
             <a:fld id="{1AD5DAC3-D1B8-4594-81AC-C61F56190D39}" type="datetimeFigureOut">
               <a:rPr lang="zh-CN" altLang="en-US" smtClean="0"/>
-              <a:t>2019/5/29</a:t>
+              <a:t>2019/5/31</a:t>
             </a:fld>
             <a:endParaRPr lang="zh-CN" altLang="en-US"/>
           </a:p>
@@ -1627,7 +1626,7 @@
           <a:p>
             <a:fld id="{1AD5DAC3-D1B8-4594-81AC-C61F56190D39}" type="datetimeFigureOut">
               <a:rPr lang="zh-CN" altLang="en-US" smtClean="0"/>
-              <a:t>2019/5/29</a:t>
+              <a:t>2019/5/31</a:t>
             </a:fld>
             <a:endParaRPr lang="zh-CN" altLang="en-US"/>
           </a:p>
@@ -1745,7 +1744,7 @@
           <a:p>
             <a:fld id="{1AD5DAC3-D1B8-4594-81AC-C61F56190D39}" type="datetimeFigureOut">
               <a:rPr lang="zh-CN" altLang="en-US" smtClean="0"/>
-              <a:t>2019/5/29</a:t>
+              <a:t>2019/5/31</a:t>
             </a:fld>
             <a:endParaRPr lang="zh-CN" altLang="en-US"/>
           </a:p>
@@ -1840,7 +1839,7 @@
           <a:p>
             <a:fld id="{1AD5DAC3-D1B8-4594-81AC-C61F56190D39}" type="datetimeFigureOut">
               <a:rPr lang="zh-CN" altLang="en-US" smtClean="0"/>
-              <a:t>2019/5/29</a:t>
+              <a:t>2019/5/31</a:t>
             </a:fld>
             <a:endParaRPr lang="zh-CN" altLang="en-US"/>
           </a:p>
@@ -2117,7 +2116,7 @@
           <a:p>
             <a:fld id="{1AD5DAC3-D1B8-4594-81AC-C61F56190D39}" type="datetimeFigureOut">
               <a:rPr lang="zh-CN" altLang="en-US" smtClean="0"/>
-              <a:t>2019/5/29</a:t>
+              <a:t>2019/5/31</a:t>
             </a:fld>
             <a:endParaRPr lang="zh-CN" altLang="en-US"/>
           </a:p>
@@ -2374,7 +2373,7 @@
           <a:p>
             <a:fld id="{1AD5DAC3-D1B8-4594-81AC-C61F56190D39}" type="datetimeFigureOut">
               <a:rPr lang="zh-CN" altLang="en-US" smtClean="0"/>
-              <a:t>2019/5/29</a:t>
+              <a:t>2019/5/31</a:t>
             </a:fld>
             <a:endParaRPr lang="zh-CN" altLang="en-US"/>
           </a:p>
@@ -2587,7 +2586,7 @@
           <a:p>
             <a:fld id="{1AD5DAC3-D1B8-4594-81AC-C61F56190D39}" type="datetimeFigureOut">
               <a:rPr lang="zh-CN" altLang="en-US" smtClean="0"/>
-              <a:t>2019/5/29</a:t>
+              <a:t>2019/5/31</a:t>
             </a:fld>
             <a:endParaRPr lang="zh-CN" altLang="en-US"/>
           </a:p>
@@ -3045,7 +3044,7 @@
           <a:p>
             <a:r>
               <a:rPr lang="zh-CN" altLang="en-US" dirty="0" smtClean="0"/>
-              <a:t>姓       名：仇思宇</a:t>
+              <a:t>姓         名：仇思宇</a:t>
             </a:r>
             <a:endParaRPr lang="en-US" altLang="zh-CN" dirty="0" smtClean="0"/>
           </a:p>
@@ -3108,17 +3107,18 @@
           <a:lstStyle/>
           <a:p>
             <a:r>
-              <a:rPr lang="zh-CN" altLang="en-US" dirty="0"/>
+              <a:rPr lang="zh-CN" altLang="en-US" dirty="0" smtClean="0"/>
               <a:t>时</a:t>
             </a:r>
             <a:r>
-              <a:rPr lang="en-US" altLang="zh-CN" dirty="0"/>
+              <a:rPr lang="en-US" altLang="zh-CN" dirty="0" smtClean="0"/>
               <a:t>-</a:t>
             </a:r>
             <a:r>
-              <a:rPr lang="zh-CN" altLang="en-US" dirty="0"/>
+              <a:rPr lang="zh-CN" altLang="en-US" dirty="0" smtClean="0"/>
               <a:t>空特征</a:t>
             </a:r>
+            <a:endParaRPr lang="zh-CN" altLang="en-US" dirty="0"/>
           </a:p>
         </p:txBody>
       </p:sp>
@@ -3132,12 +3132,7 @@
             <p:ph idx="1"/>
           </p:nvPr>
         </p:nvSpPr>
-        <p:spPr>
-          <a:xfrm>
-            <a:off x="628650" y="1836993"/>
-            <a:ext cx="7886700" cy="4351338"/>
-          </a:xfrm>
-        </p:spPr>
+        <p:spPr/>
         <p:txBody>
           <a:bodyPr>
             <a:normAutofit/>
@@ -3146,55 +3141,129 @@
           <a:p>
             <a:pPr>
               <a:lnSpc>
-                <a:spcPct val="200000"/>
+                <a:spcPct val="100000"/>
               </a:lnSpc>
-              <a:spcBef>
-                <a:spcPts val="0"/>
-              </a:spcBef>
             </a:pPr>
             <a:r>
-              <a:rPr lang="zh-CN" altLang="en-US" dirty="0" smtClean="0"/>
-              <a:t>时间规整</a:t>
-            </a:r>
-            <a:endParaRPr lang="en-US" altLang="zh-CN" dirty="0"/>
+              <a:rPr lang="zh-CN" altLang="en-US" sz="1600" dirty="0" smtClean="0"/>
+              <a:t>视频序列的</a:t>
+            </a:r>
+            <a:r>
+              <a:rPr lang="zh-CN" altLang="en-US" sz="1600" dirty="0"/>
+              <a:t>长度</a:t>
+            </a:r>
+            <a:r>
+              <a:rPr lang="zh-CN" altLang="en-US" sz="1600" dirty="0" smtClean="0"/>
+              <a:t>标准化的意义：为了解决视频长度对分类结果的影响。</a:t>
+            </a:r>
+            <a:endParaRPr lang="en-US" altLang="zh-CN" sz="1600" dirty="0" smtClean="0"/>
           </a:p>
           <a:p>
             <a:pPr>
               <a:lnSpc>
-                <a:spcPct val="200000"/>
+                <a:spcPct val="100000"/>
               </a:lnSpc>
             </a:pPr>
-            <a:endParaRPr lang="en-US" altLang="zh-CN" dirty="0" smtClean="0"/>
+            <a:r>
+              <a:rPr lang="zh-CN" altLang="en-US" sz="1600" dirty="0" smtClean="0"/>
+              <a:t>三次样条</a:t>
+            </a:r>
+            <a:r>
+              <a:rPr lang="zh-CN" altLang="en-US" sz="1600" dirty="0"/>
+              <a:t>曲线</a:t>
+            </a:r>
+            <a:r>
+              <a:rPr lang="zh-CN" altLang="en-US" sz="1600" dirty="0" smtClean="0"/>
+              <a:t>插值的作用：为了使关节点位置变化具有平滑的特点。</a:t>
+            </a:r>
+            <a:endParaRPr lang="en-US" altLang="zh-CN" sz="1600" dirty="0" smtClean="0"/>
+          </a:p>
+          <a:p>
+            <a:pPr>
+              <a:lnSpc>
+                <a:spcPct val="100000"/>
+              </a:lnSpc>
+            </a:pPr>
+            <a:r>
+              <a:rPr lang="zh-CN" altLang="en-US" sz="1600" dirty="0" smtClean="0"/>
+              <a:t>最近邻插值</a:t>
+            </a:r>
+            <a:r>
+              <a:rPr lang="zh-CN" altLang="en-US" sz="1600" dirty="0"/>
+              <a:t>的作用</a:t>
+            </a:r>
+            <a:r>
+              <a:rPr lang="zh-CN" altLang="en-US" sz="1600" dirty="0" smtClean="0"/>
+              <a:t>：单纯的处理视频长度不一的问题。</a:t>
+            </a:r>
+            <a:endParaRPr lang="en-US" altLang="zh-CN" sz="1600" dirty="0" smtClean="0"/>
+          </a:p>
+          <a:p>
+            <a:pPr>
+              <a:lnSpc>
+                <a:spcPct val="100000"/>
+              </a:lnSpc>
+            </a:pPr>
+            <a:endParaRPr lang="zh-CN" altLang="en-US" sz="1600" dirty="0"/>
+          </a:p>
+          <a:p>
+            <a:pPr>
+              <a:lnSpc>
+                <a:spcPct val="100000"/>
+              </a:lnSpc>
+            </a:pPr>
+            <a:endParaRPr lang="en-US" altLang="zh-CN" sz="1600" dirty="0" smtClean="0"/>
+          </a:p>
+          <a:p>
+            <a:pPr marL="0" indent="0">
+              <a:lnSpc>
+                <a:spcPct val="100000"/>
+              </a:lnSpc>
+              <a:buNone/>
+            </a:pPr>
+            <a:endParaRPr lang="zh-CN" altLang="en-US" sz="1600" dirty="0"/>
           </a:p>
         </p:txBody>
       </p:sp>
       <p:pic>
         <p:nvPicPr>
-          <p:cNvPr id="8" name="图片 7"/>
-          <p:cNvPicPr>
-            <a:picLocks noChangeAspect="1"/>
-          </p:cNvPicPr>
+          <p:cNvPr id="6" name="图片 5"/>
+          <p:cNvPicPr/>
           <p:nvPr/>
         </p:nvPicPr>
         <p:blipFill rotWithShape="1">
-          <a:blip r:embed="rId2"/>
-          <a:srcRect l="4288" r="1021"/>
+          <a:blip r:embed="rId2">
+            <a:extLst>
+              <a:ext uri="{28A0092B-C50C-407E-A947-70E740481C1C}">
+                <a14:useLocalDpi xmlns:a14="http://schemas.microsoft.com/office/drawing/2010/main" val="0"/>
+              </a:ext>
+            </a:extLst>
+          </a:blip>
+          <a:srcRect t="5362" b="2116"/>
           <a:stretch/>
         </p:blipFill>
-        <p:spPr>
+        <p:spPr bwMode="auto">
           <a:xfrm>
-            <a:off x="628650" y="2858201"/>
-            <a:ext cx="7955280" cy="2016314"/>
+            <a:off x="1578095" y="2940246"/>
+            <a:ext cx="5987810" cy="3676215"/>
           </a:xfrm>
           <a:prstGeom prst="rect">
             <a:avLst/>
           </a:prstGeom>
+          <a:ln>
+            <a:noFill/>
+          </a:ln>
+          <a:extLst>
+            <a:ext uri="{53640926-AAD7-44D8-BBD7-CCE9431645EC}">
+              <a14:shadowObscured xmlns:a14="http://schemas.microsoft.com/office/drawing/2010/main"/>
+            </a:ext>
+          </a:extLst>
         </p:spPr>
       </p:pic>
     </p:spTree>
     <p:extLst>
       <p:ext uri="{BB962C8B-B14F-4D97-AF65-F5344CB8AC3E}">
-        <p14:creationId xmlns:p14="http://schemas.microsoft.com/office/powerpoint/2010/main" val="2622128360"/>
+        <p14:creationId xmlns:p14="http://schemas.microsoft.com/office/powerpoint/2010/main" val="538279126"/>
       </p:ext>
     </p:extLst>
   </p:cSld>
@@ -3268,7 +3337,12 @@
             <p:ph idx="1"/>
           </p:nvPr>
         </p:nvSpPr>
-        <p:spPr/>
+        <p:spPr>
+          <a:xfrm>
+            <a:off x="628650" y="1836993"/>
+            <a:ext cx="7886700" cy="4351338"/>
+          </a:xfrm>
+        </p:spPr>
         <p:txBody>
           <a:bodyPr>
             <a:normAutofit/>
@@ -3277,23 +3351,58 @@
           <a:p>
             <a:pPr>
               <a:lnSpc>
-                <a:spcPct val="200000"/>
+                <a:spcPct val="100000"/>
               </a:lnSpc>
             </a:pPr>
             <a:r>
-              <a:rPr lang="zh-CN" altLang="en-US" dirty="0" smtClean="0"/>
-              <a:t>时间模式提取</a:t>
-            </a:r>
-            <a:endParaRPr lang="en-US" altLang="zh-CN" sz="1800" dirty="0"/>
-          </a:p>
-          <a:p>
-            <a:pPr marL="0" indent="0">
+              <a:rPr lang="zh-CN" altLang="en-US" sz="1600" dirty="0" smtClean="0"/>
+              <a:t>在</a:t>
+            </a:r>
+            <a:r>
+              <a:rPr lang="zh-CN" altLang="en-US" sz="1600" dirty="0"/>
+              <a:t>语音识别的相关研究中，不同的讲话习惯会造成识别上的误差。这是由于一句话中每个词停留时间不同导致</a:t>
+            </a:r>
+            <a:r>
+              <a:rPr lang="zh-CN" altLang="en-US" sz="1600" dirty="0" smtClean="0"/>
+              <a:t>的。在</a:t>
+            </a:r>
+            <a:r>
+              <a:rPr lang="zh-CN" altLang="en-US" sz="1600" dirty="0"/>
+              <a:t>动作识别中，这种现象也同样存在</a:t>
+            </a:r>
+            <a:r>
+              <a:rPr lang="zh-CN" altLang="en-US" sz="1600" dirty="0" smtClean="0"/>
+              <a:t>。</a:t>
+            </a:r>
+            <a:endParaRPr lang="en-US" altLang="zh-CN" sz="1600" dirty="0" smtClean="0"/>
+          </a:p>
+          <a:p>
+            <a:pPr>
               <a:lnSpc>
-                <a:spcPct val="200000"/>
+                <a:spcPct val="100000"/>
               </a:lnSpc>
-              <a:buNone/>
             </a:pPr>
-            <a:endParaRPr lang="zh-CN" altLang="en-US" dirty="0"/>
+            <a:r>
+              <a:rPr lang="zh-CN" altLang="en-US" sz="1600" dirty="0"/>
+              <a:t>时间规整的作用</a:t>
+            </a:r>
+            <a:r>
+              <a:rPr lang="zh-CN" altLang="en-US" sz="1600" dirty="0" smtClean="0"/>
+              <a:t>：避免动作</a:t>
+            </a:r>
+            <a:r>
+              <a:rPr lang="zh-CN" altLang="en-US" sz="1600" dirty="0"/>
+              <a:t>各部分执行的</a:t>
+            </a:r>
+            <a:r>
+              <a:rPr lang="zh-CN" altLang="en-US" sz="1600" dirty="0" smtClean="0"/>
+              <a:t>快慢影响识别</a:t>
+            </a:r>
+            <a:r>
+              <a:rPr lang="zh-CN" altLang="en-US" sz="1600" dirty="0"/>
+              <a:t>精确度。</a:t>
+            </a:r>
+            <a:endParaRPr lang="en-US" altLang="zh-CN" sz="1600" dirty="0" smtClean="0"/>
           </a:p>
         </p:txBody>
       </p:sp>
@@ -3311,13 +3420,13 @@
               </a:ext>
             </a:extLst>
           </a:blip>
-          <a:srcRect l="2275" t="4093" b="1603"/>
+          <a:srcRect t="8423" b="3816"/>
           <a:stretch/>
         </p:blipFill>
         <p:spPr bwMode="auto">
           <a:xfrm>
-            <a:off x="2864215" y="2715768"/>
-            <a:ext cx="3415569" cy="3461195"/>
+            <a:off x="1580791" y="3117849"/>
+            <a:ext cx="5982418" cy="3550369"/>
           </a:xfrm>
           <a:prstGeom prst="rect">
             <a:avLst/>
@@ -3335,7 +3444,7 @@
     </p:spTree>
     <p:extLst>
       <p:ext uri="{BB962C8B-B14F-4D97-AF65-F5344CB8AC3E}">
-        <p14:creationId xmlns:p14="http://schemas.microsoft.com/office/powerpoint/2010/main" val="3783198200"/>
+        <p14:creationId xmlns:p14="http://schemas.microsoft.com/office/powerpoint/2010/main" val="2622128360"/>
       </p:ext>
     </p:extLst>
   </p:cSld>
@@ -3385,10 +3494,17 @@
           <a:lstStyle/>
           <a:p>
             <a:r>
-              <a:rPr lang="zh-CN" altLang="en-US" dirty="0" smtClean="0"/>
-              <a:t>学习特征</a:t>
-            </a:r>
-            <a:endParaRPr lang="zh-CN" altLang="en-US" dirty="0"/>
+              <a:rPr lang="zh-CN" altLang="en-US" dirty="0"/>
+              <a:t>时</a:t>
+            </a:r>
+            <a:r>
+              <a:rPr lang="en-US" altLang="zh-CN" dirty="0"/>
+              <a:t>-</a:t>
+            </a:r>
+            <a:r>
+              <a:rPr lang="zh-CN" altLang="en-US" dirty="0"/>
+              <a:t>空特征</a:t>
+            </a:r>
           </a:p>
         </p:txBody>
       </p:sp>
@@ -3411,45 +3527,73 @@
           <a:p>
             <a:pPr>
               <a:lnSpc>
-                <a:spcPct val="200000"/>
+                <a:spcPct val="100000"/>
               </a:lnSpc>
             </a:pPr>
             <a:r>
-              <a:rPr lang="zh-CN" altLang="en-US" dirty="0" smtClean="0"/>
-              <a:t>数据预处理</a:t>
-            </a:r>
-            <a:endParaRPr lang="en-US" altLang="zh-CN" b="1" dirty="0" smtClean="0"/>
+              <a:rPr lang="zh-CN" altLang="en-US" sz="1600" dirty="0" smtClean="0"/>
+              <a:t>傅里叶时间</a:t>
+            </a:r>
+            <a:r>
+              <a:rPr lang="zh-CN" altLang="en-US" sz="1600" dirty="0"/>
+              <a:t>金字塔：一种展示动作时间结构的描述性</a:t>
+            </a:r>
+            <a:r>
+              <a:rPr lang="zh-CN" altLang="en-US" sz="1600" dirty="0" smtClean="0"/>
+              <a:t>特征。</a:t>
+            </a:r>
+            <a:endParaRPr lang="en-US" altLang="zh-CN" sz="1600" dirty="0" smtClean="0"/>
           </a:p>
           <a:p>
             <a:pPr>
               <a:lnSpc>
-                <a:spcPct val="200000"/>
+                <a:spcPct val="100000"/>
               </a:lnSpc>
             </a:pPr>
-            <a:endParaRPr lang="en-US" altLang="zh-CN" b="1" dirty="0" smtClean="0"/>
-          </a:p>
-          <a:p>
-            <a:pPr>
-              <a:lnSpc>
-                <a:spcPct val="200000"/>
-              </a:lnSpc>
-            </a:pPr>
-            <a:endParaRPr lang="en-US" altLang="zh-CN" sz="1800" dirty="0"/>
+            <a:r>
+              <a:rPr lang="zh-CN" altLang="en-US" sz="1600" dirty="0" smtClean="0"/>
+              <a:t>傅立叶</a:t>
+            </a:r>
+            <a:r>
+              <a:rPr lang="zh-CN" altLang="en-US" sz="1600" dirty="0"/>
+              <a:t>时空金字塔</a:t>
+            </a:r>
+            <a:r>
+              <a:rPr lang="zh-CN" altLang="en-US" sz="1600" dirty="0" smtClean="0"/>
+              <a:t>特征的优点：对</a:t>
+            </a:r>
+            <a:r>
+              <a:rPr lang="zh-CN" altLang="en-US" sz="1600" dirty="0"/>
+              <a:t>噪声具有</a:t>
+            </a:r>
+            <a:r>
+              <a:rPr lang="zh-CN" altLang="en-US" sz="1600" dirty="0" smtClean="0"/>
+              <a:t>鲁棒性且对</a:t>
+            </a:r>
+            <a:r>
+              <a:rPr lang="zh-CN" altLang="en-US" sz="1600" dirty="0"/>
+              <a:t>时间错位不</a:t>
+            </a:r>
+            <a:r>
+              <a:rPr lang="zh-CN" altLang="en-US" sz="1600" dirty="0" smtClean="0"/>
+              <a:t>敏感。</a:t>
+            </a:r>
+            <a:endParaRPr lang="en-US" altLang="zh-CN" sz="1600" dirty="0" smtClean="0"/>
           </a:p>
           <a:p>
             <a:pPr marL="0" indent="0">
               <a:lnSpc>
-                <a:spcPct val="200000"/>
+                <a:spcPct val="100000"/>
               </a:lnSpc>
               <a:buNone/>
             </a:pPr>
-            <a:endParaRPr lang="zh-CN" altLang="en-US" dirty="0"/>
+            <a:endParaRPr lang="zh-CN" altLang="en-US" sz="1600" dirty="0"/>
           </a:p>
         </p:txBody>
       </p:sp>
       <p:pic>
         <p:nvPicPr>
-          <p:cNvPr id="6" name="图片 5"/>
+          <p:cNvPr id="5" name="图片 4"/>
           <p:cNvPicPr/>
           <p:nvPr/>
         </p:nvPicPr>
@@ -3461,13 +3605,13 @@
               </a:ext>
             </a:extLst>
           </a:blip>
-          <a:srcRect t="4754" b="4896"/>
+          <a:srcRect l="2275" t="4093" b="1603"/>
           <a:stretch/>
         </p:blipFill>
         <p:spPr bwMode="auto">
           <a:xfrm>
-            <a:off x="1148667" y="3037607"/>
-            <a:ext cx="6846666" cy="2704338"/>
+            <a:off x="628650" y="2715768"/>
+            <a:ext cx="3415569" cy="3461195"/>
           </a:xfrm>
           <a:prstGeom prst="rect">
             <a:avLst/>
@@ -3490,22 +3634,75 @@
         </p:nvSpPr>
         <p:spPr>
           <a:xfrm>
-            <a:off x="3873732" y="5876881"/>
-            <a:ext cx="1396536" cy="300082"/>
+            <a:off x="4343421" y="2715767"/>
+            <a:ext cx="3739529" cy="1451679"/>
           </a:xfrm>
           <a:prstGeom prst="rect">
             <a:avLst/>
           </a:prstGeom>
         </p:spPr>
         <p:txBody>
-          <a:bodyPr wrap="none">
+          <a:bodyPr wrap="square">
             <a:spAutoFit/>
           </a:bodyPr>
           <a:lstStyle/>
           <a:p>
-            <a:r>
-              <a:rPr lang="zh-CN" altLang="en-US" sz="1350" dirty="0"/>
-              <a:t>数据预处理过程</a:t>
+            <a:pPr marL="285750" indent="-285750">
+              <a:spcBef>
+                <a:spcPts val="1000"/>
+              </a:spcBef>
+              <a:buFont typeface="Arial" panose="020B0604020202020204" pitchFamily="34" charset="0"/>
+              <a:buChar char="•"/>
+            </a:pPr>
+            <a:r>
+              <a:rPr lang="zh-CN" altLang="en-US" sz="1600" dirty="0"/>
+              <a:t>对于金字塔每层的每个视频</a:t>
+            </a:r>
+            <a:r>
+              <a:rPr lang="zh-CN" altLang="en-US" sz="1600" dirty="0" smtClean="0"/>
+              <a:t>分段使用快速傅里叶变换获得</a:t>
+            </a:r>
+            <a:r>
+              <a:rPr lang="zh-CN" altLang="en-US" sz="1600" dirty="0"/>
+              <a:t>其</a:t>
+            </a:r>
+            <a:r>
+              <a:rPr lang="zh-CN" altLang="en-US" sz="1600" dirty="0" smtClean="0"/>
+              <a:t>傅里叶系数。</a:t>
+            </a:r>
+            <a:endParaRPr lang="en-US" altLang="zh-CN" sz="1600" dirty="0" smtClean="0"/>
+          </a:p>
+          <a:p>
+            <a:pPr marL="285750" indent="-285750">
+              <a:spcBef>
+                <a:spcPts val="1000"/>
+              </a:spcBef>
+              <a:buFont typeface="Arial" panose="020B0604020202020204" pitchFamily="34" charset="0"/>
+              <a:buChar char="•"/>
+            </a:pPr>
+            <a:r>
+              <a:rPr lang="zh-CN" altLang="zh-CN" sz="1600" dirty="0" smtClean="0"/>
+              <a:t>视频样本</a:t>
+            </a:r>
+            <a:r>
+              <a:rPr lang="zh-CN" altLang="en-US" sz="1600" dirty="0" smtClean="0"/>
+              <a:t>的</a:t>
+            </a:r>
+            <a:r>
+              <a:rPr lang="zh-CN" altLang="zh-CN" sz="1600" dirty="0" smtClean="0"/>
+              <a:t>傅立叶</a:t>
+            </a:r>
+            <a:r>
+              <a:rPr lang="zh-CN" altLang="zh-CN" sz="1600" dirty="0"/>
+              <a:t>时间金字塔特征被定义为金字塔所有层次低频系数的</a:t>
+            </a:r>
+            <a:r>
+              <a:rPr lang="zh-CN" altLang="zh-CN" sz="1600" dirty="0" smtClean="0"/>
+              <a:t>组合</a:t>
+            </a:r>
+            <a:r>
+              <a:rPr lang="zh-CN" altLang="en-US" sz="1600" dirty="0"/>
+              <a:t>。</a:t>
             </a:r>
           </a:p>
         </p:txBody>
@@ -3513,7 +3710,7 @@
     </p:spTree>
     <p:extLst>
       <p:ext uri="{BB962C8B-B14F-4D97-AF65-F5344CB8AC3E}">
-        <p14:creationId xmlns:p14="http://schemas.microsoft.com/office/powerpoint/2010/main" val="149632214"/>
+        <p14:creationId xmlns:p14="http://schemas.microsoft.com/office/powerpoint/2010/main" val="3783198200"/>
       </p:ext>
     </p:extLst>
   </p:cSld>
@@ -3589,39 +3786,227 @@
           <a:p>
             <a:pPr>
               <a:lnSpc>
-                <a:spcPct val="200000"/>
+                <a:spcPct val="100000"/>
               </a:lnSpc>
             </a:pPr>
             <a:r>
-              <a:rPr lang="zh-CN" altLang="en-US" smtClean="0"/>
-              <a:t>数据增强</a:t>
-            </a:r>
-            <a:endParaRPr lang="en-US" altLang="zh-CN" b="1" smtClean="0"/>
-          </a:p>
+              <a:rPr lang="zh-CN" altLang="en-US" sz="1600" dirty="0"/>
+              <a:t>数据预处理</a:t>
+            </a:r>
+            <a:r>
+              <a:rPr lang="zh-CN" altLang="en-US" sz="1600" dirty="0" smtClean="0"/>
+              <a:t>：</a:t>
+            </a:r>
+            <a:r>
+              <a:rPr lang="zh-CN" altLang="en-US" sz="1600" dirty="0"/>
+              <a:t>使用前景提取、边框切割和标准化等方法对视频的每一帧图像进行简单的</a:t>
+            </a:r>
+            <a:r>
+              <a:rPr lang="zh-CN" altLang="en-US" sz="1600" dirty="0" smtClean="0"/>
+              <a:t>预处理，从而使</a:t>
+            </a:r>
+            <a:r>
+              <a:rPr lang="zh-CN" altLang="en-US" sz="1600" dirty="0"/>
+              <a:t>神经网络更快地拟合并且具有更高的</a:t>
+            </a:r>
+            <a:r>
+              <a:rPr lang="zh-CN" altLang="en-US" sz="1600" dirty="0" smtClean="0"/>
+              <a:t>精确度。</a:t>
+            </a:r>
+            <a:endParaRPr lang="zh-CN" altLang="en-US" sz="1600" dirty="0"/>
+          </a:p>
+        </p:txBody>
+      </p:sp>
+      <p:pic>
+        <p:nvPicPr>
+          <p:cNvPr id="6" name="图片 5"/>
+          <p:cNvPicPr/>
+          <p:nvPr/>
+        </p:nvPicPr>
+        <p:blipFill rotWithShape="1">
+          <a:blip r:embed="rId2">
+            <a:extLst>
+              <a:ext uri="{28A0092B-C50C-407E-A947-70E740481C1C}">
+                <a14:useLocalDpi xmlns:a14="http://schemas.microsoft.com/office/drawing/2010/main" val="0"/>
+              </a:ext>
+            </a:extLst>
+          </a:blip>
+          <a:srcRect t="4754" b="4896"/>
+          <a:stretch/>
+        </p:blipFill>
+        <p:spPr bwMode="auto">
+          <a:xfrm>
+            <a:off x="1148667" y="2761562"/>
+            <a:ext cx="6846666" cy="2704338"/>
+          </a:xfrm>
+          <a:prstGeom prst="rect">
+            <a:avLst/>
+          </a:prstGeom>
+          <a:ln>
+            <a:noFill/>
+          </a:ln>
+          <a:extLst>
+            <a:ext uri="{53640926-AAD7-44D8-BBD7-CCE9431645EC}">
+              <a14:shadowObscured xmlns:a14="http://schemas.microsoft.com/office/drawing/2010/main"/>
+            </a:ext>
+          </a:extLst>
+        </p:spPr>
+      </p:pic>
+      <p:sp>
+        <p:nvSpPr>
+          <p:cNvPr id="4" name="矩形 3"/>
+          <p:cNvSpPr/>
+          <p:nvPr/>
+        </p:nvSpPr>
+        <p:spPr>
+          <a:xfrm>
+            <a:off x="3873732" y="5600836"/>
+            <a:ext cx="1396536" cy="300082"/>
+          </a:xfrm>
+          <a:prstGeom prst="rect">
+            <a:avLst/>
+          </a:prstGeom>
+        </p:spPr>
+        <p:txBody>
+          <a:bodyPr wrap="none">
+            <a:spAutoFit/>
+          </a:bodyPr>
+          <a:lstStyle/>
+          <a:p>
+            <a:r>
+              <a:rPr lang="zh-CN" altLang="en-US" sz="1350" dirty="0"/>
+              <a:t>数据预处理过程</a:t>
+            </a:r>
+          </a:p>
+        </p:txBody>
+      </p:sp>
+    </p:spTree>
+    <p:extLst>
+      <p:ext uri="{BB962C8B-B14F-4D97-AF65-F5344CB8AC3E}">
+        <p14:creationId xmlns:p14="http://schemas.microsoft.com/office/powerpoint/2010/main" val="149632214"/>
+      </p:ext>
+    </p:extLst>
+  </p:cSld>
+  <p:clrMapOvr>
+    <a:masterClrMapping/>
+  </p:clrMapOvr>
+  <p:timing>
+    <p:tnLst>
+      <p:par>
+        <p:cTn id="1" dur="indefinite" restart="never" nodeType="tmRoot"/>
+      </p:par>
+    </p:tnLst>
+  </p:timing>
+</p:sld>
+</file>
+
+<file path=ppt/slides/slide14.xml><?xml version="1.0" encoding="utf-8"?>
+<p:sld xmlns:a="http://schemas.openxmlformats.org/drawingml/2006/main" xmlns:r="http://schemas.openxmlformats.org/officeDocument/2006/relationships" xmlns:p="http://schemas.openxmlformats.org/presentationml/2006/main">
+  <p:cSld>
+    <p:spTree>
+      <p:nvGrpSpPr>
+        <p:cNvPr id="1" name=""/>
+        <p:cNvGrpSpPr/>
+        <p:nvPr/>
+      </p:nvGrpSpPr>
+      <p:grpSpPr>
+        <a:xfrm>
+          <a:off x="0" y="0"/>
+          <a:ext cx="0" cy="0"/>
+          <a:chOff x="0" y="0"/>
+          <a:chExt cx="0" cy="0"/>
+        </a:xfrm>
+      </p:grpSpPr>
+      <p:sp>
+        <p:nvSpPr>
+          <p:cNvPr id="2" name="标题 1"/>
+          <p:cNvSpPr>
+            <a:spLocks noGrp="1"/>
+          </p:cNvSpPr>
+          <p:nvPr>
+            <p:ph type="title"/>
+          </p:nvPr>
+        </p:nvSpPr>
+        <p:spPr/>
+        <p:txBody>
+          <a:bodyPr/>
+          <a:lstStyle/>
+          <a:p>
+            <a:r>
+              <a:rPr lang="zh-CN" altLang="en-US" dirty="0" smtClean="0"/>
+              <a:t>学习特征</a:t>
+            </a:r>
+            <a:endParaRPr lang="zh-CN" altLang="en-US" dirty="0"/>
+          </a:p>
+        </p:txBody>
+      </p:sp>
+      <p:sp>
+        <p:nvSpPr>
+          <p:cNvPr id="3" name="内容占位符 2"/>
+          <p:cNvSpPr>
+            <a:spLocks noGrp="1"/>
+          </p:cNvSpPr>
+          <p:nvPr>
+            <p:ph idx="1"/>
+          </p:nvPr>
+        </p:nvSpPr>
+        <p:spPr/>
+        <p:txBody>
+          <a:bodyPr>
+            <a:normAutofit/>
+          </a:bodyPr>
+          <a:lstStyle/>
           <a:p>
             <a:pPr>
               <a:lnSpc>
-                <a:spcPct val="200000"/>
+                <a:spcPct val="100000"/>
               </a:lnSpc>
             </a:pPr>
-            <a:endParaRPr lang="en-US" altLang="zh-CN" b="1" smtClean="0"/>
+            <a:r>
+              <a:rPr lang="zh-CN" altLang="en-US" sz="1600" dirty="0" smtClean="0"/>
+              <a:t>数据</a:t>
+            </a:r>
+            <a:r>
+              <a:rPr lang="zh-CN" altLang="en-US" sz="1600" dirty="0"/>
+              <a:t>增强</a:t>
+            </a:r>
+            <a:r>
+              <a:rPr lang="zh-CN" altLang="en-US" sz="1600" dirty="0" smtClean="0"/>
+              <a:t>：基于较小</a:t>
+            </a:r>
+            <a:r>
+              <a:rPr lang="zh-CN" altLang="en-US" sz="1600" dirty="0"/>
+              <a:t>的深度动作数据集</a:t>
+            </a:r>
+            <a:r>
+              <a:rPr lang="zh-CN" altLang="en-US" sz="1600" dirty="0" smtClean="0"/>
+              <a:t>，获得更高</a:t>
+            </a:r>
+            <a:r>
+              <a:rPr lang="zh-CN" altLang="en-US" sz="1600" dirty="0"/>
+              <a:t>识别</a:t>
+            </a:r>
+            <a:r>
+              <a:rPr lang="zh-CN" altLang="en-US" sz="1600" dirty="0" smtClean="0"/>
+              <a:t>正确率。</a:t>
+            </a:r>
+            <a:endParaRPr lang="en-US" altLang="zh-CN" sz="1600" dirty="0" smtClean="0"/>
           </a:p>
           <a:p>
             <a:pPr>
               <a:lnSpc>
-                <a:spcPct val="200000"/>
+                <a:spcPct val="100000"/>
               </a:lnSpc>
             </a:pPr>
-            <a:endParaRPr lang="en-US" altLang="zh-CN" sz="1800" smtClean="0"/>
-          </a:p>
-          <a:p>
-            <a:pPr marL="0" indent="0">
-              <a:lnSpc>
-                <a:spcPct val="200000"/>
-              </a:lnSpc>
-              <a:buNone/>
-            </a:pPr>
-            <a:endParaRPr lang="zh-CN" altLang="en-US" dirty="0"/>
+            <a:r>
+              <a:rPr lang="zh-CN" altLang="en-US" sz="1600" dirty="0"/>
+              <a:t>使用三个不同视角的点云图像作为神经网络的输入，对每个视角的数据训练三维卷积神经网络，将获得的后验概率作为决策</a:t>
+            </a:r>
+            <a:r>
+              <a:rPr lang="zh-CN" altLang="en-US" sz="1600" dirty="0" smtClean="0"/>
+              <a:t>依据。</a:t>
+            </a:r>
+            <a:endParaRPr lang="zh-CN" altLang="en-US" sz="1600" dirty="0"/>
           </a:p>
         </p:txBody>
       </p:sp>
@@ -3633,7 +4018,7 @@
         </p:nvSpPr>
         <p:spPr>
           <a:xfrm>
-            <a:off x="2182314" y="5876881"/>
+            <a:off x="1774604" y="5876881"/>
             <a:ext cx="1396536" cy="300082"/>
           </a:xfrm>
           <a:prstGeom prst="rect">
@@ -3672,7 +4057,7 @@
         </p:blipFill>
         <p:spPr bwMode="auto">
           <a:xfrm>
-            <a:off x="1248600" y="3031902"/>
+            <a:off x="840890" y="3031902"/>
             <a:ext cx="3263964" cy="2619090"/>
           </a:xfrm>
           <a:prstGeom prst="rect">
@@ -4760,177 +5145,6 @@
 </p:sld>
 </file>
 
-<file path=ppt/slides/slide14.xml><?xml version="1.0" encoding="utf-8"?>
-<p:sld xmlns:a="http://schemas.openxmlformats.org/drawingml/2006/main" xmlns:r="http://schemas.openxmlformats.org/officeDocument/2006/relationships" xmlns:p="http://schemas.openxmlformats.org/presentationml/2006/main">
-  <p:cSld>
-    <p:spTree>
-      <p:nvGrpSpPr>
-        <p:cNvPr id="1" name=""/>
-        <p:cNvGrpSpPr/>
-        <p:nvPr/>
-      </p:nvGrpSpPr>
-      <p:grpSpPr>
-        <a:xfrm>
-          <a:off x="0" y="0"/>
-          <a:ext cx="0" cy="0"/>
-          <a:chOff x="0" y="0"/>
-          <a:chExt cx="0" cy="0"/>
-        </a:xfrm>
-      </p:grpSpPr>
-      <p:sp>
-        <p:nvSpPr>
-          <p:cNvPr id="2" name="标题 1"/>
-          <p:cNvSpPr>
-            <a:spLocks noGrp="1"/>
-          </p:cNvSpPr>
-          <p:nvPr>
-            <p:ph type="title"/>
-          </p:nvPr>
-        </p:nvSpPr>
-        <p:spPr/>
-        <p:txBody>
-          <a:bodyPr/>
-          <a:lstStyle/>
-          <a:p>
-            <a:r>
-              <a:rPr lang="zh-CN" altLang="en-US" dirty="0" smtClean="0"/>
-              <a:t>学习特征</a:t>
-            </a:r>
-            <a:endParaRPr lang="zh-CN" altLang="en-US" dirty="0"/>
-          </a:p>
-        </p:txBody>
-      </p:sp>
-      <p:sp>
-        <p:nvSpPr>
-          <p:cNvPr id="3" name="内容占位符 2"/>
-          <p:cNvSpPr>
-            <a:spLocks noGrp="1"/>
-          </p:cNvSpPr>
-          <p:nvPr>
-            <p:ph idx="1"/>
-          </p:nvPr>
-        </p:nvSpPr>
-        <p:spPr/>
-        <p:txBody>
-          <a:bodyPr>
-            <a:normAutofit/>
-          </a:bodyPr>
-          <a:lstStyle/>
-          <a:p>
-            <a:pPr>
-              <a:lnSpc>
-                <a:spcPct val="200000"/>
-              </a:lnSpc>
-            </a:pPr>
-            <a:r>
-              <a:rPr lang="zh-CN" altLang="en-US" dirty="0" smtClean="0"/>
-              <a:t>神经网络参数的设定</a:t>
-            </a:r>
-            <a:endParaRPr lang="en-US" altLang="zh-CN" b="1" dirty="0" smtClean="0"/>
-          </a:p>
-          <a:p>
-            <a:pPr>
-              <a:lnSpc>
-                <a:spcPct val="200000"/>
-              </a:lnSpc>
-            </a:pPr>
-            <a:endParaRPr lang="en-US" altLang="zh-CN" b="1" dirty="0" smtClean="0"/>
-          </a:p>
-          <a:p>
-            <a:pPr>
-              <a:lnSpc>
-                <a:spcPct val="200000"/>
-              </a:lnSpc>
-            </a:pPr>
-            <a:endParaRPr lang="en-US" altLang="zh-CN" sz="1800" dirty="0"/>
-          </a:p>
-          <a:p>
-            <a:pPr marL="0" indent="0">
-              <a:lnSpc>
-                <a:spcPct val="200000"/>
-              </a:lnSpc>
-              <a:buNone/>
-            </a:pPr>
-            <a:endParaRPr lang="zh-CN" altLang="en-US" dirty="0"/>
-          </a:p>
-        </p:txBody>
-      </p:sp>
-      <p:pic>
-        <p:nvPicPr>
-          <p:cNvPr id="7" name="图片 6"/>
-          <p:cNvPicPr/>
-          <p:nvPr/>
-        </p:nvPicPr>
-        <p:blipFill>
-          <a:blip r:embed="rId2">
-            <a:extLst>
-              <a:ext uri="{28A0092B-C50C-407E-A947-70E740481C1C}">
-                <a14:useLocalDpi xmlns:a14="http://schemas.microsoft.com/office/drawing/2010/main" val="0"/>
-              </a:ext>
-            </a:extLst>
-          </a:blip>
-          <a:stretch>
-            <a:fillRect/>
-          </a:stretch>
-        </p:blipFill>
-        <p:spPr>
-          <a:xfrm>
-            <a:off x="1360122" y="2809494"/>
-            <a:ext cx="6423756" cy="2923794"/>
-          </a:xfrm>
-          <a:prstGeom prst="rect">
-            <a:avLst/>
-          </a:prstGeom>
-        </p:spPr>
-      </p:pic>
-      <p:sp>
-        <p:nvSpPr>
-          <p:cNvPr id="9" name="矩形 8"/>
-          <p:cNvSpPr/>
-          <p:nvPr/>
-        </p:nvSpPr>
-        <p:spPr>
-          <a:xfrm>
-            <a:off x="3960294" y="5940889"/>
-            <a:ext cx="1223412" cy="300082"/>
-          </a:xfrm>
-          <a:prstGeom prst="rect">
-            <a:avLst/>
-          </a:prstGeom>
-        </p:spPr>
-        <p:txBody>
-          <a:bodyPr wrap="none">
-            <a:spAutoFit/>
-          </a:bodyPr>
-          <a:lstStyle/>
-          <a:p>
-            <a:r>
-              <a:rPr lang="zh-CN" altLang="en-US" sz="1350" dirty="0"/>
-              <a:t>神经网络结构</a:t>
-            </a:r>
-          </a:p>
-        </p:txBody>
-      </p:sp>
-    </p:spTree>
-    <p:extLst>
-      <p:ext uri="{BB962C8B-B14F-4D97-AF65-F5344CB8AC3E}">
-        <p14:creationId xmlns:p14="http://schemas.microsoft.com/office/powerpoint/2010/main" val="871240453"/>
-      </p:ext>
-    </p:extLst>
-  </p:cSld>
-  <p:clrMapOvr>
-    <a:masterClrMapping/>
-  </p:clrMapOvr>
-  <p:timing>
-    <p:tnLst>
-      <p:par>
-        <p:cTn id="1" dur="indefinite" restart="never" nodeType="tmRoot"/>
-      </p:par>
-    </p:tnLst>
-  </p:timing>
-</p:sld>
-</file>
-
 <file path=ppt/slides/slide15.xml><?xml version="1.0" encoding="utf-8"?>
 <p:sld xmlns:a="http://schemas.openxmlformats.org/drawingml/2006/main" xmlns:r="http://schemas.openxmlformats.org/officeDocument/2006/relationships" xmlns:p="http://schemas.openxmlformats.org/presentationml/2006/main">
   <p:cSld>
@@ -4990,44 +5204,67 @@
           <a:p>
             <a:pPr>
               <a:lnSpc>
-                <a:spcPct val="200000"/>
+                <a:spcPct val="100000"/>
               </a:lnSpc>
             </a:pPr>
             <a:r>
-              <a:rPr lang="zh-CN" altLang="en-US" dirty="0" smtClean="0"/>
-              <a:t>决策融合</a:t>
-            </a:r>
-            <a:endParaRPr lang="en-US" altLang="zh-CN" b="1" dirty="0" smtClean="0"/>
+              <a:rPr lang="zh-CN" altLang="en-US" sz="1600" dirty="0"/>
+              <a:t>基于学习特征的动作识别框架有典型的两种设计思路，一是直接使用纯神经网络结构对原始数据进行学习，或者使用神经网络与其他分类器组合</a:t>
+            </a:r>
+            <a:r>
+              <a:rPr lang="zh-CN" altLang="en-US" sz="1600" dirty="0" smtClean="0"/>
+              <a:t>使用。</a:t>
+            </a:r>
+            <a:endParaRPr lang="en-US" altLang="zh-CN" sz="1600" dirty="0" smtClean="0"/>
           </a:p>
           <a:p>
             <a:pPr>
               <a:lnSpc>
-                <a:spcPct val="200000"/>
+                <a:spcPct val="100000"/>
               </a:lnSpc>
             </a:pPr>
-            <a:endParaRPr lang="en-US" altLang="zh-CN" sz="1800" dirty="0"/>
-          </a:p>
-          <a:p>
-            <a:pPr marL="0" indent="0">
-              <a:lnSpc>
-                <a:spcPct val="200000"/>
-              </a:lnSpc>
-              <a:buNone/>
-            </a:pPr>
-            <a:endParaRPr lang="zh-CN" altLang="en-US" dirty="0"/>
+            <a:endParaRPr lang="zh-CN" altLang="en-US" sz="1600" dirty="0"/>
           </a:p>
         </p:txBody>
       </p:sp>
+      <p:pic>
+        <p:nvPicPr>
+          <p:cNvPr id="7" name="图片 6"/>
+          <p:cNvPicPr/>
+          <p:nvPr/>
+        </p:nvPicPr>
+        <p:blipFill>
+          <a:blip r:embed="rId2">
+            <a:extLst>
+              <a:ext uri="{28A0092B-C50C-407E-A947-70E740481C1C}">
+                <a14:useLocalDpi xmlns:a14="http://schemas.microsoft.com/office/drawing/2010/main" val="0"/>
+              </a:ext>
+            </a:extLst>
+          </a:blip>
+          <a:stretch>
+            <a:fillRect/>
+          </a:stretch>
+        </p:blipFill>
+        <p:spPr>
+          <a:xfrm>
+            <a:off x="628650" y="2996376"/>
+            <a:ext cx="3632799" cy="1773763"/>
+          </a:xfrm>
+          <a:prstGeom prst="rect">
+            <a:avLst/>
+          </a:prstGeom>
+        </p:spPr>
+      </p:pic>
       <p:sp>
         <p:nvSpPr>
-          <p:cNvPr id="4" name="矩形 3"/>
+          <p:cNvPr id="9" name="矩形 8"/>
           <p:cNvSpPr/>
           <p:nvPr/>
         </p:nvSpPr>
         <p:spPr>
           <a:xfrm>
-            <a:off x="3905959" y="5771528"/>
-            <a:ext cx="1569660" cy="300082"/>
+            <a:off x="1833343" y="4905075"/>
+            <a:ext cx="1223412" cy="300082"/>
           </a:xfrm>
           <a:prstGeom prst="rect">
             <a:avLst/>
@@ -5041,19 +5278,19 @@
           <a:p>
             <a:r>
               <a:rPr lang="zh-CN" altLang="en-US" sz="1350" dirty="0"/>
-              <a:t>动作识别框架结构</a:t>
+              <a:t>神经网络结构</a:t>
             </a:r>
           </a:p>
         </p:txBody>
       </p:sp>
       <p:pic>
         <p:nvPicPr>
-          <p:cNvPr id="8" name="图片 7"/>
+          <p:cNvPr id="6" name="图片 5"/>
           <p:cNvPicPr/>
           <p:nvPr/>
         </p:nvPicPr>
         <p:blipFill rotWithShape="1">
-          <a:blip r:embed="rId2">
+          <a:blip r:embed="rId3">
             <a:extLst>
               <a:ext uri="{28A0092B-C50C-407E-A947-70E740481C1C}">
                 <a14:useLocalDpi xmlns:a14="http://schemas.microsoft.com/office/drawing/2010/main" val="0"/>
@@ -5065,8 +5302,8 @@
         </p:blipFill>
         <p:spPr bwMode="auto">
           <a:xfrm>
-            <a:off x="2529375" y="2715353"/>
-            <a:ext cx="4322827" cy="2571881"/>
+            <a:off x="4498639" y="2898475"/>
+            <a:ext cx="3834478" cy="2006600"/>
           </a:xfrm>
           <a:prstGeom prst="rect">
             <a:avLst/>
@@ -5081,10 +5318,38 @@
           </a:extLst>
         </p:spPr>
       </p:pic>
+      <p:sp>
+        <p:nvSpPr>
+          <p:cNvPr id="4" name="矩形 3"/>
+          <p:cNvSpPr/>
+          <p:nvPr/>
+        </p:nvSpPr>
+        <p:spPr>
+          <a:xfrm>
+            <a:off x="5111675" y="4905075"/>
+            <a:ext cx="2608406" cy="300082"/>
+          </a:xfrm>
+          <a:prstGeom prst="rect">
+            <a:avLst/>
+          </a:prstGeom>
+        </p:spPr>
+        <p:txBody>
+          <a:bodyPr wrap="none">
+            <a:spAutoFit/>
+          </a:bodyPr>
+          <a:lstStyle/>
+          <a:p>
+            <a:r>
+              <a:rPr lang="zh-CN" altLang="en-US" sz="1350" dirty="0"/>
+              <a:t>神经网络与其他分类器组合使用</a:t>
+            </a:r>
+          </a:p>
+        </p:txBody>
+      </p:sp>
     </p:spTree>
     <p:extLst>
       <p:ext uri="{BB962C8B-B14F-4D97-AF65-F5344CB8AC3E}">
-        <p14:creationId xmlns:p14="http://schemas.microsoft.com/office/powerpoint/2010/main" val="1994244963"/>
+        <p14:creationId xmlns:p14="http://schemas.microsoft.com/office/powerpoint/2010/main" val="871240453"/>
       </p:ext>
     </p:extLst>
   </p:cSld>
@@ -5152,27 +5417,60 @@
         </p:nvSpPr>
         <p:spPr/>
         <p:txBody>
-          <a:bodyPr/>
+          <a:bodyPr>
+            <a:normAutofit/>
+          </a:bodyPr>
           <a:lstStyle/>
           <a:p>
             <a:pPr>
               <a:lnSpc>
-                <a:spcPct val="200000"/>
+                <a:spcPct val="100000"/>
               </a:lnSpc>
             </a:pPr>
             <a:r>
-              <a:rPr lang="zh-CN" altLang="en-US" dirty="0" smtClean="0"/>
-              <a:t>选用的数据集</a:t>
-            </a:r>
-            <a:endParaRPr lang="en-US" altLang="zh-CN" b="1" dirty="0" smtClean="0"/>
+              <a:rPr lang="zh-CN" altLang="en-US" sz="1600" dirty="0" smtClean="0"/>
+              <a:t>选用的数据</a:t>
+            </a:r>
+            <a:r>
+              <a:rPr lang="zh-CN" altLang="en-US" sz="1600" dirty="0"/>
+              <a:t>集</a:t>
+            </a:r>
+            <a:r>
+              <a:rPr lang="zh-CN" altLang="en-US" sz="1600" dirty="0" smtClean="0"/>
+              <a:t>：实验主要</a:t>
+            </a:r>
+            <a:r>
+              <a:rPr lang="zh-CN" altLang="en-US" sz="1600" dirty="0"/>
+              <a:t>使用</a:t>
+            </a:r>
+            <a:r>
+              <a:rPr lang="en-US" altLang="zh-CN" sz="1600" dirty="0"/>
+              <a:t>MSR Action3D</a:t>
+            </a:r>
+            <a:r>
+              <a:rPr lang="zh-CN" altLang="en-US" sz="1600" dirty="0"/>
+              <a:t>数据进行动作及行为结果的评估</a:t>
+            </a:r>
+            <a:r>
+              <a:rPr lang="zh-CN" altLang="en-US" sz="1600" dirty="0" smtClean="0"/>
+              <a:t>。</a:t>
+            </a:r>
+            <a:endParaRPr lang="en-US" altLang="zh-CN" sz="1600" dirty="0" smtClean="0"/>
           </a:p>
           <a:p>
             <a:pPr>
               <a:lnSpc>
-                <a:spcPct val="200000"/>
+                <a:spcPct val="100000"/>
               </a:lnSpc>
             </a:pPr>
-            <a:endParaRPr lang="zh-CN" altLang="en-US" dirty="0"/>
+            <a:r>
+              <a:rPr lang="zh-CN" altLang="en-US" sz="1600" dirty="0" smtClean="0"/>
+              <a:t>该</a:t>
+            </a:r>
+            <a:r>
+              <a:rPr lang="zh-CN" altLang="en-US" sz="1600" dirty="0"/>
+              <a:t>数据集内包含深度图像与骨架关节信息，其中深度图像为无背景的纯人体运动目标，因此无需对该数据集进行前景提取。</a:t>
+            </a:r>
           </a:p>
         </p:txBody>
       </p:sp>
@@ -5185,14 +5483,14 @@
           <p:nvPr>
             <p:extLst>
               <p:ext uri="{D42A27DB-BD31-4B8C-83A1-F6EECF244321}">
-                <p14:modId xmlns:p14="http://schemas.microsoft.com/office/powerpoint/2010/main" val="2656667068"/>
+                <p14:modId xmlns:p14="http://schemas.microsoft.com/office/powerpoint/2010/main" val="778462129"/>
               </p:ext>
             </p:extLst>
           </p:nvPr>
         </p:nvGraphicFramePr>
         <p:xfrm>
-          <a:off x="628650" y="3119588"/>
-          <a:ext cx="7772401" cy="2780880"/>
+          <a:off x="685799" y="3131388"/>
+          <a:ext cx="7772401" cy="2130208"/>
         </p:xfrm>
         <a:graphic>
           <a:graphicData uri="http://schemas.openxmlformats.org/drawingml/2006/table">
@@ -5230,7 +5528,7 @@
                   </a:extLst>
                 </a:gridCol>
               </a:tblGrid>
-              <a:tr h="519399">
+              <a:tr h="394743">
                 <a:tc>
                   <a:txBody>
                     <a:bodyPr/>
@@ -5551,7 +5849,7 @@
                   </a:ext>
                 </a:extLst>
               </a:tr>
-              <a:tr h="2261481">
+              <a:tr h="1718728">
                 <a:tc>
                   <a:txBody>
                     <a:bodyPr/>
@@ -6015,18 +6313,58 @@
           <a:p>
             <a:pPr>
               <a:lnSpc>
-                <a:spcPct val="200000"/>
+                <a:spcPct val="100000"/>
               </a:lnSpc>
             </a:pPr>
             <a:r>
-              <a:rPr lang="zh-CN" altLang="en-US" dirty="0" smtClean="0"/>
-              <a:t>模型测试方法：</a:t>
-            </a:r>
-            <a:r>
-              <a:rPr lang="zh-CN" altLang="en-US" b="1" dirty="0" smtClean="0"/>
-              <a:t>跨目标测试</a:t>
-            </a:r>
-            <a:endParaRPr lang="en-US" altLang="zh-CN" b="1" dirty="0" smtClean="0"/>
+              <a:rPr lang="zh-CN" altLang="en-US" sz="1600" dirty="0" smtClean="0"/>
+              <a:t>模型测试方法：跨目标测试。</a:t>
+            </a:r>
+            <a:endParaRPr lang="en-US" altLang="zh-CN" sz="1600" dirty="0" smtClean="0"/>
+          </a:p>
+          <a:p>
+            <a:pPr>
+              <a:lnSpc>
+                <a:spcPct val="100000"/>
+              </a:lnSpc>
+            </a:pPr>
+            <a:r>
+              <a:rPr lang="zh-CN" altLang="en-US" sz="1600" dirty="0"/>
+              <a:t>跨目标验证的思想是：训练样本与测试样本分别来自不同动作执行者的动作</a:t>
+            </a:r>
+            <a:r>
+              <a:rPr lang="zh-CN" altLang="en-US" sz="1600" dirty="0" smtClean="0"/>
+              <a:t>序列。</a:t>
+            </a:r>
+            <a:endParaRPr lang="en-US" altLang="zh-CN" sz="1600" dirty="0" smtClean="0"/>
+          </a:p>
+          <a:p>
+            <a:pPr>
+              <a:lnSpc>
+                <a:spcPct val="100000"/>
+              </a:lnSpc>
+            </a:pPr>
+            <a:r>
+              <a:rPr lang="zh-CN" altLang="en-US" sz="1600" dirty="0"/>
+              <a:t>跨目标验证</a:t>
+            </a:r>
+            <a:r>
+              <a:rPr lang="zh-CN" altLang="en-US" sz="1600" dirty="0" smtClean="0"/>
+              <a:t>的意义是</a:t>
+            </a:r>
+            <a:r>
+              <a:rPr lang="zh-CN" altLang="en-US" sz="1600" dirty="0"/>
+              <a:t>：</a:t>
+            </a:r>
+            <a:r>
+              <a:rPr lang="zh-CN" altLang="en-US" sz="1600" dirty="0" smtClean="0"/>
+              <a:t>同</a:t>
+            </a:r>
+            <a:r>
+              <a:rPr lang="zh-CN" altLang="en-US" sz="1600" dirty="0"/>
+              <a:t>类型的动作，由于动作执行者在身体和执行动作时的差异性，采集的样本具有较大的类内方差。</a:t>
+            </a:r>
+            <a:endParaRPr lang="en-US" altLang="zh-CN" sz="1600" dirty="0" smtClean="0"/>
           </a:p>
           <a:p>
             <a:pPr>
@@ -6045,11 +6383,15 @@
             <a:graphicFrameLocks noGrp="1"/>
           </p:cNvGraphicFramePr>
           <p:nvPr>
-            <p:extLst/>
+            <p:extLst>
+              <p:ext uri="{D42A27DB-BD31-4B8C-83A1-F6EECF244321}">
+                <p14:modId xmlns:p14="http://schemas.microsoft.com/office/powerpoint/2010/main" val="678858016"/>
+              </p:ext>
+            </p:extLst>
           </p:nvPr>
         </p:nvGraphicFramePr>
         <p:xfrm>
-          <a:off x="848106" y="3042921"/>
+          <a:off x="848106" y="3353471"/>
           <a:ext cx="7447788" cy="2592000"/>
         </p:xfrm>
         <a:graphic>
@@ -7794,939 +8136,6 @@
 </file>
 
 <file path=ppt/slides/slide18.xml><?xml version="1.0" encoding="utf-8"?>
-<p:sld xmlns:a="http://schemas.openxmlformats.org/drawingml/2006/main" xmlns:r="http://schemas.openxmlformats.org/officeDocument/2006/relationships" xmlns:p="http://schemas.openxmlformats.org/presentationml/2006/main">
-  <p:cSld>
-    <p:spTree>
-      <p:nvGrpSpPr>
-        <p:cNvPr id="1" name=""/>
-        <p:cNvGrpSpPr/>
-        <p:nvPr/>
-      </p:nvGrpSpPr>
-      <p:grpSpPr>
-        <a:xfrm>
-          <a:off x="0" y="0"/>
-          <a:ext cx="0" cy="0"/>
-          <a:chOff x="0" y="0"/>
-          <a:chExt cx="0" cy="0"/>
-        </a:xfrm>
-      </p:grpSpPr>
-      <p:sp>
-        <p:nvSpPr>
-          <p:cNvPr id="2" name="标题 1"/>
-          <p:cNvSpPr>
-            <a:spLocks noGrp="1"/>
-          </p:cNvSpPr>
-          <p:nvPr>
-            <p:ph type="title"/>
-          </p:nvPr>
-        </p:nvSpPr>
-        <p:spPr/>
-        <p:txBody>
-          <a:bodyPr/>
-          <a:lstStyle/>
-          <a:p>
-            <a:r>
-              <a:rPr lang="zh-CN" altLang="en-US" dirty="0"/>
-              <a:t>实验成果与结论</a:t>
-            </a:r>
-          </a:p>
-        </p:txBody>
-      </p:sp>
-      <p:sp>
-        <p:nvSpPr>
-          <p:cNvPr id="3" name="内容占位符 2"/>
-          <p:cNvSpPr>
-            <a:spLocks noGrp="1"/>
-          </p:cNvSpPr>
-          <p:nvPr>
-            <p:ph idx="1"/>
-          </p:nvPr>
-        </p:nvSpPr>
-        <p:spPr/>
-        <p:txBody>
-          <a:bodyPr/>
-          <a:lstStyle/>
-          <a:p>
-            <a:pPr>
-              <a:lnSpc>
-                <a:spcPct val="200000"/>
-              </a:lnSpc>
-            </a:pPr>
-            <a:r>
-              <a:rPr lang="zh-CN" altLang="en-US" dirty="0" smtClean="0"/>
-              <a:t>正确率计算方法：</a:t>
-            </a:r>
-            <a:r>
-              <a:rPr lang="zh-CN" altLang="en-US" b="1" dirty="0" smtClean="0"/>
-              <a:t>多批实验结果取均值</a:t>
-            </a:r>
-            <a:endParaRPr lang="zh-CN" altLang="en-US" b="1" dirty="0"/>
-          </a:p>
-        </p:txBody>
-      </p:sp>
-      <p:graphicFrame>
-        <p:nvGraphicFramePr>
-          <p:cNvPr id="4" name="表格 3"/>
-          <p:cNvGraphicFramePr>
-            <a:graphicFrameLocks noGrp="1"/>
-          </p:cNvGraphicFramePr>
-          <p:nvPr>
-            <p:extLst>
-              <p:ext uri="{D42A27DB-BD31-4B8C-83A1-F6EECF244321}">
-                <p14:modId xmlns:p14="http://schemas.microsoft.com/office/powerpoint/2010/main" val="3449516882"/>
-              </p:ext>
-            </p:extLst>
-          </p:nvPr>
-        </p:nvGraphicFramePr>
-        <p:xfrm>
-          <a:off x="1036701" y="3042921"/>
-          <a:ext cx="7070598" cy="2592000"/>
-        </p:xfrm>
-        <a:graphic>
-          <a:graphicData uri="http://schemas.openxmlformats.org/drawingml/2006/table">
-            <a:tbl>
-              <a:tblPr firstRow="1" bandRow="1">
-                <a:tableStyleId>{5C22544A-7EE6-4342-B048-85BDC9FD1C3A}</a:tableStyleId>
-              </a:tblPr>
-              <a:tblGrid>
-                <a:gridCol w="3535299">
-                  <a:extLst>
-                    <a:ext uri="{9D8B030D-6E8A-4147-A177-3AD203B41FA5}">
-                      <a16:colId xmlns:a16="http://schemas.microsoft.com/office/drawing/2014/main" val="2337257007"/>
-                    </a:ext>
-                  </a:extLst>
-                </a:gridCol>
-                <a:gridCol w="3535299">
-                  <a:extLst>
-                    <a:ext uri="{9D8B030D-6E8A-4147-A177-3AD203B41FA5}">
-                      <a16:colId xmlns:a16="http://schemas.microsoft.com/office/drawing/2014/main" val="3567204550"/>
-                    </a:ext>
-                  </a:extLst>
-                </a:gridCol>
-              </a:tblGrid>
-              <a:tr h="432000">
-                <a:tc>
-                  <a:txBody>
-                    <a:bodyPr/>
-                    <a:lstStyle/>
-                    <a:p>
-                      <a:pPr algn="ctr"/>
-                      <a:r>
-                        <a:rPr lang="zh-CN" altLang="en-US" sz="1800" dirty="0" smtClean="0">
-                          <a:solidFill>
-                            <a:schemeClr val="tx1"/>
-                          </a:solidFill>
-                        </a:rPr>
-                        <a:t>分组序号</a:t>
-                      </a:r>
-                      <a:endParaRPr lang="zh-CN" altLang="en-US" sz="1800" dirty="0">
-                        <a:solidFill>
-                          <a:schemeClr val="tx1"/>
-                        </a:solidFill>
-                      </a:endParaRPr>
-                    </a:p>
-                  </a:txBody>
-                  <a:tcPr marL="68580" marR="68580" marT="34290" marB="34290" anchor="ctr">
-                    <a:lnL w="12700" cap="flat" cmpd="sng" algn="ctr">
-                      <a:solidFill>
-                        <a:schemeClr val="tx1"/>
-                      </a:solidFill>
-                      <a:prstDash val="solid"/>
-                      <a:round/>
-                      <a:headEnd type="none" w="med" len="med"/>
-                      <a:tailEnd type="none" w="med" len="med"/>
-                    </a:lnL>
-                    <a:lnR w="12700" cap="flat" cmpd="sng" algn="ctr">
-                      <a:solidFill>
-                        <a:schemeClr val="tx1"/>
-                      </a:solidFill>
-                      <a:prstDash val="solid"/>
-                      <a:round/>
-                      <a:headEnd type="none" w="med" len="med"/>
-                      <a:tailEnd type="none" w="med" len="med"/>
-                    </a:lnR>
-                    <a:lnT w="12700" cap="flat" cmpd="sng" algn="ctr">
-                      <a:solidFill>
-                        <a:schemeClr val="tx1"/>
-                      </a:solidFill>
-                      <a:prstDash val="solid"/>
-                      <a:round/>
-                      <a:headEnd type="none" w="med" len="med"/>
-                      <a:tailEnd type="none" w="med" len="med"/>
-                    </a:lnT>
-                    <a:lnB w="12700" cap="flat" cmpd="sng" algn="ctr">
-                      <a:solidFill>
-                        <a:schemeClr val="tx1"/>
-                      </a:solidFill>
-                      <a:prstDash val="solid"/>
-                      <a:round/>
-                      <a:headEnd type="none" w="med" len="med"/>
-                      <a:tailEnd type="none" w="med" len="med"/>
-                    </a:lnB>
-                    <a:solidFill>
-                      <a:schemeClr val="bg1"/>
-                    </a:solidFill>
-                  </a:tcPr>
-                </a:tc>
-                <a:tc>
-                  <a:txBody>
-                    <a:bodyPr/>
-                    <a:lstStyle/>
-                    <a:p>
-                      <a:pPr algn="ctr"/>
-                      <a:r>
-                        <a:rPr lang="zh-CN" altLang="en-US" sz="1800" dirty="0" smtClean="0">
-                          <a:solidFill>
-                            <a:schemeClr val="tx1"/>
-                          </a:solidFill>
-                        </a:rPr>
-                        <a:t>识别正确率</a:t>
-                      </a:r>
-                      <a:endParaRPr lang="zh-CN" altLang="en-US" sz="1800" dirty="0">
-                        <a:solidFill>
-                          <a:schemeClr val="tx1"/>
-                        </a:solidFill>
-                      </a:endParaRPr>
-                    </a:p>
-                  </a:txBody>
-                  <a:tcPr marL="68580" marR="68580" marT="34290" marB="34290" anchor="ctr">
-                    <a:lnL w="12700" cap="flat" cmpd="sng" algn="ctr">
-                      <a:solidFill>
-                        <a:schemeClr val="tx1"/>
-                      </a:solidFill>
-                      <a:prstDash val="solid"/>
-                      <a:round/>
-                      <a:headEnd type="none" w="med" len="med"/>
-                      <a:tailEnd type="none" w="med" len="med"/>
-                    </a:lnL>
-                    <a:lnR w="12700" cap="flat" cmpd="sng" algn="ctr">
-                      <a:solidFill>
-                        <a:schemeClr val="tx1"/>
-                      </a:solidFill>
-                      <a:prstDash val="solid"/>
-                      <a:round/>
-                      <a:headEnd type="none" w="med" len="med"/>
-                      <a:tailEnd type="none" w="med" len="med"/>
-                    </a:lnR>
-                    <a:lnT w="12700" cap="flat" cmpd="sng" algn="ctr">
-                      <a:solidFill>
-                        <a:schemeClr val="tx1"/>
-                      </a:solidFill>
-                      <a:prstDash val="solid"/>
-                      <a:round/>
-                      <a:headEnd type="none" w="med" len="med"/>
-                      <a:tailEnd type="none" w="med" len="med"/>
-                    </a:lnT>
-                    <a:lnB w="12700" cap="flat" cmpd="sng" algn="ctr">
-                      <a:solidFill>
-                        <a:schemeClr val="tx1"/>
-                      </a:solidFill>
-                      <a:prstDash val="solid"/>
-                      <a:round/>
-                      <a:headEnd type="none" w="med" len="med"/>
-                      <a:tailEnd type="none" w="med" len="med"/>
-                    </a:lnB>
-                    <a:solidFill>
-                      <a:schemeClr val="bg1"/>
-                    </a:solidFill>
-                  </a:tcPr>
-                </a:tc>
-                <a:extLst>
-                  <a:ext uri="{0D108BD9-81ED-4DB2-BD59-A6C34878D82A}">
-                    <a16:rowId xmlns:a16="http://schemas.microsoft.com/office/drawing/2014/main" val="673313215"/>
-                  </a:ext>
-                </a:extLst>
-              </a:tr>
-              <a:tr h="432000">
-                <a:tc>
-                  <a:txBody>
-                    <a:bodyPr/>
-                    <a:lstStyle/>
-                    <a:p>
-                      <a:pPr algn="ctr"/>
-                      <a:r>
-                        <a:rPr lang="en-US" altLang="zh-CN" sz="1800" dirty="0" smtClean="0">
-                          <a:solidFill>
-                            <a:schemeClr val="tx1"/>
-                          </a:solidFill>
-                        </a:rPr>
-                        <a:t>1</a:t>
-                      </a:r>
-                      <a:endParaRPr lang="zh-CN" altLang="en-US" sz="1800" dirty="0">
-                        <a:solidFill>
-                          <a:schemeClr val="tx1"/>
-                        </a:solidFill>
-                      </a:endParaRPr>
-                    </a:p>
-                  </a:txBody>
-                  <a:tcPr marL="68580" marR="68580" marT="34290" marB="34290" anchor="ctr">
-                    <a:lnL w="12700" cap="flat" cmpd="sng" algn="ctr">
-                      <a:solidFill>
-                        <a:schemeClr val="tx1"/>
-                      </a:solidFill>
-                      <a:prstDash val="solid"/>
-                      <a:round/>
-                      <a:headEnd type="none" w="med" len="med"/>
-                      <a:tailEnd type="none" w="med" len="med"/>
-                    </a:lnL>
-                    <a:lnR w="12700" cap="flat" cmpd="sng" algn="ctr">
-                      <a:solidFill>
-                        <a:schemeClr val="tx1"/>
-                      </a:solidFill>
-                      <a:prstDash val="solid"/>
-                      <a:round/>
-                      <a:headEnd type="none" w="med" len="med"/>
-                      <a:tailEnd type="none" w="med" len="med"/>
-                    </a:lnR>
-                    <a:lnT w="12700" cap="flat" cmpd="sng" algn="ctr">
-                      <a:solidFill>
-                        <a:schemeClr val="tx1"/>
-                      </a:solidFill>
-                      <a:prstDash val="solid"/>
-                      <a:round/>
-                      <a:headEnd type="none" w="med" len="med"/>
-                      <a:tailEnd type="none" w="med" len="med"/>
-                    </a:lnT>
-                    <a:lnB w="12700" cap="flat" cmpd="sng" algn="ctr">
-                      <a:solidFill>
-                        <a:schemeClr val="tx1"/>
-                      </a:solidFill>
-                      <a:prstDash val="solid"/>
-                      <a:round/>
-                      <a:headEnd type="none" w="med" len="med"/>
-                      <a:tailEnd type="none" w="med" len="med"/>
-                    </a:lnB>
-                    <a:solidFill>
-                      <a:schemeClr val="bg1"/>
-                    </a:solidFill>
-                  </a:tcPr>
-                </a:tc>
-                <a:tc>
-                  <a:txBody>
-                    <a:bodyPr/>
-                    <a:lstStyle/>
-                    <a:p>
-                      <a:pPr algn="ctr"/>
-                      <a:r>
-                        <a:rPr lang="en-US" altLang="zh-CN" sz="1800" dirty="0" smtClean="0">
-                          <a:solidFill>
-                            <a:schemeClr val="tx1"/>
-                          </a:solidFill>
-                        </a:rPr>
-                        <a:t>0.6617</a:t>
-                      </a:r>
-                      <a:endParaRPr lang="zh-CN" altLang="en-US" sz="1800" dirty="0">
-                        <a:solidFill>
-                          <a:schemeClr val="tx1"/>
-                        </a:solidFill>
-                      </a:endParaRPr>
-                    </a:p>
-                  </a:txBody>
-                  <a:tcPr marL="68580" marR="68580" marT="34290" marB="34290" anchor="ctr">
-                    <a:lnL w="12700" cap="flat" cmpd="sng" algn="ctr">
-                      <a:solidFill>
-                        <a:schemeClr val="tx1"/>
-                      </a:solidFill>
-                      <a:prstDash val="solid"/>
-                      <a:round/>
-                      <a:headEnd type="none" w="med" len="med"/>
-                      <a:tailEnd type="none" w="med" len="med"/>
-                    </a:lnL>
-                    <a:lnR w="12700" cap="flat" cmpd="sng" algn="ctr">
-                      <a:solidFill>
-                        <a:schemeClr val="tx1"/>
-                      </a:solidFill>
-                      <a:prstDash val="solid"/>
-                      <a:round/>
-                      <a:headEnd type="none" w="med" len="med"/>
-                      <a:tailEnd type="none" w="med" len="med"/>
-                    </a:lnR>
-                    <a:lnT w="12700" cap="flat" cmpd="sng" algn="ctr">
-                      <a:solidFill>
-                        <a:schemeClr val="tx1"/>
-                      </a:solidFill>
-                      <a:prstDash val="solid"/>
-                      <a:round/>
-                      <a:headEnd type="none" w="med" len="med"/>
-                      <a:tailEnd type="none" w="med" len="med"/>
-                    </a:lnT>
-                    <a:lnB w="12700" cap="flat" cmpd="sng" algn="ctr">
-                      <a:solidFill>
-                        <a:schemeClr val="tx1"/>
-                      </a:solidFill>
-                      <a:prstDash val="solid"/>
-                      <a:round/>
-                      <a:headEnd type="none" w="med" len="med"/>
-                      <a:tailEnd type="none" w="med" len="med"/>
-                    </a:lnB>
-                    <a:solidFill>
-                      <a:schemeClr val="bg1"/>
-                    </a:solidFill>
-                  </a:tcPr>
-                </a:tc>
-                <a:extLst>
-                  <a:ext uri="{0D108BD9-81ED-4DB2-BD59-A6C34878D82A}">
-                    <a16:rowId xmlns:a16="http://schemas.microsoft.com/office/drawing/2014/main" val="1198719568"/>
-                  </a:ext>
-                </a:extLst>
-              </a:tr>
-              <a:tr h="432000">
-                <a:tc>
-                  <a:txBody>
-                    <a:bodyPr/>
-                    <a:lstStyle/>
-                    <a:p>
-                      <a:pPr algn="ctr"/>
-                      <a:r>
-                        <a:rPr lang="en-US" altLang="zh-CN" sz="1800" dirty="0" smtClean="0">
-                          <a:solidFill>
-                            <a:schemeClr val="tx1"/>
-                          </a:solidFill>
-                        </a:rPr>
-                        <a:t>2</a:t>
-                      </a:r>
-                      <a:endParaRPr lang="zh-CN" altLang="en-US" sz="1800" dirty="0">
-                        <a:solidFill>
-                          <a:schemeClr val="tx1"/>
-                        </a:solidFill>
-                      </a:endParaRPr>
-                    </a:p>
-                  </a:txBody>
-                  <a:tcPr marL="68580" marR="68580" marT="34290" marB="34290" anchor="ctr">
-                    <a:lnL w="12700" cap="flat" cmpd="sng" algn="ctr">
-                      <a:solidFill>
-                        <a:schemeClr val="tx1"/>
-                      </a:solidFill>
-                      <a:prstDash val="solid"/>
-                      <a:round/>
-                      <a:headEnd type="none" w="med" len="med"/>
-                      <a:tailEnd type="none" w="med" len="med"/>
-                    </a:lnL>
-                    <a:lnR w="12700" cap="flat" cmpd="sng" algn="ctr">
-                      <a:solidFill>
-                        <a:schemeClr val="tx1"/>
-                      </a:solidFill>
-                      <a:prstDash val="solid"/>
-                      <a:round/>
-                      <a:headEnd type="none" w="med" len="med"/>
-                      <a:tailEnd type="none" w="med" len="med"/>
-                    </a:lnR>
-                    <a:lnT w="12700" cap="flat" cmpd="sng" algn="ctr">
-                      <a:solidFill>
-                        <a:schemeClr val="tx1"/>
-                      </a:solidFill>
-                      <a:prstDash val="solid"/>
-                      <a:round/>
-                      <a:headEnd type="none" w="med" len="med"/>
-                      <a:tailEnd type="none" w="med" len="med"/>
-                    </a:lnT>
-                    <a:lnB w="12700" cap="flat" cmpd="sng" algn="ctr">
-                      <a:solidFill>
-                        <a:schemeClr val="tx1"/>
-                      </a:solidFill>
-                      <a:prstDash val="solid"/>
-                      <a:round/>
-                      <a:headEnd type="none" w="med" len="med"/>
-                      <a:tailEnd type="none" w="med" len="med"/>
-                    </a:lnB>
-                    <a:solidFill>
-                      <a:schemeClr val="bg1"/>
-                    </a:solidFill>
-                  </a:tcPr>
-                </a:tc>
-                <a:tc>
-                  <a:txBody>
-                    <a:bodyPr/>
-                    <a:lstStyle/>
-                    <a:p>
-                      <a:pPr algn="ctr"/>
-                      <a:r>
-                        <a:rPr lang="en-US" altLang="zh-CN" sz="1800" dirty="0" smtClean="0">
-                          <a:solidFill>
-                            <a:schemeClr val="tx1"/>
-                          </a:solidFill>
-                        </a:rPr>
-                        <a:t>0.7835</a:t>
-                      </a:r>
-                      <a:endParaRPr lang="zh-CN" altLang="en-US" sz="1800" dirty="0">
-                        <a:solidFill>
-                          <a:schemeClr val="tx1"/>
-                        </a:solidFill>
-                      </a:endParaRPr>
-                    </a:p>
-                  </a:txBody>
-                  <a:tcPr marL="68580" marR="68580" marT="34290" marB="34290" anchor="ctr">
-                    <a:lnL w="12700" cap="flat" cmpd="sng" algn="ctr">
-                      <a:solidFill>
-                        <a:schemeClr val="tx1"/>
-                      </a:solidFill>
-                      <a:prstDash val="solid"/>
-                      <a:round/>
-                      <a:headEnd type="none" w="med" len="med"/>
-                      <a:tailEnd type="none" w="med" len="med"/>
-                    </a:lnL>
-                    <a:lnR w="12700" cap="flat" cmpd="sng" algn="ctr">
-                      <a:solidFill>
-                        <a:schemeClr val="tx1"/>
-                      </a:solidFill>
-                      <a:prstDash val="solid"/>
-                      <a:round/>
-                      <a:headEnd type="none" w="med" len="med"/>
-                      <a:tailEnd type="none" w="med" len="med"/>
-                    </a:lnR>
-                    <a:lnT w="12700" cap="flat" cmpd="sng" algn="ctr">
-                      <a:solidFill>
-                        <a:schemeClr val="tx1"/>
-                      </a:solidFill>
-                      <a:prstDash val="solid"/>
-                      <a:round/>
-                      <a:headEnd type="none" w="med" len="med"/>
-                      <a:tailEnd type="none" w="med" len="med"/>
-                    </a:lnT>
-                    <a:lnB w="12700" cap="flat" cmpd="sng" algn="ctr">
-                      <a:solidFill>
-                        <a:schemeClr val="tx1"/>
-                      </a:solidFill>
-                      <a:prstDash val="solid"/>
-                      <a:round/>
-                      <a:headEnd type="none" w="med" len="med"/>
-                      <a:tailEnd type="none" w="med" len="med"/>
-                    </a:lnB>
-                    <a:solidFill>
-                      <a:schemeClr val="bg1"/>
-                    </a:solidFill>
-                  </a:tcPr>
-                </a:tc>
-                <a:extLst>
-                  <a:ext uri="{0D108BD9-81ED-4DB2-BD59-A6C34878D82A}">
-                    <a16:rowId xmlns:a16="http://schemas.microsoft.com/office/drawing/2014/main" val="3290126872"/>
-                  </a:ext>
-                </a:extLst>
-              </a:tr>
-              <a:tr h="432000">
-                <a:tc>
-                  <a:txBody>
-                    <a:bodyPr/>
-                    <a:lstStyle/>
-                    <a:p>
-                      <a:pPr algn="ctr"/>
-                      <a:r>
-                        <a:rPr lang="en-US" altLang="zh-CN" sz="1800" dirty="0" smtClean="0">
-                          <a:solidFill>
-                            <a:schemeClr val="tx1"/>
-                          </a:solidFill>
-                        </a:rPr>
-                        <a:t>……</a:t>
-                      </a:r>
-                      <a:endParaRPr lang="zh-CN" altLang="en-US" sz="1800" dirty="0">
-                        <a:solidFill>
-                          <a:schemeClr val="tx1"/>
-                        </a:solidFill>
-                      </a:endParaRPr>
-                    </a:p>
-                  </a:txBody>
-                  <a:tcPr marL="68580" marR="68580" marT="34290" marB="34290" anchor="ctr">
-                    <a:lnL w="12700" cap="flat" cmpd="sng" algn="ctr">
-                      <a:solidFill>
-                        <a:schemeClr val="tx1"/>
-                      </a:solidFill>
-                      <a:prstDash val="solid"/>
-                      <a:round/>
-                      <a:headEnd type="none" w="med" len="med"/>
-                      <a:tailEnd type="none" w="med" len="med"/>
-                    </a:lnL>
-                    <a:lnR w="12700" cap="flat" cmpd="sng" algn="ctr">
-                      <a:solidFill>
-                        <a:schemeClr val="tx1"/>
-                      </a:solidFill>
-                      <a:prstDash val="solid"/>
-                      <a:round/>
-                      <a:headEnd type="none" w="med" len="med"/>
-                      <a:tailEnd type="none" w="med" len="med"/>
-                    </a:lnR>
-                    <a:lnT w="12700" cap="flat" cmpd="sng" algn="ctr">
-                      <a:solidFill>
-                        <a:schemeClr val="tx1"/>
-                      </a:solidFill>
-                      <a:prstDash val="solid"/>
-                      <a:round/>
-                      <a:headEnd type="none" w="med" len="med"/>
-                      <a:tailEnd type="none" w="med" len="med"/>
-                    </a:lnT>
-                    <a:lnB w="12700" cap="flat" cmpd="sng" algn="ctr">
-                      <a:solidFill>
-                        <a:schemeClr val="tx1"/>
-                      </a:solidFill>
-                      <a:prstDash val="solid"/>
-                      <a:round/>
-                      <a:headEnd type="none" w="med" len="med"/>
-                      <a:tailEnd type="none" w="med" len="med"/>
-                    </a:lnB>
-                    <a:solidFill>
-                      <a:schemeClr val="bg1"/>
-                    </a:solidFill>
-                  </a:tcPr>
-                </a:tc>
-                <a:tc>
-                  <a:txBody>
-                    <a:bodyPr/>
-                    <a:lstStyle/>
-                    <a:p>
-                      <a:pPr algn="ctr"/>
-                      <a:r>
-                        <a:rPr lang="en-US" altLang="zh-CN" sz="1800" dirty="0" smtClean="0">
-                          <a:solidFill>
-                            <a:schemeClr val="tx1"/>
-                          </a:solidFill>
-                        </a:rPr>
-                        <a:t>……</a:t>
-                      </a:r>
-                      <a:endParaRPr lang="zh-CN" altLang="en-US" sz="1800" dirty="0">
-                        <a:solidFill>
-                          <a:schemeClr val="tx1"/>
-                        </a:solidFill>
-                      </a:endParaRPr>
-                    </a:p>
-                  </a:txBody>
-                  <a:tcPr marL="68580" marR="68580" marT="34290" marB="34290" anchor="ctr">
-                    <a:lnL w="12700" cap="flat" cmpd="sng" algn="ctr">
-                      <a:solidFill>
-                        <a:schemeClr val="tx1"/>
-                      </a:solidFill>
-                      <a:prstDash val="solid"/>
-                      <a:round/>
-                      <a:headEnd type="none" w="med" len="med"/>
-                      <a:tailEnd type="none" w="med" len="med"/>
-                    </a:lnL>
-                    <a:lnR w="12700" cap="flat" cmpd="sng" algn="ctr">
-                      <a:solidFill>
-                        <a:schemeClr val="tx1"/>
-                      </a:solidFill>
-                      <a:prstDash val="solid"/>
-                      <a:round/>
-                      <a:headEnd type="none" w="med" len="med"/>
-                      <a:tailEnd type="none" w="med" len="med"/>
-                    </a:lnR>
-                    <a:lnT w="12700" cap="flat" cmpd="sng" algn="ctr">
-                      <a:solidFill>
-                        <a:schemeClr val="tx1"/>
-                      </a:solidFill>
-                      <a:prstDash val="solid"/>
-                      <a:round/>
-                      <a:headEnd type="none" w="med" len="med"/>
-                      <a:tailEnd type="none" w="med" len="med"/>
-                    </a:lnT>
-                    <a:lnB w="12700" cap="flat" cmpd="sng" algn="ctr">
-                      <a:solidFill>
-                        <a:schemeClr val="tx1"/>
-                      </a:solidFill>
-                      <a:prstDash val="solid"/>
-                      <a:round/>
-                      <a:headEnd type="none" w="med" len="med"/>
-                      <a:tailEnd type="none" w="med" len="med"/>
-                    </a:lnB>
-                    <a:solidFill>
-                      <a:schemeClr val="bg1"/>
-                    </a:solidFill>
-                  </a:tcPr>
-                </a:tc>
-                <a:extLst>
-                  <a:ext uri="{0D108BD9-81ED-4DB2-BD59-A6C34878D82A}">
-                    <a16:rowId xmlns:a16="http://schemas.microsoft.com/office/drawing/2014/main" val="1562664752"/>
-                  </a:ext>
-                </a:extLst>
-              </a:tr>
-              <a:tr h="432000">
-                <a:tc>
-                  <a:txBody>
-                    <a:bodyPr/>
-                    <a:lstStyle/>
-                    <a:p>
-                      <a:pPr algn="ctr"/>
-                      <a:r>
-                        <a:rPr lang="en-US" altLang="zh-CN" sz="1800" dirty="0" smtClean="0">
-                          <a:solidFill>
-                            <a:schemeClr val="tx1"/>
-                          </a:solidFill>
-                        </a:rPr>
-                        <a:t>10</a:t>
-                      </a:r>
-                      <a:endParaRPr lang="zh-CN" altLang="en-US" sz="1800" dirty="0">
-                        <a:solidFill>
-                          <a:schemeClr val="tx1"/>
-                        </a:solidFill>
-                      </a:endParaRPr>
-                    </a:p>
-                  </a:txBody>
-                  <a:tcPr marL="68580" marR="68580" marT="34290" marB="34290" anchor="ctr">
-                    <a:lnL w="12700" cap="flat" cmpd="sng" algn="ctr">
-                      <a:solidFill>
-                        <a:schemeClr val="tx1"/>
-                      </a:solidFill>
-                      <a:prstDash val="solid"/>
-                      <a:round/>
-                      <a:headEnd type="none" w="med" len="med"/>
-                      <a:tailEnd type="none" w="med" len="med"/>
-                    </a:lnL>
-                    <a:lnR w="12700" cap="flat" cmpd="sng" algn="ctr">
-                      <a:solidFill>
-                        <a:schemeClr val="tx1"/>
-                      </a:solidFill>
-                      <a:prstDash val="solid"/>
-                      <a:round/>
-                      <a:headEnd type="none" w="med" len="med"/>
-                      <a:tailEnd type="none" w="med" len="med"/>
-                    </a:lnR>
-                    <a:lnT w="12700" cap="flat" cmpd="sng" algn="ctr">
-                      <a:solidFill>
-                        <a:schemeClr val="tx1"/>
-                      </a:solidFill>
-                      <a:prstDash val="solid"/>
-                      <a:round/>
-                      <a:headEnd type="none" w="med" len="med"/>
-                      <a:tailEnd type="none" w="med" len="med"/>
-                    </a:lnT>
-                    <a:lnB w="12700" cap="flat" cmpd="sng" algn="ctr">
-                      <a:solidFill>
-                        <a:schemeClr val="tx1"/>
-                      </a:solidFill>
-                      <a:prstDash val="solid"/>
-                      <a:round/>
-                      <a:headEnd type="none" w="med" len="med"/>
-                      <a:tailEnd type="none" w="med" len="med"/>
-                    </a:lnB>
-                    <a:solidFill>
-                      <a:schemeClr val="bg1"/>
-                    </a:solidFill>
-                  </a:tcPr>
-                </a:tc>
-                <a:tc>
-                  <a:txBody>
-                    <a:bodyPr/>
-                    <a:lstStyle/>
-                    <a:p>
-                      <a:pPr algn="ctr"/>
-                      <a:r>
-                        <a:rPr lang="en-US" altLang="zh-CN" sz="1800" dirty="0" smtClean="0">
-                          <a:solidFill>
-                            <a:schemeClr val="tx1"/>
-                          </a:solidFill>
-                        </a:rPr>
-                        <a:t>0.7395</a:t>
-                      </a:r>
-                      <a:endParaRPr lang="zh-CN" altLang="en-US" sz="1800" dirty="0">
-                        <a:solidFill>
-                          <a:schemeClr val="tx1"/>
-                        </a:solidFill>
-                      </a:endParaRPr>
-                    </a:p>
-                  </a:txBody>
-                  <a:tcPr marL="68580" marR="68580" marT="34290" marB="34290" anchor="ctr">
-                    <a:lnL w="12700" cap="flat" cmpd="sng" algn="ctr">
-                      <a:solidFill>
-                        <a:schemeClr val="tx1"/>
-                      </a:solidFill>
-                      <a:prstDash val="solid"/>
-                      <a:round/>
-                      <a:headEnd type="none" w="med" len="med"/>
-                      <a:tailEnd type="none" w="med" len="med"/>
-                    </a:lnL>
-                    <a:lnR w="12700" cap="flat" cmpd="sng" algn="ctr">
-                      <a:solidFill>
-                        <a:schemeClr val="tx1"/>
-                      </a:solidFill>
-                      <a:prstDash val="solid"/>
-                      <a:round/>
-                      <a:headEnd type="none" w="med" len="med"/>
-                      <a:tailEnd type="none" w="med" len="med"/>
-                    </a:lnR>
-                    <a:lnT w="12700" cap="flat" cmpd="sng" algn="ctr">
-                      <a:solidFill>
-                        <a:schemeClr val="tx1"/>
-                      </a:solidFill>
-                      <a:prstDash val="solid"/>
-                      <a:round/>
-                      <a:headEnd type="none" w="med" len="med"/>
-                      <a:tailEnd type="none" w="med" len="med"/>
-                    </a:lnT>
-                    <a:lnB w="12700" cap="flat" cmpd="sng" algn="ctr">
-                      <a:solidFill>
-                        <a:schemeClr val="tx1"/>
-                      </a:solidFill>
-                      <a:prstDash val="solid"/>
-                      <a:round/>
-                      <a:headEnd type="none" w="med" len="med"/>
-                      <a:tailEnd type="none" w="med" len="med"/>
-                    </a:lnB>
-                    <a:solidFill>
-                      <a:schemeClr val="bg1"/>
-                    </a:solidFill>
-                  </a:tcPr>
-                </a:tc>
-                <a:extLst>
-                  <a:ext uri="{0D108BD9-81ED-4DB2-BD59-A6C34878D82A}">
-                    <a16:rowId xmlns:a16="http://schemas.microsoft.com/office/drawing/2014/main" val="4229199971"/>
-                  </a:ext>
-                </a:extLst>
-              </a:tr>
-              <a:tr h="432000">
-                <a:tc>
-                  <a:txBody>
-                    <a:bodyPr/>
-                    <a:lstStyle/>
-                    <a:p>
-                      <a:pPr algn="ctr"/>
-                      <a:r>
-                        <a:rPr lang="zh-CN" altLang="en-US" sz="1800" dirty="0" smtClean="0">
-                          <a:solidFill>
-                            <a:schemeClr val="tx1"/>
-                          </a:solidFill>
-                        </a:rPr>
-                        <a:t>平均值</a:t>
-                      </a:r>
-                      <a:endParaRPr lang="zh-CN" altLang="en-US" sz="1800" dirty="0">
-                        <a:solidFill>
-                          <a:schemeClr val="tx1"/>
-                        </a:solidFill>
-                      </a:endParaRPr>
-                    </a:p>
-                  </a:txBody>
-                  <a:tcPr marL="68580" marR="68580" marT="34290" marB="34290" anchor="ctr">
-                    <a:lnL w="12700" cap="flat" cmpd="sng" algn="ctr">
-                      <a:solidFill>
-                        <a:schemeClr val="tx1"/>
-                      </a:solidFill>
-                      <a:prstDash val="solid"/>
-                      <a:round/>
-                      <a:headEnd type="none" w="med" len="med"/>
-                      <a:tailEnd type="none" w="med" len="med"/>
-                    </a:lnL>
-                    <a:lnR w="12700" cap="flat" cmpd="sng" algn="ctr">
-                      <a:solidFill>
-                        <a:schemeClr val="tx1"/>
-                      </a:solidFill>
-                      <a:prstDash val="solid"/>
-                      <a:round/>
-                      <a:headEnd type="none" w="med" len="med"/>
-                      <a:tailEnd type="none" w="med" len="med"/>
-                    </a:lnR>
-                    <a:lnT w="12700" cap="flat" cmpd="sng" algn="ctr">
-                      <a:solidFill>
-                        <a:schemeClr val="tx1"/>
-                      </a:solidFill>
-                      <a:prstDash val="solid"/>
-                      <a:round/>
-                      <a:headEnd type="none" w="med" len="med"/>
-                      <a:tailEnd type="none" w="med" len="med"/>
-                    </a:lnT>
-                    <a:lnB w="12700" cap="flat" cmpd="sng" algn="ctr">
-                      <a:solidFill>
-                        <a:schemeClr val="tx1"/>
-                      </a:solidFill>
-                      <a:prstDash val="solid"/>
-                      <a:round/>
-                      <a:headEnd type="none" w="med" len="med"/>
-                      <a:tailEnd type="none" w="med" len="med"/>
-                    </a:lnB>
-                    <a:solidFill>
-                      <a:schemeClr val="bg1"/>
-                    </a:solidFill>
-                  </a:tcPr>
-                </a:tc>
-                <a:tc>
-                  <a:txBody>
-                    <a:bodyPr/>
-                    <a:lstStyle/>
-                    <a:p>
-                      <a:pPr algn="ctr"/>
-                      <a:r>
-                        <a:rPr lang="en-US" altLang="zh-CN" sz="1800" dirty="0" smtClean="0">
-                          <a:solidFill>
-                            <a:srgbClr val="FF0000"/>
-                          </a:solidFill>
-                        </a:rPr>
-                        <a:t>0.7251</a:t>
-                      </a:r>
-                      <a:endParaRPr lang="zh-CN" altLang="en-US" sz="1800" dirty="0">
-                        <a:solidFill>
-                          <a:srgbClr val="FF0000"/>
-                        </a:solidFill>
-                      </a:endParaRPr>
-                    </a:p>
-                  </a:txBody>
-                  <a:tcPr marL="68580" marR="68580" marT="34290" marB="34290" anchor="ctr">
-                    <a:lnL w="12700" cap="flat" cmpd="sng" algn="ctr">
-                      <a:solidFill>
-                        <a:schemeClr val="tx1"/>
-                      </a:solidFill>
-                      <a:prstDash val="solid"/>
-                      <a:round/>
-                      <a:headEnd type="none" w="med" len="med"/>
-                      <a:tailEnd type="none" w="med" len="med"/>
-                    </a:lnL>
-                    <a:lnR w="12700" cap="flat" cmpd="sng" algn="ctr">
-                      <a:solidFill>
-                        <a:schemeClr val="tx1"/>
-                      </a:solidFill>
-                      <a:prstDash val="solid"/>
-                      <a:round/>
-                      <a:headEnd type="none" w="med" len="med"/>
-                      <a:tailEnd type="none" w="med" len="med"/>
-                    </a:lnR>
-                    <a:lnT w="12700" cap="flat" cmpd="sng" algn="ctr">
-                      <a:solidFill>
-                        <a:schemeClr val="tx1"/>
-                      </a:solidFill>
-                      <a:prstDash val="solid"/>
-                      <a:round/>
-                      <a:headEnd type="none" w="med" len="med"/>
-                      <a:tailEnd type="none" w="med" len="med"/>
-                    </a:lnT>
-                    <a:lnB w="12700" cap="flat" cmpd="sng" algn="ctr">
-                      <a:solidFill>
-                        <a:schemeClr val="tx1"/>
-                      </a:solidFill>
-                      <a:prstDash val="solid"/>
-                      <a:round/>
-                      <a:headEnd type="none" w="med" len="med"/>
-                      <a:tailEnd type="none" w="med" len="med"/>
-                    </a:lnB>
-                    <a:solidFill>
-                      <a:schemeClr val="bg1"/>
-                    </a:solidFill>
-                  </a:tcPr>
-                </a:tc>
-                <a:extLst>
-                  <a:ext uri="{0D108BD9-81ED-4DB2-BD59-A6C34878D82A}">
-                    <a16:rowId xmlns:a16="http://schemas.microsoft.com/office/drawing/2014/main" val="2930567463"/>
-                  </a:ext>
-                </a:extLst>
-              </a:tr>
-            </a:tbl>
-          </a:graphicData>
-        </a:graphic>
-      </p:graphicFrame>
-    </p:spTree>
-    <p:extLst>
-      <p:ext uri="{BB962C8B-B14F-4D97-AF65-F5344CB8AC3E}">
-        <p14:creationId xmlns:p14="http://schemas.microsoft.com/office/powerpoint/2010/main" val="1035554739"/>
-      </p:ext>
-    </p:extLst>
-  </p:cSld>
-  <p:clrMapOvr>
-    <a:masterClrMapping/>
-  </p:clrMapOvr>
-  <p:timing>
-    <p:tnLst>
-      <p:par>
-        <p:cTn id="1" dur="indefinite" restart="never" nodeType="tmRoot"/>
-      </p:par>
-    </p:tnLst>
-  </p:timing>
-</p:sld>
-</file>
-
-<file path=ppt/slides/slide19.xml><?xml version="1.0" encoding="utf-8"?>
 <p:sld xmlns:a="http://schemas.openxmlformats.org/drawingml/2006/main" xmlns:r="http://schemas.openxmlformats.org/officeDocument/2006/relationships" xmlns:p="http://schemas.openxmlformats.org/presentationml/2006/main">
   <p:cSld>
     <p:spTree>
@@ -10376,7 +9785,19 @@
               <a:rPr lang="zh-CN" altLang="en-US" dirty="0" smtClean="0">
                 <a:latin typeface="+mn-ea"/>
               </a:rPr>
-              <a:t>缺点：骨架特征不是所有场合都适用。</a:t>
+              <a:t>缺点：骨架特征</a:t>
+            </a:r>
+            <a:r>
+              <a:rPr lang="zh-CN" altLang="en-US" dirty="0">
+                <a:latin typeface="+mn-ea"/>
+              </a:rPr>
+              <a:t>并非</a:t>
+            </a:r>
+            <a:r>
+              <a:rPr lang="zh-CN" altLang="en-US" dirty="0" smtClean="0">
+                <a:latin typeface="+mn-ea"/>
+              </a:rPr>
+              <a:t>所有场合都适用。</a:t>
             </a:r>
             <a:endParaRPr lang="zh-CN" altLang="en-US" dirty="0">
               <a:latin typeface="+mn-ea"/>
@@ -10404,115 +9825,7 @@
 </p:sld>
 </file>
 
-<file path=ppt/slides/slide2.xml><?xml version="1.0" encoding="utf-8"?>
-<p:sld xmlns:a="http://schemas.openxmlformats.org/drawingml/2006/main" xmlns:r="http://schemas.openxmlformats.org/officeDocument/2006/relationships" xmlns:p="http://schemas.openxmlformats.org/presentationml/2006/main">
-  <p:cSld>
-    <p:spTree>
-      <p:nvGrpSpPr>
-        <p:cNvPr id="1" name=""/>
-        <p:cNvGrpSpPr/>
-        <p:nvPr/>
-      </p:nvGrpSpPr>
-      <p:grpSpPr>
-        <a:xfrm>
-          <a:off x="0" y="0"/>
-          <a:ext cx="0" cy="0"/>
-          <a:chOff x="0" y="0"/>
-          <a:chExt cx="0" cy="0"/>
-        </a:xfrm>
-      </p:grpSpPr>
-      <p:sp>
-        <p:nvSpPr>
-          <p:cNvPr id="2" name="标题 1"/>
-          <p:cNvSpPr>
-            <a:spLocks noGrp="1"/>
-          </p:cNvSpPr>
-          <p:nvPr>
-            <p:ph type="title"/>
-          </p:nvPr>
-        </p:nvSpPr>
-        <p:spPr/>
-        <p:txBody>
-          <a:bodyPr/>
-          <a:lstStyle/>
-          <a:p>
-            <a:r>
-              <a:rPr lang="zh-CN" altLang="en-US" dirty="0" smtClean="0"/>
-              <a:t>汇报内容</a:t>
-            </a:r>
-            <a:endParaRPr lang="zh-CN" altLang="en-US" dirty="0"/>
-          </a:p>
-        </p:txBody>
-      </p:sp>
-      <p:sp>
-        <p:nvSpPr>
-          <p:cNvPr id="3" name="内容占位符 2"/>
-          <p:cNvSpPr>
-            <a:spLocks noGrp="1"/>
-          </p:cNvSpPr>
-          <p:nvPr>
-            <p:ph idx="1"/>
-          </p:nvPr>
-        </p:nvSpPr>
-        <p:spPr/>
-        <p:txBody>
-          <a:bodyPr/>
-          <a:lstStyle/>
-          <a:p>
-            <a:pPr>
-              <a:lnSpc>
-                <a:spcPct val="200000"/>
-              </a:lnSpc>
-            </a:pPr>
-            <a:r>
-              <a:rPr lang="zh-CN" altLang="en-US" dirty="0" smtClean="0"/>
-              <a:t>课题的目的及意义</a:t>
-            </a:r>
-            <a:endParaRPr lang="en-US" altLang="zh-CN" dirty="0" smtClean="0"/>
-          </a:p>
-          <a:p>
-            <a:pPr>
-              <a:lnSpc>
-                <a:spcPct val="200000"/>
-              </a:lnSpc>
-            </a:pPr>
-            <a:r>
-              <a:rPr lang="zh-CN" altLang="en-US" dirty="0" smtClean="0"/>
-              <a:t>论文主要内容</a:t>
-            </a:r>
-            <a:endParaRPr lang="en-US" altLang="zh-CN" dirty="0" smtClean="0"/>
-          </a:p>
-          <a:p>
-            <a:pPr>
-              <a:lnSpc>
-                <a:spcPct val="200000"/>
-              </a:lnSpc>
-            </a:pPr>
-            <a:r>
-              <a:rPr lang="zh-CN" altLang="en-US" dirty="0" smtClean="0"/>
-              <a:t>实验成果与结论</a:t>
-            </a:r>
-            <a:endParaRPr lang="en-US" altLang="zh-CN" dirty="0" smtClean="0"/>
-          </a:p>
-          <a:p>
-            <a:endParaRPr lang="zh-CN" altLang="en-US" dirty="0"/>
-          </a:p>
-        </p:txBody>
-      </p:sp>
-    </p:spTree>
-    <p:extLst>
-      <p:ext uri="{BB962C8B-B14F-4D97-AF65-F5344CB8AC3E}">
-        <p14:creationId xmlns:p14="http://schemas.microsoft.com/office/powerpoint/2010/main" val="1544199913"/>
-      </p:ext>
-    </p:extLst>
-  </p:cSld>
-  <p:clrMapOvr>
-    <a:masterClrMapping/>
-  </p:clrMapOvr>
-</p:sld>
-</file>
-
-<file path=ppt/slides/slide20.xml><?xml version="1.0" encoding="utf-8"?>
+<file path=ppt/slides/slide19.xml><?xml version="1.0" encoding="utf-8"?>
 <p:sld xmlns:a="http://schemas.openxmlformats.org/drawingml/2006/main" xmlns:r="http://schemas.openxmlformats.org/officeDocument/2006/relationships" xmlns:p="http://schemas.openxmlformats.org/presentationml/2006/main">
   <p:cSld>
     <p:spTree>
@@ -11136,7 +10449,115 @@
 </p:sld>
 </file>
 
-<file path=ppt/slides/slide21.xml><?xml version="1.0" encoding="utf-8"?>
+<file path=ppt/slides/slide2.xml><?xml version="1.0" encoding="utf-8"?>
+<p:sld xmlns:a="http://schemas.openxmlformats.org/drawingml/2006/main" xmlns:r="http://schemas.openxmlformats.org/officeDocument/2006/relationships" xmlns:p="http://schemas.openxmlformats.org/presentationml/2006/main">
+  <p:cSld>
+    <p:spTree>
+      <p:nvGrpSpPr>
+        <p:cNvPr id="1" name=""/>
+        <p:cNvGrpSpPr/>
+        <p:nvPr/>
+      </p:nvGrpSpPr>
+      <p:grpSpPr>
+        <a:xfrm>
+          <a:off x="0" y="0"/>
+          <a:ext cx="0" cy="0"/>
+          <a:chOff x="0" y="0"/>
+          <a:chExt cx="0" cy="0"/>
+        </a:xfrm>
+      </p:grpSpPr>
+      <p:sp>
+        <p:nvSpPr>
+          <p:cNvPr id="2" name="标题 1"/>
+          <p:cNvSpPr>
+            <a:spLocks noGrp="1"/>
+          </p:cNvSpPr>
+          <p:nvPr>
+            <p:ph type="title"/>
+          </p:nvPr>
+        </p:nvSpPr>
+        <p:spPr/>
+        <p:txBody>
+          <a:bodyPr/>
+          <a:lstStyle/>
+          <a:p>
+            <a:r>
+              <a:rPr lang="zh-CN" altLang="en-US" dirty="0" smtClean="0"/>
+              <a:t>汇报内容</a:t>
+            </a:r>
+            <a:endParaRPr lang="zh-CN" altLang="en-US" dirty="0"/>
+          </a:p>
+        </p:txBody>
+      </p:sp>
+      <p:sp>
+        <p:nvSpPr>
+          <p:cNvPr id="3" name="内容占位符 2"/>
+          <p:cNvSpPr>
+            <a:spLocks noGrp="1"/>
+          </p:cNvSpPr>
+          <p:nvPr>
+            <p:ph idx="1"/>
+          </p:nvPr>
+        </p:nvSpPr>
+        <p:spPr/>
+        <p:txBody>
+          <a:bodyPr/>
+          <a:lstStyle/>
+          <a:p>
+            <a:pPr>
+              <a:lnSpc>
+                <a:spcPct val="200000"/>
+              </a:lnSpc>
+            </a:pPr>
+            <a:r>
+              <a:rPr lang="zh-CN" altLang="en-US" dirty="0" smtClean="0"/>
+              <a:t>课题的目的及意义</a:t>
+            </a:r>
+            <a:endParaRPr lang="en-US" altLang="zh-CN" dirty="0" smtClean="0"/>
+          </a:p>
+          <a:p>
+            <a:pPr>
+              <a:lnSpc>
+                <a:spcPct val="200000"/>
+              </a:lnSpc>
+            </a:pPr>
+            <a:r>
+              <a:rPr lang="zh-CN" altLang="en-US" dirty="0" smtClean="0"/>
+              <a:t>论文主要内容</a:t>
+            </a:r>
+            <a:endParaRPr lang="en-US" altLang="zh-CN" dirty="0" smtClean="0"/>
+          </a:p>
+          <a:p>
+            <a:pPr>
+              <a:lnSpc>
+                <a:spcPct val="200000"/>
+              </a:lnSpc>
+            </a:pPr>
+            <a:r>
+              <a:rPr lang="zh-CN" altLang="en-US" dirty="0" smtClean="0"/>
+              <a:t>实验成果与结论</a:t>
+            </a:r>
+            <a:endParaRPr lang="en-US" altLang="zh-CN" dirty="0" smtClean="0"/>
+          </a:p>
+          <a:p>
+            <a:endParaRPr lang="zh-CN" altLang="en-US" dirty="0"/>
+          </a:p>
+        </p:txBody>
+      </p:sp>
+    </p:spTree>
+    <p:extLst>
+      <p:ext uri="{BB962C8B-B14F-4D97-AF65-F5344CB8AC3E}">
+        <p14:creationId xmlns:p14="http://schemas.microsoft.com/office/powerpoint/2010/main" val="1544199913"/>
+      </p:ext>
+    </p:extLst>
+  </p:cSld>
+  <p:clrMapOvr>
+    <a:masterClrMapping/>
+  </p:clrMapOvr>
+</p:sld>
+</file>
+
+<file path=ppt/slides/slide20.xml><?xml version="1.0" encoding="utf-8"?>
 <p:sld xmlns:a="http://schemas.openxmlformats.org/drawingml/2006/main" xmlns:r="http://schemas.openxmlformats.org/officeDocument/2006/relationships" xmlns:p="http://schemas.openxmlformats.org/presentationml/2006/main">
   <p:cSld>
     <p:spTree>
@@ -11924,7 +11345,7 @@
 </p:sld>
 </file>
 
-<file path=ppt/slides/slide22.xml><?xml version="1.0" encoding="utf-8"?>
+<file path=ppt/slides/slide21.xml><?xml version="1.0" encoding="utf-8"?>
 <p:sld xmlns:a="http://schemas.openxmlformats.org/drawingml/2006/main" xmlns:r="http://schemas.openxmlformats.org/officeDocument/2006/relationships" xmlns:p="http://schemas.openxmlformats.org/presentationml/2006/main">
   <p:cSld>
     <p:spTree>
@@ -12608,27 +12029,98 @@
         </p:nvSpPr>
         <p:spPr/>
         <p:txBody>
-          <a:bodyPr/>
+          <a:bodyPr>
+            <a:normAutofit/>
+          </a:bodyPr>
           <a:lstStyle/>
           <a:p>
             <a:pPr>
               <a:lnSpc>
-                <a:spcPct val="200000"/>
+                <a:spcPct val="100000"/>
               </a:lnSpc>
             </a:pPr>
             <a:r>
-              <a:rPr lang="zh-CN" altLang="en-US" dirty="0" smtClean="0"/>
-              <a:t>动作识别的意义</a:t>
-            </a:r>
-            <a:endParaRPr lang="en-US" altLang="zh-CN" dirty="0" smtClean="0"/>
+              <a:rPr lang="en-US" altLang="zh-CN" sz="1600" dirty="0" smtClean="0"/>
+              <a:t>Kinect</a:t>
+            </a:r>
+            <a:r>
+              <a:rPr lang="zh-CN" altLang="en-US" sz="1600" dirty="0" smtClean="0"/>
+              <a:t>：由</a:t>
+            </a:r>
+            <a:r>
+              <a:rPr lang="zh-CN" altLang="en-US" sz="1600" dirty="0"/>
+              <a:t>微软开发，应用</a:t>
+            </a:r>
+            <a:r>
+              <a:rPr lang="zh-CN" altLang="en-US" sz="1600" dirty="0" smtClean="0"/>
+              <a:t>于游戏主机的人体深度传感器。它允许玩家使用体感技术进行人机交互。</a:t>
+            </a:r>
+            <a:endParaRPr lang="en-US" altLang="zh-CN" sz="1600" dirty="0" smtClean="0"/>
           </a:p>
           <a:p>
             <a:pPr>
               <a:lnSpc>
-                <a:spcPct val="200000"/>
+                <a:spcPct val="100000"/>
               </a:lnSpc>
             </a:pPr>
-            <a:endParaRPr lang="zh-CN" altLang="en-US" dirty="0"/>
+            <a:r>
+              <a:rPr lang="zh-CN" altLang="en-US" sz="1600" dirty="0" smtClean="0"/>
+              <a:t>体感信息：应用于体感技术的人体深度和结构信息，主要为深度图像与骨架信息。</a:t>
+            </a:r>
+            <a:endParaRPr lang="en-US" altLang="zh-CN" sz="1600" dirty="0" smtClean="0"/>
+          </a:p>
+          <a:p>
+            <a:pPr>
+              <a:lnSpc>
+                <a:spcPct val="100000"/>
+              </a:lnSpc>
+            </a:pPr>
+            <a:r>
+              <a:rPr lang="zh-CN" altLang="en-US" sz="1600" dirty="0" smtClean="0"/>
+              <a:t>动作及行为识别：动作为人体姿态在一定时间范围内的运动变化。行为则在涉及人体动作的目的和与人体交互的物体。</a:t>
+            </a:r>
+            <a:endParaRPr lang="en-US" altLang="zh-CN" sz="1600" dirty="0" smtClean="0"/>
+          </a:p>
+          <a:p>
+            <a:pPr>
+              <a:lnSpc>
+                <a:spcPct val="100000"/>
+              </a:lnSpc>
+            </a:pPr>
+            <a:r>
+              <a:rPr lang="zh-CN" altLang="en-US" sz="1600" dirty="0" smtClean="0"/>
+              <a:t>课题目的：以</a:t>
+            </a:r>
+            <a:r>
+              <a:rPr lang="zh-CN" altLang="en-US" sz="1600" dirty="0"/>
+              <a:t>骨架关节特征、三维模型特征、时</a:t>
+            </a:r>
+            <a:r>
+              <a:rPr lang="en-US" altLang="zh-CN" sz="1600" dirty="0"/>
+              <a:t>-</a:t>
+            </a:r>
+            <a:r>
+              <a:rPr lang="zh-CN" altLang="en-US" sz="1600" dirty="0"/>
+              <a:t>空特征和学习特征作为思路对现有动作表示方法进行分类，并以此讨论不同方法在不同环境中的适用性。</a:t>
+            </a:r>
+            <a:endParaRPr lang="en-US" altLang="zh-CN" sz="1600" dirty="0"/>
+          </a:p>
+          <a:p>
+            <a:pPr>
+              <a:lnSpc>
+                <a:spcPct val="100000"/>
+              </a:lnSpc>
+            </a:pPr>
+            <a:endParaRPr lang="en-US" altLang="zh-CN" sz="1600" dirty="0" smtClean="0"/>
+          </a:p>
+          <a:p>
+            <a:pPr marL="0" indent="0">
+              <a:lnSpc>
+                <a:spcPct val="100000"/>
+              </a:lnSpc>
+              <a:buNone/>
+            </a:pPr>
+            <a:endParaRPr lang="zh-CN" altLang="en-US" sz="1600" dirty="0"/>
           </a:p>
         </p:txBody>
       </p:sp>
@@ -12654,7 +12146,7 @@
         </p:blipFill>
         <p:spPr>
           <a:xfrm>
-            <a:off x="774954" y="3218687"/>
+            <a:off x="792205" y="4377629"/>
             <a:ext cx="3318127" cy="1871423"/>
           </a:xfrm>
           <a:prstGeom prst="rect">
@@ -12670,7 +12162,7 @@
         </p:nvSpPr>
         <p:spPr>
           <a:xfrm>
-            <a:off x="1995435" y="5362786"/>
+            <a:off x="2012688" y="6385390"/>
             <a:ext cx="877163" cy="300082"/>
           </a:xfrm>
           <a:prstGeom prst="rect">
@@ -12714,8 +12206,8 @@
         </p:blipFill>
         <p:spPr>
           <a:xfrm>
-            <a:off x="4764025" y="3218686"/>
-            <a:ext cx="3169558" cy="2006359"/>
+            <a:off x="4781278" y="4377629"/>
+            <a:ext cx="3169558" cy="1870020"/>
           </a:xfrm>
           <a:prstGeom prst="rect">
             <a:avLst/>
@@ -12730,7 +12222,7 @@
         </p:nvSpPr>
         <p:spPr>
           <a:xfrm>
-            <a:off x="5652141" y="5359981"/>
+            <a:off x="5669394" y="6382585"/>
             <a:ext cx="1393331" cy="300082"/>
           </a:xfrm>
           <a:prstGeom prst="rect">
@@ -12806,774 +12298,270 @@
           <a:p>
             <a:r>
               <a:rPr lang="zh-CN" altLang="en-US" dirty="0"/>
-              <a:t>论文主要内容</a:t>
+              <a:t>课题目的及意义</a:t>
             </a:r>
           </a:p>
         </p:txBody>
       </p:sp>
-      <p:graphicFrame>
-        <p:nvGraphicFramePr>
-          <p:cNvPr id="9" name="表格 8"/>
-          <p:cNvGraphicFramePr>
-            <a:graphicFrameLocks noGrp="1"/>
-          </p:cNvGraphicFramePr>
-          <p:nvPr>
-            <p:extLst>
-              <p:ext uri="{D42A27DB-BD31-4B8C-83A1-F6EECF244321}">
-                <p14:modId xmlns:p14="http://schemas.microsoft.com/office/powerpoint/2010/main" val="490399215"/>
-              </p:ext>
-            </p:extLst>
-          </p:nvPr>
-        </p:nvGraphicFramePr>
-        <p:xfrm>
-          <a:off x="1036701" y="3186316"/>
-          <a:ext cx="7070598" cy="3287980"/>
-        </p:xfrm>
-        <a:graphic>
-          <a:graphicData uri="http://schemas.openxmlformats.org/drawingml/2006/table">
-            <a:tbl>
-              <a:tblPr firstRow="1" bandRow="1">
-                <a:tableStyleId>{5C22544A-7EE6-4342-B048-85BDC9FD1C3A}</a:tableStyleId>
-              </a:tblPr>
-              <a:tblGrid>
-                <a:gridCol w="3043593">
-                  <a:extLst>
-                    <a:ext uri="{9D8B030D-6E8A-4147-A177-3AD203B41FA5}">
-                      <a16:colId xmlns:a16="http://schemas.microsoft.com/office/drawing/2014/main" val="2337257007"/>
-                    </a:ext>
-                  </a:extLst>
-                </a:gridCol>
-                <a:gridCol w="4027005">
-                  <a:extLst>
-                    <a:ext uri="{9D8B030D-6E8A-4147-A177-3AD203B41FA5}">
-                      <a16:colId xmlns:a16="http://schemas.microsoft.com/office/drawing/2014/main" val="3567204550"/>
-                    </a:ext>
-                  </a:extLst>
-                </a:gridCol>
-              </a:tblGrid>
-              <a:tr h="657596">
-                <a:tc>
-                  <a:txBody>
-                    <a:bodyPr/>
-                    <a:lstStyle/>
-                    <a:p>
-                      <a:pPr algn="ctr"/>
-                      <a:r>
-                        <a:rPr lang="zh-CN" altLang="en-US" sz="1800" dirty="0" smtClean="0">
-                          <a:solidFill>
-                            <a:schemeClr val="tx1"/>
-                          </a:solidFill>
-                        </a:rPr>
-                        <a:t>方法分类思路</a:t>
-                      </a:r>
-                    </a:p>
-                  </a:txBody>
-                  <a:tcPr marL="68580" marR="68580" marT="34290" marB="34290" anchor="ctr">
-                    <a:lnL w="12700" cap="flat" cmpd="sng" algn="ctr">
-                      <a:solidFill>
-                        <a:schemeClr val="tx1"/>
-                      </a:solidFill>
-                      <a:prstDash val="solid"/>
-                      <a:round/>
-                      <a:headEnd type="none" w="med" len="med"/>
-                      <a:tailEnd type="none" w="med" len="med"/>
-                    </a:lnL>
-                    <a:lnR w="12700" cap="flat" cmpd="sng" algn="ctr">
-                      <a:solidFill>
-                        <a:schemeClr val="tx1"/>
-                      </a:solidFill>
-                      <a:prstDash val="solid"/>
-                      <a:round/>
-                      <a:headEnd type="none" w="med" len="med"/>
-                      <a:tailEnd type="none" w="med" len="med"/>
-                    </a:lnR>
-                    <a:lnT w="12700" cap="flat" cmpd="sng" algn="ctr">
-                      <a:solidFill>
-                        <a:schemeClr val="tx1"/>
-                      </a:solidFill>
-                      <a:prstDash val="solid"/>
-                      <a:round/>
-                      <a:headEnd type="none" w="med" len="med"/>
-                      <a:tailEnd type="none" w="med" len="med"/>
-                    </a:lnT>
-                    <a:lnB w="12700" cap="flat" cmpd="sng" algn="ctr">
-                      <a:solidFill>
-                        <a:schemeClr val="tx1"/>
-                      </a:solidFill>
-                      <a:prstDash val="solid"/>
-                      <a:round/>
-                      <a:headEnd type="none" w="med" len="med"/>
-                      <a:tailEnd type="none" w="med" len="med"/>
-                    </a:lnB>
-                    <a:solidFill>
-                      <a:schemeClr val="bg1"/>
-                    </a:solidFill>
-                  </a:tcPr>
-                </a:tc>
-                <a:tc>
-                  <a:txBody>
-                    <a:bodyPr/>
-                    <a:lstStyle/>
-                    <a:p>
-                      <a:pPr algn="ctr"/>
-                      <a:r>
-                        <a:rPr lang="zh-CN" altLang="en-US" sz="1800" dirty="0" smtClean="0">
-                          <a:solidFill>
-                            <a:schemeClr val="tx1"/>
-                          </a:solidFill>
-                        </a:rPr>
-                        <a:t>具体方法名称</a:t>
-                      </a:r>
-                      <a:endParaRPr lang="zh-CN" altLang="en-US" sz="1800" dirty="0">
-                        <a:solidFill>
-                          <a:schemeClr val="tx1"/>
-                        </a:solidFill>
-                      </a:endParaRPr>
-                    </a:p>
-                  </a:txBody>
-                  <a:tcPr marL="68580" marR="68580" marT="34290" marB="34290" anchor="ctr">
-                    <a:lnL w="12700" cap="flat" cmpd="sng" algn="ctr">
-                      <a:solidFill>
-                        <a:schemeClr val="tx1"/>
-                      </a:solidFill>
-                      <a:prstDash val="solid"/>
-                      <a:round/>
-                      <a:headEnd type="none" w="med" len="med"/>
-                      <a:tailEnd type="none" w="med" len="med"/>
-                    </a:lnL>
-                    <a:lnR w="12700" cap="flat" cmpd="sng" algn="ctr">
-                      <a:solidFill>
-                        <a:schemeClr val="tx1"/>
-                      </a:solidFill>
-                      <a:prstDash val="solid"/>
-                      <a:round/>
-                      <a:headEnd type="none" w="med" len="med"/>
-                      <a:tailEnd type="none" w="med" len="med"/>
-                    </a:lnR>
-                    <a:lnT w="12700" cap="flat" cmpd="sng" algn="ctr">
-                      <a:solidFill>
-                        <a:schemeClr val="tx1"/>
-                      </a:solidFill>
-                      <a:prstDash val="solid"/>
-                      <a:round/>
-                      <a:headEnd type="none" w="med" len="med"/>
-                      <a:tailEnd type="none" w="med" len="med"/>
-                    </a:lnT>
-                    <a:lnB w="12700" cap="flat" cmpd="sng" algn="ctr">
-                      <a:solidFill>
-                        <a:schemeClr val="tx1"/>
-                      </a:solidFill>
-                      <a:prstDash val="solid"/>
-                      <a:round/>
-                      <a:headEnd type="none" w="med" len="med"/>
-                      <a:tailEnd type="none" w="med" len="med"/>
-                    </a:lnB>
-                    <a:solidFill>
-                      <a:schemeClr val="bg1"/>
-                    </a:solidFill>
-                  </a:tcPr>
-                </a:tc>
-                <a:extLst>
-                  <a:ext uri="{0D108BD9-81ED-4DB2-BD59-A6C34878D82A}">
-                    <a16:rowId xmlns:a16="http://schemas.microsoft.com/office/drawing/2014/main" val="673313215"/>
-                  </a:ext>
-                </a:extLst>
-              </a:tr>
-              <a:tr h="657596">
-                <a:tc>
-                  <a:txBody>
-                    <a:bodyPr/>
-                    <a:lstStyle/>
-                    <a:p>
-                      <a:pPr algn="ctr"/>
-                      <a:r>
-                        <a:rPr lang="zh-CN" altLang="en-US" sz="1800" dirty="0" smtClean="0">
-                          <a:solidFill>
-                            <a:schemeClr val="tx1"/>
-                          </a:solidFill>
-                        </a:rPr>
-                        <a:t>骨架关节特征</a:t>
-                      </a:r>
-                    </a:p>
-                  </a:txBody>
-                  <a:tcPr marL="68580" marR="68580" marT="34290" marB="34290" anchor="ctr">
-                    <a:lnL w="12700" cap="flat" cmpd="sng" algn="ctr">
-                      <a:solidFill>
-                        <a:schemeClr val="tx1"/>
-                      </a:solidFill>
-                      <a:prstDash val="solid"/>
-                      <a:round/>
-                      <a:headEnd type="none" w="med" len="med"/>
-                      <a:tailEnd type="none" w="med" len="med"/>
-                    </a:lnL>
-                    <a:lnR w="12700" cap="flat" cmpd="sng" algn="ctr">
-                      <a:solidFill>
-                        <a:schemeClr val="tx1"/>
-                      </a:solidFill>
-                      <a:prstDash val="solid"/>
-                      <a:round/>
-                      <a:headEnd type="none" w="med" len="med"/>
-                      <a:tailEnd type="none" w="med" len="med"/>
-                    </a:lnR>
-                    <a:lnT w="12700" cap="flat" cmpd="sng" algn="ctr">
-                      <a:solidFill>
-                        <a:schemeClr val="tx1"/>
-                      </a:solidFill>
-                      <a:prstDash val="solid"/>
-                      <a:round/>
-                      <a:headEnd type="none" w="med" len="med"/>
-                      <a:tailEnd type="none" w="med" len="med"/>
-                    </a:lnT>
-                    <a:lnB w="12700" cap="flat" cmpd="sng" algn="ctr">
-                      <a:solidFill>
-                        <a:schemeClr val="tx1"/>
-                      </a:solidFill>
-                      <a:prstDash val="solid"/>
-                      <a:round/>
-                      <a:headEnd type="none" w="med" len="med"/>
-                      <a:tailEnd type="none" w="med" len="med"/>
-                    </a:lnB>
-                    <a:solidFill>
-                      <a:schemeClr val="bg1"/>
-                    </a:solidFill>
-                  </a:tcPr>
-                </a:tc>
-                <a:tc>
-                  <a:txBody>
-                    <a:bodyPr/>
-                    <a:lstStyle/>
-                    <a:p>
-                      <a:pPr algn="ctr"/>
-                      <a:r>
-                        <a:rPr lang="zh-CN" altLang="en-US" sz="1800" dirty="0" smtClean="0">
-                          <a:solidFill>
-                            <a:schemeClr val="tx1"/>
-                          </a:solidFill>
-                        </a:rPr>
-                        <a:t>特征关节和三维关节直方图</a:t>
-                      </a:r>
-                      <a:endParaRPr lang="zh-CN" altLang="en-US" sz="1800" dirty="0">
-                        <a:solidFill>
-                          <a:schemeClr val="tx1"/>
-                        </a:solidFill>
-                      </a:endParaRPr>
-                    </a:p>
-                  </a:txBody>
-                  <a:tcPr marL="68580" marR="68580" marT="34290" marB="34290" anchor="ctr">
-                    <a:lnL w="12700" cap="flat" cmpd="sng" algn="ctr">
-                      <a:solidFill>
-                        <a:schemeClr val="tx1"/>
-                      </a:solidFill>
-                      <a:prstDash val="solid"/>
-                      <a:round/>
-                      <a:headEnd type="none" w="med" len="med"/>
-                      <a:tailEnd type="none" w="med" len="med"/>
-                    </a:lnL>
-                    <a:lnR w="12700" cap="flat" cmpd="sng" algn="ctr">
-                      <a:solidFill>
-                        <a:schemeClr val="tx1"/>
-                      </a:solidFill>
-                      <a:prstDash val="solid"/>
-                      <a:round/>
-                      <a:headEnd type="none" w="med" len="med"/>
-                      <a:tailEnd type="none" w="med" len="med"/>
-                    </a:lnR>
-                    <a:lnT w="12700" cap="flat" cmpd="sng" algn="ctr">
-                      <a:solidFill>
-                        <a:schemeClr val="tx1"/>
-                      </a:solidFill>
-                      <a:prstDash val="solid"/>
-                      <a:round/>
-                      <a:headEnd type="none" w="med" len="med"/>
-                      <a:tailEnd type="none" w="med" len="med"/>
-                    </a:lnT>
-                    <a:lnB w="12700" cap="flat" cmpd="sng" algn="ctr">
-                      <a:solidFill>
-                        <a:schemeClr val="tx1"/>
-                      </a:solidFill>
-                      <a:prstDash val="solid"/>
-                      <a:round/>
-                      <a:headEnd type="none" w="med" len="med"/>
-                      <a:tailEnd type="none" w="med" len="med"/>
-                    </a:lnB>
-                    <a:solidFill>
-                      <a:schemeClr val="bg1"/>
-                    </a:solidFill>
-                  </a:tcPr>
-                </a:tc>
-                <a:extLst>
-                  <a:ext uri="{0D108BD9-81ED-4DB2-BD59-A6C34878D82A}">
-                    <a16:rowId xmlns:a16="http://schemas.microsoft.com/office/drawing/2014/main" val="1198719568"/>
-                  </a:ext>
-                </a:extLst>
-              </a:tr>
-              <a:tr h="657596">
-                <a:tc>
-                  <a:txBody>
-                    <a:bodyPr/>
-                    <a:lstStyle/>
-                    <a:p>
-                      <a:pPr algn="ctr"/>
-                      <a:r>
-                        <a:rPr lang="zh-CN" altLang="en-US" sz="1800" dirty="0" smtClean="0">
-                          <a:solidFill>
-                            <a:schemeClr val="tx1"/>
-                          </a:solidFill>
-                        </a:rPr>
-                        <a:t>三维模型特征</a:t>
-                      </a:r>
-                    </a:p>
-                  </a:txBody>
-                  <a:tcPr marL="68580" marR="68580" marT="34290" marB="34290" anchor="ctr">
-                    <a:lnL w="12700" cap="flat" cmpd="sng" algn="ctr">
-                      <a:solidFill>
-                        <a:schemeClr val="tx1"/>
-                      </a:solidFill>
-                      <a:prstDash val="solid"/>
-                      <a:round/>
-                      <a:headEnd type="none" w="med" len="med"/>
-                      <a:tailEnd type="none" w="med" len="med"/>
-                    </a:lnL>
-                    <a:lnR w="12700" cap="flat" cmpd="sng" algn="ctr">
-                      <a:solidFill>
-                        <a:schemeClr val="tx1"/>
-                      </a:solidFill>
-                      <a:prstDash val="solid"/>
-                      <a:round/>
-                      <a:headEnd type="none" w="med" len="med"/>
-                      <a:tailEnd type="none" w="med" len="med"/>
-                    </a:lnR>
-                    <a:lnT w="12700" cap="flat" cmpd="sng" algn="ctr">
-                      <a:solidFill>
-                        <a:schemeClr val="tx1"/>
-                      </a:solidFill>
-                      <a:prstDash val="solid"/>
-                      <a:round/>
-                      <a:headEnd type="none" w="med" len="med"/>
-                      <a:tailEnd type="none" w="med" len="med"/>
-                    </a:lnT>
-                    <a:lnB w="12700" cap="flat" cmpd="sng" algn="ctr">
-                      <a:solidFill>
-                        <a:schemeClr val="tx1"/>
-                      </a:solidFill>
-                      <a:prstDash val="solid"/>
-                      <a:round/>
-                      <a:headEnd type="none" w="med" len="med"/>
-                      <a:tailEnd type="none" w="med" len="med"/>
-                    </a:lnB>
-                    <a:solidFill>
-                      <a:schemeClr val="bg1"/>
-                    </a:solidFill>
-                  </a:tcPr>
-                </a:tc>
-                <a:tc>
-                  <a:txBody>
-                    <a:bodyPr/>
-                    <a:lstStyle/>
-                    <a:p>
-                      <a:pPr marL="0" marR="0" lvl="0" indent="0" algn="ctr" defTabSz="914400" rtl="0" eaLnBrk="1" fontAlgn="auto" latinLnBrk="0" hangingPunct="1">
-                        <a:lnSpc>
-                          <a:spcPct val="100000"/>
-                        </a:lnSpc>
-                        <a:spcBef>
-                          <a:spcPts val="0"/>
-                        </a:spcBef>
-                        <a:spcAft>
-                          <a:spcPts val="0"/>
-                        </a:spcAft>
-                        <a:buClrTx/>
-                        <a:buSzTx/>
-                        <a:buFontTx/>
-                        <a:buNone/>
-                        <a:tabLst/>
-                        <a:defRPr/>
-                      </a:pPr>
-                      <a:r>
-                        <a:rPr lang="zh-CN" altLang="en-US" sz="1800" dirty="0" smtClean="0">
-                          <a:solidFill>
-                            <a:schemeClr val="tx1"/>
-                          </a:solidFill>
-                        </a:rPr>
-                        <a:t>局部占用模式和随机占用模式</a:t>
-                      </a:r>
-                      <a:endParaRPr lang="zh-CN" altLang="en-US" sz="1800" dirty="0">
-                        <a:solidFill>
-                          <a:schemeClr val="tx1"/>
-                        </a:solidFill>
-                      </a:endParaRPr>
-                    </a:p>
-                  </a:txBody>
-                  <a:tcPr marL="68580" marR="68580" marT="34290" marB="34290" anchor="ctr">
-                    <a:lnL w="12700" cap="flat" cmpd="sng" algn="ctr">
-                      <a:solidFill>
-                        <a:schemeClr val="tx1"/>
-                      </a:solidFill>
-                      <a:prstDash val="solid"/>
-                      <a:round/>
-                      <a:headEnd type="none" w="med" len="med"/>
-                      <a:tailEnd type="none" w="med" len="med"/>
-                    </a:lnL>
-                    <a:lnR w="12700" cap="flat" cmpd="sng" algn="ctr">
-                      <a:solidFill>
-                        <a:schemeClr val="tx1"/>
-                      </a:solidFill>
-                      <a:prstDash val="solid"/>
-                      <a:round/>
-                      <a:headEnd type="none" w="med" len="med"/>
-                      <a:tailEnd type="none" w="med" len="med"/>
-                    </a:lnR>
-                    <a:lnT w="12700" cap="flat" cmpd="sng" algn="ctr">
-                      <a:solidFill>
-                        <a:schemeClr val="tx1"/>
-                      </a:solidFill>
-                      <a:prstDash val="solid"/>
-                      <a:round/>
-                      <a:headEnd type="none" w="med" len="med"/>
-                      <a:tailEnd type="none" w="med" len="med"/>
-                    </a:lnT>
-                    <a:lnB w="12700" cap="flat" cmpd="sng" algn="ctr">
-                      <a:solidFill>
-                        <a:schemeClr val="tx1"/>
-                      </a:solidFill>
-                      <a:prstDash val="solid"/>
-                      <a:round/>
-                      <a:headEnd type="none" w="med" len="med"/>
-                      <a:tailEnd type="none" w="med" len="med"/>
-                    </a:lnB>
-                    <a:solidFill>
-                      <a:schemeClr val="bg1"/>
-                    </a:solidFill>
-                  </a:tcPr>
-                </a:tc>
-                <a:extLst>
-                  <a:ext uri="{0D108BD9-81ED-4DB2-BD59-A6C34878D82A}">
-                    <a16:rowId xmlns:a16="http://schemas.microsoft.com/office/drawing/2014/main" val="3290126872"/>
-                  </a:ext>
-                </a:extLst>
-              </a:tr>
-              <a:tr h="657596">
-                <a:tc>
-                  <a:txBody>
-                    <a:bodyPr/>
-                    <a:lstStyle/>
-                    <a:p>
-                      <a:pPr algn="ctr"/>
-                      <a:r>
-                        <a:rPr lang="zh-CN" altLang="en-US" sz="1800" dirty="0" smtClean="0">
-                          <a:solidFill>
-                            <a:schemeClr val="tx1"/>
-                          </a:solidFill>
-                        </a:rPr>
-                        <a:t>时</a:t>
-                      </a:r>
-                      <a:r>
-                        <a:rPr lang="en-US" altLang="zh-CN" sz="1800" dirty="0" smtClean="0">
-                          <a:solidFill>
-                            <a:schemeClr val="tx1"/>
-                          </a:solidFill>
-                        </a:rPr>
-                        <a:t>-</a:t>
-                      </a:r>
-                      <a:r>
-                        <a:rPr lang="zh-CN" altLang="en-US" sz="1800" dirty="0" smtClean="0">
-                          <a:solidFill>
-                            <a:schemeClr val="tx1"/>
-                          </a:solidFill>
-                        </a:rPr>
-                        <a:t>空特征</a:t>
-                      </a:r>
-                    </a:p>
-                  </a:txBody>
-                  <a:tcPr marL="68580" marR="68580" marT="34290" marB="34290" anchor="ctr">
-                    <a:lnL w="12700" cap="flat" cmpd="sng" algn="ctr">
-                      <a:solidFill>
-                        <a:schemeClr val="tx1"/>
-                      </a:solidFill>
-                      <a:prstDash val="solid"/>
-                      <a:round/>
-                      <a:headEnd type="none" w="med" len="med"/>
-                      <a:tailEnd type="none" w="med" len="med"/>
-                    </a:lnL>
-                    <a:lnR w="12700" cap="flat" cmpd="sng" algn="ctr">
-                      <a:solidFill>
-                        <a:schemeClr val="tx1"/>
-                      </a:solidFill>
-                      <a:prstDash val="solid"/>
-                      <a:round/>
-                      <a:headEnd type="none" w="med" len="med"/>
-                      <a:tailEnd type="none" w="med" len="med"/>
-                    </a:lnR>
-                    <a:lnT w="12700" cap="flat" cmpd="sng" algn="ctr">
-                      <a:solidFill>
-                        <a:schemeClr val="tx1"/>
-                      </a:solidFill>
-                      <a:prstDash val="solid"/>
-                      <a:round/>
-                      <a:headEnd type="none" w="med" len="med"/>
-                      <a:tailEnd type="none" w="med" len="med"/>
-                    </a:lnT>
-                    <a:lnB w="12700" cap="flat" cmpd="sng" algn="ctr">
-                      <a:solidFill>
-                        <a:schemeClr val="tx1"/>
-                      </a:solidFill>
-                      <a:prstDash val="solid"/>
-                      <a:round/>
-                      <a:headEnd type="none" w="med" len="med"/>
-                      <a:tailEnd type="none" w="med" len="med"/>
-                    </a:lnB>
-                    <a:solidFill>
-                      <a:schemeClr val="bg1"/>
-                    </a:solidFill>
-                  </a:tcPr>
-                </a:tc>
-                <a:tc>
-                  <a:txBody>
-                    <a:bodyPr/>
-                    <a:lstStyle/>
-                    <a:p>
-                      <a:pPr algn="ctr"/>
-                      <a:r>
-                        <a:rPr lang="zh-CN" altLang="en-US" sz="1800" dirty="0" smtClean="0">
-                          <a:solidFill>
-                            <a:schemeClr val="tx1"/>
-                          </a:solidFill>
-                        </a:rPr>
-                        <a:t>傅里叶时间金字塔和空时占用模式</a:t>
-                      </a:r>
-                      <a:endParaRPr lang="zh-CN" altLang="en-US" sz="1800" dirty="0">
-                        <a:solidFill>
-                          <a:schemeClr val="tx1"/>
-                        </a:solidFill>
-                      </a:endParaRPr>
-                    </a:p>
-                  </a:txBody>
-                  <a:tcPr marL="68580" marR="68580" marT="34290" marB="34290" anchor="ctr">
-                    <a:lnL w="12700" cap="flat" cmpd="sng" algn="ctr">
-                      <a:solidFill>
-                        <a:schemeClr val="tx1"/>
-                      </a:solidFill>
-                      <a:prstDash val="solid"/>
-                      <a:round/>
-                      <a:headEnd type="none" w="med" len="med"/>
-                      <a:tailEnd type="none" w="med" len="med"/>
-                    </a:lnL>
-                    <a:lnR w="12700" cap="flat" cmpd="sng" algn="ctr">
-                      <a:solidFill>
-                        <a:schemeClr val="tx1"/>
-                      </a:solidFill>
-                      <a:prstDash val="solid"/>
-                      <a:round/>
-                      <a:headEnd type="none" w="med" len="med"/>
-                      <a:tailEnd type="none" w="med" len="med"/>
-                    </a:lnR>
-                    <a:lnT w="12700" cap="flat" cmpd="sng" algn="ctr">
-                      <a:solidFill>
-                        <a:schemeClr val="tx1"/>
-                      </a:solidFill>
-                      <a:prstDash val="solid"/>
-                      <a:round/>
-                      <a:headEnd type="none" w="med" len="med"/>
-                      <a:tailEnd type="none" w="med" len="med"/>
-                    </a:lnT>
-                    <a:lnB w="12700" cap="flat" cmpd="sng" algn="ctr">
-                      <a:solidFill>
-                        <a:schemeClr val="tx1"/>
-                      </a:solidFill>
-                      <a:prstDash val="solid"/>
-                      <a:round/>
-                      <a:headEnd type="none" w="med" len="med"/>
-                      <a:tailEnd type="none" w="med" len="med"/>
-                    </a:lnB>
-                    <a:solidFill>
-                      <a:schemeClr val="bg1"/>
-                    </a:solidFill>
-                  </a:tcPr>
-                </a:tc>
-                <a:extLst>
-                  <a:ext uri="{0D108BD9-81ED-4DB2-BD59-A6C34878D82A}">
-                    <a16:rowId xmlns:a16="http://schemas.microsoft.com/office/drawing/2014/main" val="1562664752"/>
-                  </a:ext>
-                </a:extLst>
-              </a:tr>
-              <a:tr h="657596">
-                <a:tc>
-                  <a:txBody>
-                    <a:bodyPr/>
-                    <a:lstStyle/>
-                    <a:p>
-                      <a:pPr algn="ctr"/>
-                      <a:r>
-                        <a:rPr lang="zh-CN" altLang="en-US" sz="1800" dirty="0" smtClean="0">
-                          <a:solidFill>
-                            <a:schemeClr val="tx1"/>
-                          </a:solidFill>
-                        </a:rPr>
-                        <a:t>学习特征</a:t>
-                      </a:r>
-                    </a:p>
-                  </a:txBody>
-                  <a:tcPr marL="68580" marR="68580" marT="34290" marB="34290" anchor="ctr">
-                    <a:lnL w="12700" cap="flat" cmpd="sng" algn="ctr">
-                      <a:solidFill>
-                        <a:schemeClr val="tx1"/>
-                      </a:solidFill>
-                      <a:prstDash val="solid"/>
-                      <a:round/>
-                      <a:headEnd type="none" w="med" len="med"/>
-                      <a:tailEnd type="none" w="med" len="med"/>
-                    </a:lnL>
-                    <a:lnR w="12700" cap="flat" cmpd="sng" algn="ctr">
-                      <a:solidFill>
-                        <a:schemeClr val="tx1"/>
-                      </a:solidFill>
-                      <a:prstDash val="solid"/>
-                      <a:round/>
-                      <a:headEnd type="none" w="med" len="med"/>
-                      <a:tailEnd type="none" w="med" len="med"/>
-                    </a:lnR>
-                    <a:lnT w="12700" cap="flat" cmpd="sng" algn="ctr">
-                      <a:solidFill>
-                        <a:schemeClr val="tx1"/>
-                      </a:solidFill>
-                      <a:prstDash val="solid"/>
-                      <a:round/>
-                      <a:headEnd type="none" w="med" len="med"/>
-                      <a:tailEnd type="none" w="med" len="med"/>
-                    </a:lnT>
-                    <a:lnB w="12700" cap="flat" cmpd="sng" algn="ctr">
-                      <a:solidFill>
-                        <a:schemeClr val="tx1"/>
-                      </a:solidFill>
-                      <a:prstDash val="solid"/>
-                      <a:round/>
-                      <a:headEnd type="none" w="med" len="med"/>
-                      <a:tailEnd type="none" w="med" len="med"/>
-                    </a:lnB>
-                    <a:solidFill>
-                      <a:schemeClr val="bg1"/>
-                    </a:solidFill>
-                  </a:tcPr>
-                </a:tc>
-                <a:tc>
-                  <a:txBody>
-                    <a:bodyPr/>
-                    <a:lstStyle/>
-                    <a:p>
-                      <a:pPr algn="ctr"/>
-                      <a:r>
-                        <a:rPr lang="zh-CN" altLang="en-US" sz="1800" dirty="0" smtClean="0">
-                          <a:solidFill>
-                            <a:schemeClr val="tx1"/>
-                          </a:solidFill>
-                        </a:rPr>
-                        <a:t>卷积神经网络</a:t>
-                      </a:r>
-                      <a:endParaRPr lang="zh-CN" altLang="en-US" sz="1800" dirty="0">
-                        <a:solidFill>
-                          <a:schemeClr val="tx1"/>
-                        </a:solidFill>
-                      </a:endParaRPr>
-                    </a:p>
-                  </a:txBody>
-                  <a:tcPr marL="68580" marR="68580" marT="34290" marB="34290" anchor="ctr">
-                    <a:lnL w="12700" cap="flat" cmpd="sng" algn="ctr">
-                      <a:solidFill>
-                        <a:schemeClr val="tx1"/>
-                      </a:solidFill>
-                      <a:prstDash val="solid"/>
-                      <a:round/>
-                      <a:headEnd type="none" w="med" len="med"/>
-                      <a:tailEnd type="none" w="med" len="med"/>
-                    </a:lnL>
-                    <a:lnR w="12700" cap="flat" cmpd="sng" algn="ctr">
-                      <a:solidFill>
-                        <a:schemeClr val="tx1"/>
-                      </a:solidFill>
-                      <a:prstDash val="solid"/>
-                      <a:round/>
-                      <a:headEnd type="none" w="med" len="med"/>
-                      <a:tailEnd type="none" w="med" len="med"/>
-                    </a:lnR>
-                    <a:lnT w="12700" cap="flat" cmpd="sng" algn="ctr">
-                      <a:solidFill>
-                        <a:schemeClr val="tx1"/>
-                      </a:solidFill>
-                      <a:prstDash val="solid"/>
-                      <a:round/>
-                      <a:headEnd type="none" w="med" len="med"/>
-                      <a:tailEnd type="none" w="med" len="med"/>
-                    </a:lnT>
-                    <a:lnB w="12700" cap="flat" cmpd="sng" algn="ctr">
-                      <a:solidFill>
-                        <a:schemeClr val="tx1"/>
-                      </a:solidFill>
-                      <a:prstDash val="solid"/>
-                      <a:round/>
-                      <a:headEnd type="none" w="med" len="med"/>
-                      <a:tailEnd type="none" w="med" len="med"/>
-                    </a:lnB>
-                    <a:solidFill>
-                      <a:schemeClr val="bg1"/>
-                    </a:solidFill>
-                  </a:tcPr>
-                </a:tc>
-                <a:extLst>
-                  <a:ext uri="{0D108BD9-81ED-4DB2-BD59-A6C34878D82A}">
-                    <a16:rowId xmlns:a16="http://schemas.microsoft.com/office/drawing/2014/main" val="2930567463"/>
-                  </a:ext>
-                </a:extLst>
-              </a:tr>
-            </a:tbl>
-          </a:graphicData>
-        </a:graphic>
-      </p:graphicFrame>
       <p:sp>
         <p:nvSpPr>
-          <p:cNvPr id="3" name="矩形 2"/>
-          <p:cNvSpPr/>
+          <p:cNvPr id="3" name="内容占位符 2"/>
+          <p:cNvSpPr>
+            <a:spLocks noGrp="1"/>
+          </p:cNvSpPr>
+          <p:nvPr>
+            <p:ph idx="1"/>
+          </p:nvPr>
+        </p:nvSpPr>
+        <p:spPr/>
+        <p:txBody>
+          <a:bodyPr>
+            <a:normAutofit/>
+          </a:bodyPr>
+          <a:lstStyle/>
+          <a:p>
+            <a:r>
+              <a:rPr lang="zh-CN" altLang="en-US" sz="1600" dirty="0" smtClean="0"/>
+              <a:t>骨架</a:t>
+            </a:r>
+            <a:r>
+              <a:rPr lang="zh-CN" altLang="en-US" sz="1600" dirty="0"/>
+              <a:t>关节</a:t>
+            </a:r>
+            <a:r>
+              <a:rPr lang="zh-CN" altLang="en-US" sz="1600" dirty="0" smtClean="0"/>
+              <a:t>特征：</a:t>
+            </a:r>
+            <a:r>
+              <a:rPr lang="zh-CN" altLang="en-US" sz="1600" dirty="0"/>
+              <a:t>以关节点位置作为动作</a:t>
+            </a:r>
+            <a:r>
+              <a:rPr lang="zh-CN" altLang="en-US" sz="1600" dirty="0" smtClean="0"/>
+              <a:t>特征。</a:t>
+            </a:r>
+            <a:endParaRPr lang="en-US" altLang="zh-CN" sz="1600" dirty="0" smtClean="0"/>
+          </a:p>
+          <a:p>
+            <a:r>
+              <a:rPr lang="zh-CN" altLang="en-US" sz="1600" dirty="0"/>
+              <a:t>三维模型</a:t>
+            </a:r>
+            <a:r>
+              <a:rPr lang="zh-CN" altLang="en-US" sz="1600" dirty="0" smtClean="0"/>
+              <a:t>特征：将深度信息转化为点云信息，三维</a:t>
+            </a:r>
+            <a:r>
+              <a:rPr lang="zh-CN" altLang="en-US" sz="1600" dirty="0"/>
+              <a:t>模型的形式进行动作及行为的表示</a:t>
+            </a:r>
+            <a:r>
+              <a:rPr lang="zh-CN" altLang="en-US" sz="1600" dirty="0" smtClean="0"/>
+              <a:t>。</a:t>
+            </a:r>
+            <a:endParaRPr lang="en-US" altLang="zh-CN" sz="1600" dirty="0" smtClean="0"/>
+          </a:p>
+          <a:p>
+            <a:r>
+              <a:rPr lang="zh-CN" altLang="en-US" sz="1600" dirty="0" smtClean="0"/>
+              <a:t>时</a:t>
+            </a:r>
+            <a:r>
+              <a:rPr lang="en-US" altLang="zh-CN" sz="1600" dirty="0" smtClean="0"/>
+              <a:t>-</a:t>
+            </a:r>
+            <a:r>
+              <a:rPr lang="zh-CN" altLang="en-US" sz="1600" dirty="0" smtClean="0"/>
+              <a:t>空</a:t>
+            </a:r>
+            <a:r>
+              <a:rPr lang="zh-CN" altLang="en-US" sz="1600" dirty="0"/>
+              <a:t>特征</a:t>
+            </a:r>
+            <a:r>
+              <a:rPr lang="zh-CN" altLang="en-US" sz="1600" dirty="0" smtClean="0"/>
+              <a:t>：可以表示在</a:t>
+            </a:r>
+            <a:r>
+              <a:rPr lang="zh-CN" altLang="en-US" sz="1600" dirty="0"/>
+              <a:t>一定时间范围内人体的运动</a:t>
+            </a:r>
+            <a:r>
+              <a:rPr lang="zh-CN" altLang="en-US" sz="1600" dirty="0" smtClean="0"/>
+              <a:t>规律。</a:t>
+            </a:r>
+            <a:endParaRPr lang="en-US" altLang="zh-CN" sz="1600" dirty="0" smtClean="0"/>
+          </a:p>
+          <a:p>
+            <a:r>
+              <a:rPr lang="zh-CN" altLang="en-US" sz="1600" dirty="0" smtClean="0"/>
+              <a:t>学习特征：使用神经网络，避免</a:t>
+            </a:r>
+            <a:r>
+              <a:rPr lang="zh-CN" altLang="en-US" sz="1600" dirty="0"/>
+              <a:t>了手动设计人体动作及行为的表示</a:t>
+            </a:r>
+            <a:r>
+              <a:rPr lang="zh-CN" altLang="en-US" sz="1600" dirty="0" smtClean="0"/>
+              <a:t>方法。</a:t>
+            </a:r>
+            <a:endParaRPr lang="en-US" altLang="zh-CN" sz="1600" dirty="0" smtClean="0"/>
+          </a:p>
+          <a:p>
+            <a:endParaRPr lang="zh-CN" altLang="en-US" sz="1600" dirty="0"/>
+          </a:p>
+          <a:p>
+            <a:endParaRPr lang="en-US" altLang="zh-CN" sz="1800" dirty="0" smtClean="0"/>
+          </a:p>
+          <a:p>
+            <a:endParaRPr lang="en-US" altLang="zh-CN" sz="1800" dirty="0" smtClean="0"/>
+          </a:p>
+          <a:p>
+            <a:endParaRPr lang="en-US" altLang="zh-CN" sz="1800" dirty="0" smtClean="0"/>
+          </a:p>
+          <a:p>
+            <a:endParaRPr lang="zh-CN" altLang="en-US" sz="1800" dirty="0"/>
+          </a:p>
+          <a:p>
+            <a:endParaRPr lang="zh-CN" altLang="en-US" sz="1800" dirty="0"/>
+          </a:p>
+          <a:p>
+            <a:endParaRPr lang="zh-CN" altLang="en-US" sz="1800" dirty="0"/>
+          </a:p>
+        </p:txBody>
+      </p:sp>
+      <p:pic>
+        <p:nvPicPr>
+          <p:cNvPr id="8" name="图片 7"/>
+          <p:cNvPicPr>
+            <a:picLocks noChangeAspect="1"/>
+          </p:cNvPicPr>
           <p:nvPr/>
-        </p:nvSpPr>
+        </p:nvPicPr>
+        <p:blipFill>
+          <a:blip r:embed="rId2" cstate="print">
+            <a:extLst>
+              <a:ext uri="{28A0092B-C50C-407E-A947-70E740481C1C}">
+                <a14:useLocalDpi xmlns:a14="http://schemas.microsoft.com/office/drawing/2010/main" val="0"/>
+              </a:ext>
+            </a:extLst>
+          </a:blip>
+          <a:stretch>
+            <a:fillRect/>
+          </a:stretch>
+        </p:blipFill>
         <p:spPr>
           <a:xfrm>
-            <a:off x="1036701" y="1690689"/>
-            <a:ext cx="7070598" cy="923330"/>
+            <a:off x="1396173" y="3467819"/>
+            <a:ext cx="2286056" cy="1544398"/>
           </a:xfrm>
           <a:prstGeom prst="rect">
             <a:avLst/>
           </a:prstGeom>
         </p:spPr>
-        <p:txBody>
-          <a:bodyPr wrap="square">
-            <a:spAutoFit/>
-          </a:bodyPr>
-          <a:lstStyle/>
-          <a:p>
-            <a:r>
-              <a:rPr lang="zh-CN" altLang="en-US" dirty="0"/>
-              <a:t>以骨架关节特征、三维模型特征、时</a:t>
-            </a:r>
-            <a:r>
-              <a:rPr lang="en-US" altLang="zh-CN" dirty="0"/>
-              <a:t>-</a:t>
-            </a:r>
-            <a:r>
-              <a:rPr lang="zh-CN" altLang="en-US" dirty="0"/>
-              <a:t>空特征和学习特征作为思路对现有动作表示方法进行分类，并以此讨论不同方法在不同环境中的适用性</a:t>
-            </a:r>
-            <a:endParaRPr lang="zh-CN" altLang="en-US" dirty="0"/>
-          </a:p>
-        </p:txBody>
-      </p:sp>
+      </p:pic>
+      <p:pic>
+        <p:nvPicPr>
+          <p:cNvPr id="9" name="图片 8"/>
+          <p:cNvPicPr/>
+          <p:nvPr/>
+        </p:nvPicPr>
+        <p:blipFill rotWithShape="1">
+          <a:blip r:embed="rId3" cstate="print">
+            <a:extLst>
+              <a:ext uri="{28A0092B-C50C-407E-A947-70E740481C1C}">
+                <a14:useLocalDpi xmlns:a14="http://schemas.microsoft.com/office/drawing/2010/main" val="0"/>
+              </a:ext>
+            </a:extLst>
+          </a:blip>
+          <a:srcRect l="13058" r="13131"/>
+          <a:stretch/>
+        </p:blipFill>
+        <p:spPr>
+          <a:xfrm>
+            <a:off x="5252726" y="3467819"/>
+            <a:ext cx="1975449" cy="1679335"/>
+          </a:xfrm>
+          <a:prstGeom prst="rect">
+            <a:avLst/>
+          </a:prstGeom>
+        </p:spPr>
+      </p:pic>
+      <p:pic>
+        <p:nvPicPr>
+          <p:cNvPr id="10" name="图片 9"/>
+          <p:cNvPicPr>
+            <a:picLocks noChangeAspect="1"/>
+          </p:cNvPicPr>
+          <p:nvPr/>
+        </p:nvPicPr>
+        <p:blipFill>
+          <a:blip r:embed="rId4" cstate="print">
+            <a:extLst>
+              <a:ext uri="{28A0092B-C50C-407E-A947-70E740481C1C}">
+                <a14:useLocalDpi xmlns:a14="http://schemas.microsoft.com/office/drawing/2010/main" val="0"/>
+              </a:ext>
+            </a:extLst>
+          </a:blip>
+          <a:stretch>
+            <a:fillRect/>
+          </a:stretch>
+        </p:blipFill>
+        <p:spPr>
+          <a:xfrm>
+            <a:off x="1422155" y="5227607"/>
+            <a:ext cx="2286056" cy="1537317"/>
+          </a:xfrm>
+          <a:prstGeom prst="rect">
+            <a:avLst/>
+          </a:prstGeom>
+        </p:spPr>
+      </p:pic>
+      <p:pic>
+        <p:nvPicPr>
+          <p:cNvPr id="11" name="图片 10"/>
+          <p:cNvPicPr/>
+          <p:nvPr/>
+        </p:nvPicPr>
+        <p:blipFill>
+          <a:blip r:embed="rId5">
+            <a:extLst>
+              <a:ext uri="{28A0092B-C50C-407E-A947-70E740481C1C}">
+                <a14:useLocalDpi xmlns:a14="http://schemas.microsoft.com/office/drawing/2010/main" val="0"/>
+              </a:ext>
+            </a:extLst>
+          </a:blip>
+          <a:stretch>
+            <a:fillRect/>
+          </a:stretch>
+        </p:blipFill>
+        <p:spPr>
+          <a:xfrm>
+            <a:off x="4449751" y="5227606"/>
+            <a:ext cx="3581400" cy="1473861"/>
+          </a:xfrm>
+          <a:prstGeom prst="rect">
+            <a:avLst/>
+          </a:prstGeom>
+        </p:spPr>
+      </p:pic>
     </p:spTree>
     <p:extLst>
       <p:ext uri="{BB962C8B-B14F-4D97-AF65-F5344CB8AC3E}">
-        <p14:creationId xmlns:p14="http://schemas.microsoft.com/office/powerpoint/2010/main" val="3610415449"/>
+        <p14:creationId xmlns:p14="http://schemas.microsoft.com/office/powerpoint/2010/main" val="1180171837"/>
       </p:ext>
     </p:extLst>
   </p:cSld>
   <p:clrMapOvr>
     <a:masterClrMapping/>
   </p:clrMapOvr>
+  <p:timing>
+    <p:tnLst>
+      <p:par>
+        <p:cTn id="1" dur="indefinite" restart="never" nodeType="tmRoot"/>
+      </p:par>
+    </p:tnLst>
+  </p:timing>
 </p:sld>
 </file>
 
@@ -13631,19 +12619,409 @@
             </p:nvSpPr>
             <p:spPr/>
             <p:txBody>
-              <a:bodyPr/>
+              <a:bodyPr>
+                <a:normAutofit/>
+              </a:bodyPr>
               <a:lstStyle/>
               <a:p>
                 <a:pPr>
                   <a:lnSpc>
-                    <a:spcPct val="200000"/>
+                    <a:spcPct val="100000"/>
                   </a:lnSpc>
                 </a:pPr>
                 <a:r>
-                  <a:rPr lang="zh-CN" altLang="en-US" dirty="0" smtClean="0"/>
-                  <a:t>姿态特征获取</a:t>
+                  <a:rPr lang="zh-CN" altLang="en-US" sz="1600" dirty="0" smtClean="0"/>
+                  <a:t>姿态特征获取：使用特征关节特征，</a:t>
                 </a:r>
-                <a:endParaRPr lang="en-US" altLang="zh-CN" dirty="0" smtClean="0"/>
+                <a:r>
+                  <a:rPr lang="zh-CN" altLang="zh-CN" sz="1600" dirty="0"/>
+                  <a:t>姿态特征</a:t>
+                </a:r>
+                <a14:m>
+                  <m:oMath xmlns:m="http://schemas.openxmlformats.org/officeDocument/2006/math">
+                    <m:sSub>
+                      <m:sSubPr>
+                        <m:ctrlPr>
+                          <a:rPr lang="zh-CN" altLang="zh-CN" sz="1600" i="1">
+                            <a:latin typeface="Cambria Math" panose="02040503050406030204" pitchFamily="18" charset="0"/>
+                          </a:rPr>
+                        </m:ctrlPr>
+                      </m:sSubPr>
+                      <m:e>
+                        <m:r>
+                          <a:rPr lang="en-US" altLang="zh-CN" sz="1600">
+                            <a:latin typeface="Cambria Math" panose="02040503050406030204" pitchFamily="18" charset="0"/>
+                          </a:rPr>
+                          <m:t>𝑓</m:t>
+                        </m:r>
+                      </m:e>
+                      <m:sub>
+                        <m:r>
+                          <a:rPr lang="en-US" altLang="zh-CN" sz="1600">
+                            <a:latin typeface="Cambria Math" panose="02040503050406030204" pitchFamily="18" charset="0"/>
+                          </a:rPr>
+                          <m:t>𝑐𝑐</m:t>
+                        </m:r>
+                      </m:sub>
+                    </m:sSub>
+                  </m:oMath>
+                </a14:m>
+                <a:r>
+                  <a:rPr lang="zh-CN" altLang="zh-CN" sz="1600" dirty="0"/>
+                  <a:t>，运动特征</a:t>
+                </a:r>
+                <a14:m>
+                  <m:oMath xmlns:m="http://schemas.openxmlformats.org/officeDocument/2006/math">
+                    <m:sSub>
+                      <m:sSubPr>
+                        <m:ctrlPr>
+                          <a:rPr lang="zh-CN" altLang="zh-CN" sz="1600" i="1">
+                            <a:latin typeface="Cambria Math" panose="02040503050406030204" pitchFamily="18" charset="0"/>
+                          </a:rPr>
+                        </m:ctrlPr>
+                      </m:sSubPr>
+                      <m:e>
+                        <m:r>
+                          <a:rPr lang="en-US" altLang="zh-CN" sz="1600">
+                            <a:latin typeface="Cambria Math" panose="02040503050406030204" pitchFamily="18" charset="0"/>
+                          </a:rPr>
+                          <m:t>𝑓</m:t>
+                        </m:r>
+                      </m:e>
+                      <m:sub>
+                        <m:r>
+                          <a:rPr lang="en-US" altLang="zh-CN" sz="1600">
+                            <a:latin typeface="Cambria Math" panose="02040503050406030204" pitchFamily="18" charset="0"/>
+                          </a:rPr>
+                          <m:t>𝑐𝑝</m:t>
+                        </m:r>
+                      </m:sub>
+                    </m:sSub>
+                  </m:oMath>
+                </a14:m>
+                <a:r>
+                  <a:rPr lang="zh-CN" altLang="zh-CN" sz="1600" dirty="0"/>
+                  <a:t>和偏移特征</a:t>
+                </a:r>
+                <a14:m>
+                  <m:oMath xmlns:m="http://schemas.openxmlformats.org/officeDocument/2006/math">
+                    <m:sSub>
+                      <m:sSubPr>
+                        <m:ctrlPr>
+                          <a:rPr lang="zh-CN" altLang="zh-CN" sz="1600" i="1">
+                            <a:latin typeface="Cambria Math" panose="02040503050406030204" pitchFamily="18" charset="0"/>
+                          </a:rPr>
+                        </m:ctrlPr>
+                      </m:sSubPr>
+                      <m:e>
+                        <m:r>
+                          <a:rPr lang="en-US" altLang="zh-CN" sz="1600">
+                            <a:latin typeface="Cambria Math" panose="02040503050406030204" pitchFamily="18" charset="0"/>
+                          </a:rPr>
+                          <m:t>𝑓</m:t>
+                        </m:r>
+                      </m:e>
+                      <m:sub>
+                        <m:r>
+                          <a:rPr lang="en-US" altLang="zh-CN" sz="1600">
+                            <a:latin typeface="Cambria Math" panose="02040503050406030204" pitchFamily="18" charset="0"/>
+                          </a:rPr>
+                          <m:t>𝑐𝑖</m:t>
+                        </m:r>
+                      </m:sub>
+                    </m:sSub>
+                  </m:oMath>
+                </a14:m>
+                <a:r>
+                  <a:rPr lang="zh-CN" altLang="en-US" sz="1600" dirty="0" smtClean="0"/>
+                  <a:t>组合、归一化并降维后</a:t>
+                </a:r>
+                <a14:m>
+                  <m:oMath xmlns:m="http://schemas.openxmlformats.org/officeDocument/2006/math">
+                    <m:r>
+                      <a:rPr lang="zh-CN" altLang="en-US" sz="1600" i="1">
+                        <a:latin typeface="Cambria Math" panose="02040503050406030204" pitchFamily="18" charset="0"/>
+                      </a:rPr>
+                      <m:t>，</m:t>
+                    </m:r>
+                    <m:r>
+                      <a:rPr lang="zh-CN" altLang="en-US" sz="1600" i="1" smtClean="0">
+                        <a:latin typeface="Cambria Math" panose="02040503050406030204" pitchFamily="18" charset="0"/>
+                      </a:rPr>
+                      <m:t>得到</m:t>
+                    </m:r>
+                    <m:r>
+                      <a:rPr lang="zh-CN" altLang="en-US" sz="1600" i="1">
+                        <a:latin typeface="Cambria Math" panose="02040503050406030204" pitchFamily="18" charset="0"/>
+                      </a:rPr>
+                      <m:t>最终</m:t>
+                    </m:r>
+                    <m:r>
+                      <a:rPr lang="zh-CN" altLang="en-US" sz="1600" i="1" smtClean="0">
+                        <a:latin typeface="Cambria Math" panose="02040503050406030204" pitchFamily="18" charset="0"/>
+                      </a:rPr>
+                      <m:t>的</m:t>
+                    </m:r>
+                    <m:r>
+                      <a:rPr lang="zh-CN" altLang="en-US" sz="1600" i="1">
+                        <a:latin typeface="Cambria Math" panose="02040503050406030204" pitchFamily="18" charset="0"/>
+                      </a:rPr>
+                      <m:t>姿态特征</m:t>
+                    </m:r>
+                    <m:sSup>
+                      <m:sSupPr>
+                        <m:ctrlPr>
+                          <a:rPr lang="en-US" altLang="zh-CN" sz="1600" i="1">
+                            <a:latin typeface="Cambria Math" panose="02040503050406030204" pitchFamily="18" charset="0"/>
+                          </a:rPr>
+                        </m:ctrlPr>
+                      </m:sSupPr>
+                      <m:e>
+                        <m:r>
+                          <a:rPr lang="en-US" altLang="zh-CN" sz="1600" i="1">
+                            <a:latin typeface="Cambria Math" panose="02040503050406030204" pitchFamily="18" charset="0"/>
+                          </a:rPr>
+                          <m:t>𝑓</m:t>
+                        </m:r>
+                      </m:e>
+                      <m:sup>
+                        <m:r>
+                          <a:rPr lang="en-US" altLang="zh-CN" sz="1600" i="1">
+                            <a:latin typeface="Cambria Math" panose="02040503050406030204" pitchFamily="18" charset="0"/>
+                          </a:rPr>
+                          <m:t>∗</m:t>
+                        </m:r>
+                      </m:sup>
+                    </m:sSup>
+                  </m:oMath>
+                </a14:m>
+                <a:r>
+                  <a:rPr lang="zh-CN" altLang="en-US" sz="1600" dirty="0" smtClean="0"/>
+                  <a:t>。</a:t>
+                </a:r>
+                <a:endParaRPr lang="en-US" altLang="zh-CN" sz="1600" dirty="0"/>
+              </a:p>
+              <a:p>
+                <a:pPr>
+                  <a:lnSpc>
+                    <a:spcPct val="100000"/>
+                  </a:lnSpc>
+                </a:pPr>
+                <a:r>
+                  <a:rPr lang="zh-CN" altLang="en-US" sz="1600" dirty="0" smtClean="0"/>
+                  <a:t>动作分类：</a:t>
+                </a:r>
+                <a:r>
+                  <a:rPr lang="zh-CN" altLang="zh-CN" sz="1600" dirty="0"/>
+                  <a:t>使用</a:t>
+                </a:r>
+                <a:r>
+                  <a:rPr lang="en-US" altLang="zh-CN" sz="1600" dirty="0" smtClean="0"/>
+                  <a:t>NBNN</a:t>
+                </a:r>
+                <a:r>
+                  <a:rPr lang="zh-CN" altLang="zh-CN" sz="1600" dirty="0" smtClean="0"/>
+                  <a:t>分类器</a:t>
+                </a:r>
+                <a:r>
+                  <a:rPr lang="zh-CN" altLang="en-US" sz="1600" dirty="0" smtClean="0"/>
+                  <a:t>进行动作分类。</a:t>
+                </a:r>
+                <a:endParaRPr lang="en-US" altLang="zh-CN" sz="1600" dirty="0" smtClean="0"/>
+              </a:p>
+              <a:p>
+                <a:pPr>
+                  <a:lnSpc>
+                    <a:spcPct val="100000"/>
+                  </a:lnSpc>
+                </a:pPr>
+                <a:r>
+                  <a:rPr lang="en-US" altLang="zh-CN" sz="1600" dirty="0"/>
+                  <a:t>NBNN</a:t>
+                </a:r>
+                <a:r>
+                  <a:rPr lang="zh-CN" altLang="zh-CN" sz="1600" dirty="0" smtClean="0"/>
+                  <a:t>分类器</a:t>
+                </a:r>
+                <a:r>
+                  <a:rPr lang="zh-CN" altLang="en-US" sz="1600" dirty="0"/>
+                  <a:t>使用</a:t>
+                </a:r>
+                <a:r>
+                  <a:rPr lang="zh-CN" altLang="zh-CN" sz="1600" dirty="0" smtClean="0"/>
+                  <a:t>类似于</a:t>
+                </a:r>
+                <a:r>
+                  <a:rPr lang="zh-CN" altLang="zh-CN" sz="1600" dirty="0"/>
+                  <a:t>最邻近的方法对视频序列进行分类，即找出与待分类样本</a:t>
+                </a:r>
+                <a14:m>
+                  <m:oMath xmlns:m="http://schemas.openxmlformats.org/officeDocument/2006/math">
+                    <m:sSup>
+                      <m:sSupPr>
+                        <m:ctrlPr>
+                          <a:rPr lang="zh-CN" altLang="zh-CN" sz="1600" i="1">
+                            <a:latin typeface="Cambria Math" panose="02040503050406030204" pitchFamily="18" charset="0"/>
+                          </a:rPr>
+                        </m:ctrlPr>
+                      </m:sSupPr>
+                      <m:e>
+                        <m:r>
+                          <a:rPr lang="en-US" altLang="zh-CN" sz="1600" i="1">
+                            <a:latin typeface="Cambria Math" panose="02040503050406030204" pitchFamily="18" charset="0"/>
+                          </a:rPr>
+                          <m:t>𝑣</m:t>
+                        </m:r>
+                      </m:e>
+                      <m:sup>
+                        <m:r>
+                          <a:rPr lang="en-US" altLang="zh-CN" sz="1600" i="1">
+                            <a:latin typeface="Cambria Math" panose="02040503050406030204" pitchFamily="18" charset="0"/>
+                          </a:rPr>
+                          <m:t>∗</m:t>
+                        </m:r>
+                      </m:sup>
+                    </m:sSup>
+                  </m:oMath>
+                </a14:m>
+                <a:r>
+                  <a:rPr lang="zh-CN" altLang="zh-CN" sz="1600" dirty="0"/>
+                  <a:t>“距离”最近的样本</a:t>
+                </a:r>
+                <a14:m>
+                  <m:oMath xmlns:m="http://schemas.openxmlformats.org/officeDocument/2006/math">
+                    <m:sSub>
+                      <m:sSubPr>
+                        <m:ctrlPr>
+                          <a:rPr lang="zh-CN" altLang="zh-CN" sz="1600" i="1">
+                            <a:latin typeface="Cambria Math" panose="02040503050406030204" pitchFamily="18" charset="0"/>
+                          </a:rPr>
+                        </m:ctrlPr>
+                      </m:sSubPr>
+                      <m:e>
+                        <m:r>
+                          <a:rPr lang="en-US" altLang="zh-CN" sz="1600" i="1">
+                            <a:latin typeface="Cambria Math" panose="02040503050406030204" pitchFamily="18" charset="0"/>
+                          </a:rPr>
+                          <m:t>𝑣</m:t>
+                        </m:r>
+                      </m:e>
+                      <m:sub>
+                        <m:r>
+                          <a:rPr lang="en-US" altLang="zh-CN" sz="1600" i="1">
+                            <a:latin typeface="Cambria Math" panose="02040503050406030204" pitchFamily="18" charset="0"/>
+                          </a:rPr>
+                          <m:t>𝐶</m:t>
+                        </m:r>
+                      </m:sub>
+                    </m:sSub>
+                  </m:oMath>
+                </a14:m>
+                <a:r>
+                  <a:rPr lang="zh-CN" altLang="zh-CN" sz="1600" dirty="0"/>
+                  <a:t>，其中样本</a:t>
+                </a:r>
+                <a14:m>
+                  <m:oMath xmlns:m="http://schemas.openxmlformats.org/officeDocument/2006/math">
+                    <m:sSub>
+                      <m:sSubPr>
+                        <m:ctrlPr>
+                          <a:rPr lang="zh-CN" altLang="zh-CN" sz="1600" i="1">
+                            <a:latin typeface="Cambria Math" panose="02040503050406030204" pitchFamily="18" charset="0"/>
+                          </a:rPr>
+                        </m:ctrlPr>
+                      </m:sSubPr>
+                      <m:e>
+                        <m:r>
+                          <a:rPr lang="en-US" altLang="zh-CN" sz="1600" i="1">
+                            <a:latin typeface="Cambria Math" panose="02040503050406030204" pitchFamily="18" charset="0"/>
+                          </a:rPr>
+                          <m:t>𝑣</m:t>
+                        </m:r>
+                      </m:e>
+                      <m:sub>
+                        <m:r>
+                          <a:rPr lang="en-US" altLang="zh-CN" sz="1600" i="1">
+                            <a:latin typeface="Cambria Math" panose="02040503050406030204" pitchFamily="18" charset="0"/>
+                          </a:rPr>
+                          <m:t>𝐶</m:t>
+                        </m:r>
+                      </m:sub>
+                    </m:sSub>
+                  </m:oMath>
+                </a14:m>
+                <a:r>
+                  <a:rPr lang="zh-CN" altLang="zh-CN" sz="1600" dirty="0"/>
+                  <a:t>所属于类别</a:t>
+                </a:r>
+                <a14:m>
+                  <m:oMath xmlns:m="http://schemas.openxmlformats.org/officeDocument/2006/math">
+                    <m:r>
+                      <a:rPr lang="en-US" altLang="zh-CN" sz="1600" i="1">
+                        <a:latin typeface="Cambria Math" panose="02040503050406030204" pitchFamily="18" charset="0"/>
+                      </a:rPr>
+                      <m:t>𝐶</m:t>
+                    </m:r>
+                  </m:oMath>
+                </a14:m>
+                <a:r>
+                  <a:rPr lang="zh-CN" altLang="zh-CN" sz="1600" dirty="0"/>
+                  <a:t>，这样</a:t>
+                </a:r>
+                <a14:m>
+                  <m:oMath xmlns:m="http://schemas.openxmlformats.org/officeDocument/2006/math">
+                    <m:r>
+                      <a:rPr lang="en-US" altLang="zh-CN" sz="1600" i="1">
+                        <a:latin typeface="Cambria Math" panose="02040503050406030204" pitchFamily="18" charset="0"/>
+                      </a:rPr>
+                      <m:t>𝐶</m:t>
+                    </m:r>
+                  </m:oMath>
+                </a14:m>
+                <a:r>
+                  <a:rPr lang="zh-CN" altLang="zh-CN" sz="1600" dirty="0"/>
+                  <a:t>即为样本</a:t>
+                </a:r>
+                <a14:m>
+                  <m:oMath xmlns:m="http://schemas.openxmlformats.org/officeDocument/2006/math">
+                    <m:sSup>
+                      <m:sSupPr>
+                        <m:ctrlPr>
+                          <a:rPr lang="zh-CN" altLang="zh-CN" sz="1600" i="1">
+                            <a:latin typeface="Cambria Math" panose="02040503050406030204" pitchFamily="18" charset="0"/>
+                          </a:rPr>
+                        </m:ctrlPr>
+                      </m:sSupPr>
+                      <m:e>
+                        <m:r>
+                          <a:rPr lang="en-US" altLang="zh-CN" sz="1600" i="1">
+                            <a:latin typeface="Cambria Math" panose="02040503050406030204" pitchFamily="18" charset="0"/>
+                          </a:rPr>
+                          <m:t>𝑣</m:t>
+                        </m:r>
+                      </m:e>
+                      <m:sup>
+                        <m:r>
+                          <a:rPr lang="en-US" altLang="zh-CN" sz="1600" i="1">
+                            <a:latin typeface="Cambria Math" panose="02040503050406030204" pitchFamily="18" charset="0"/>
+                          </a:rPr>
+                          <m:t>∗</m:t>
+                        </m:r>
+                      </m:sup>
+                    </m:sSup>
+                  </m:oMath>
+                </a14:m>
+                <a:r>
+                  <a:rPr lang="zh-CN" altLang="zh-CN" sz="1600" dirty="0"/>
+                  <a:t>所属的类别</a:t>
+                </a:r>
+                <a:r>
+                  <a:rPr lang="zh-CN" altLang="zh-CN" sz="1600" dirty="0" smtClean="0"/>
+                  <a:t>。</a:t>
+                </a:r>
+                <a:endParaRPr lang="en-US" altLang="zh-CN" sz="1600" dirty="0" smtClean="0">
+                  <a:latin typeface="Cambria Math" panose="02040503050406030204" pitchFamily="18" charset="0"/>
+                </a:endParaRPr>
               </a:p>
               <a:p>
                 <a:pPr marL="0" indent="0">
@@ -13652,6 +13030,69 @@
                   </a:lnSpc>
                   <a:buNone/>
                 </a:pPr>
+                <a:endParaRPr lang="zh-CN" altLang="en-US" sz="1800" dirty="0"/>
+              </a:p>
+            </p:txBody>
+          </p:sp>
+        </mc:Choice>
+        <mc:Fallback xmlns="">
+          <p:sp>
+            <p:nvSpPr>
+              <p:cNvPr id="3" name="内容占位符 2"/>
+              <p:cNvSpPr>
+                <a:spLocks noGrp="1" noRot="1" noChangeAspect="1" noMove="1" noResize="1" noEditPoints="1" noAdjustHandles="1" noChangeArrowheads="1" noChangeShapeType="1" noTextEdit="1"/>
+              </p:cNvSpPr>
+              <p:nvPr>
+                <p:ph idx="1"/>
+              </p:nvPr>
+            </p:nvSpPr>
+            <p:spPr>
+              <a:blipFill>
+                <a:blip r:embed="rId2"/>
+                <a:stretch>
+                  <a:fillRect l="-309" t="-280"/>
+                </a:stretch>
+              </a:blipFill>
+            </p:spPr>
+            <p:txBody>
+              <a:bodyPr/>
+              <a:lstStyle/>
+              <a:p>
+                <a:r>
+                  <a:rPr lang="zh-CN" altLang="en-US">
+                    <a:noFill/>
+                  </a:rPr>
+                  <a:t> </a:t>
+                </a:r>
+              </a:p>
+            </p:txBody>
+          </p:sp>
+        </mc:Fallback>
+      </mc:AlternateContent>
+      <mc:AlternateContent xmlns:mc="http://schemas.openxmlformats.org/markup-compatibility/2006" xmlns:a14="http://schemas.microsoft.com/office/drawing/2010/main">
+        <mc:Choice Requires="a14">
+          <p:sp>
+            <p:nvSpPr>
+              <p:cNvPr id="4" name="矩形 3"/>
+              <p:cNvSpPr/>
+              <p:nvPr/>
+            </p:nvSpPr>
+            <p:spPr>
+              <a:xfrm>
+                <a:off x="512732" y="4226444"/>
+                <a:ext cx="4020460" cy="565539"/>
+              </a:xfrm>
+              <a:prstGeom prst="rect">
+                <a:avLst/>
+              </a:prstGeom>
+            </p:spPr>
+            <p:txBody>
+              <a:bodyPr wrap="none">
+                <a:spAutoFit/>
+              </a:bodyPr>
+              <a:lstStyle/>
+              <a:p>
+                <a:pPr/>
                 <a14:m>
                   <m:oMathPara xmlns:m="http://schemas.openxmlformats.org/officeDocument/2006/math">
                     <m:oMathParaPr>
@@ -13684,7 +13125,7 @@
                         </m:sub>
                       </m:sSub>
                       <m:r>
-                        <a:rPr lang="en-US" altLang="zh-CN" b="0" i="1" smtClean="0">
+                        <a:rPr lang="en-US" altLang="zh-CN" i="1">
                           <a:latin typeface="Cambria Math" panose="02040503050406030204" pitchFamily="18" charset="0"/>
                         </a:rPr>
                         <m:t>,</m:t>
@@ -13724,7 +13165,7 @@
                         </m:sSubPr>
                         <m:e>
                           <m:r>
-                            <a:rPr lang="en-US" altLang="zh-CN" b="0" i="1" smtClean="0">
+                            <a:rPr lang="en-US" altLang="zh-CN" i="1">
                               <a:latin typeface="Cambria Math" panose="02040503050406030204" pitchFamily="18" charset="0"/>
                             </a:rPr>
                             <m:t>,</m:t>
@@ -13750,7 +13191,7 @@
                           <m:chr m:val="→"/>
                           <m:vertJc m:val="bot"/>
                           <m:ctrlPr>
-                            <a:rPr lang="en-US" altLang="zh-CN" i="1" smtClean="0">
+                            <a:rPr lang="en-US" altLang="zh-CN" i="1">
                               <a:latin typeface="Cambria Math" panose="02040503050406030204" pitchFamily="18" charset="0"/>
                             </a:rPr>
                           </m:ctrlPr>
@@ -13803,7 +13244,7 @@
                           <m:chr m:val="→"/>
                           <m:vertJc m:val="bot"/>
                           <m:ctrlPr>
-                            <a:rPr lang="en-US" altLang="zh-CN" i="1" smtClean="0">
+                            <a:rPr lang="en-US" altLang="zh-CN" i="1">
                               <a:latin typeface="Cambria Math" panose="02040503050406030204" pitchFamily="18" charset="0"/>
                             </a:rPr>
                           </m:ctrlPr>
@@ -13856,7 +13297,7 @@
                           <m:chr m:val="→"/>
                           <m:vertJc m:val="bot"/>
                           <m:ctrlPr>
-                            <a:rPr lang="en-US" altLang="zh-CN" i="1" smtClean="0">
+                            <a:rPr lang="en-US" altLang="zh-CN" i="1">
                               <a:latin typeface="Cambria Math" panose="02040503050406030204" pitchFamily="18" charset="0"/>
                             </a:rPr>
                           </m:ctrlPr>
@@ -13882,49 +13323,6 @@
                       <m:sSup>
                         <m:sSupPr>
                           <m:ctrlPr>
-                            <a:rPr lang="en-US" altLang="zh-CN" b="0" i="1" smtClean="0">
-                              <a:latin typeface="Cambria Math" panose="02040503050406030204" pitchFamily="18" charset="0"/>
-                            </a:rPr>
-                          </m:ctrlPr>
-                        </m:sSupPr>
-                        <m:e>
-                          <m:r>
-                            <a:rPr lang="en-US" altLang="zh-CN" b="0" i="1" smtClean="0">
-                              <a:latin typeface="Cambria Math" panose="02040503050406030204" pitchFamily="18" charset="0"/>
-                            </a:rPr>
-                            <m:t>𝑓</m:t>
-                          </m:r>
-                        </m:e>
-                        <m:sup>
-                          <m:r>
-                            <a:rPr lang="en-US" altLang="zh-CN" b="0" i="1" smtClean="0">
-                              <a:latin typeface="Cambria Math" panose="02040503050406030204" pitchFamily="18" charset="0"/>
-                            </a:rPr>
-                            <m:t>∗</m:t>
-                          </m:r>
-                        </m:sup>
-                      </m:sSup>
-                    </m:oMath>
-                  </m:oMathPara>
-                </a14:m>
-                <a:endParaRPr lang="en-US" altLang="zh-CN" dirty="0" smtClean="0"/>
-              </a:p>
-              <a:p>
-                <a:pPr marL="0" indent="0">
-                  <a:lnSpc>
-                    <a:spcPct val="200000"/>
-                  </a:lnSpc>
-                  <a:buNone/>
-                </a:pPr>
-                <a14:m>
-                  <m:oMathPara xmlns:m="http://schemas.openxmlformats.org/officeDocument/2006/math">
-                    <m:oMathParaPr>
-                      <m:jc m:val="centerGroup"/>
-                    </m:oMathParaPr>
-                    <m:oMath xmlns:m="http://schemas.openxmlformats.org/officeDocument/2006/math">
-                      <m:sSup>
-                        <m:sSupPr>
-                          <m:ctrlPr>
                             <a:rPr lang="en-US" altLang="zh-CN" i="1">
                               <a:latin typeface="Cambria Math" panose="02040503050406030204" pitchFamily="18" charset="0"/>
                             </a:rPr>
@@ -13947,77 +13345,6 @@
                           </m:r>
                         </m:sup>
                       </m:sSup>
-                      <m:groupChr>
-                        <m:groupChrPr>
-                          <m:chr m:val="→"/>
-                          <m:vertJc m:val="bot"/>
-                          <m:ctrlPr>
-                            <a:rPr lang="en-US" altLang="zh-CN" i="1" smtClean="0">
-                              <a:latin typeface="Cambria Math" panose="02040503050406030204" pitchFamily="18" charset="0"/>
-                            </a:rPr>
-                          </m:ctrlPr>
-                        </m:groupChrPr>
-                        <m:e>
-                          <m:r>
-                            <m:rPr>
-                              <m:brk m:alnAt="2"/>
-                            </m:rPr>
-                            <a:rPr lang="zh-CN" altLang="en-US" i="1">
-                              <a:latin typeface="Cambria Math" panose="02040503050406030204" pitchFamily="18" charset="0"/>
-                            </a:rPr>
-                            <m:t>朴</m:t>
-                          </m:r>
-                          <m:r>
-                            <a:rPr lang="zh-CN" altLang="en-US" i="1">
-                              <a:latin typeface="Cambria Math" panose="02040503050406030204" pitchFamily="18" charset="0"/>
-                            </a:rPr>
-                            <m:t>素</m:t>
-                          </m:r>
-                          <m:r>
-                            <a:rPr lang="zh-CN" altLang="en-US" i="1" smtClean="0">
-                              <a:latin typeface="Cambria Math" panose="02040503050406030204" pitchFamily="18" charset="0"/>
-                            </a:rPr>
-                            <m:t>贝叶斯</m:t>
-                          </m:r>
-                          <m:r>
-                            <a:rPr lang="zh-CN" altLang="en-US" i="1">
-                              <a:latin typeface="Cambria Math" panose="02040503050406030204" pitchFamily="18" charset="0"/>
-                            </a:rPr>
-                            <m:t>最近邻</m:t>
-                          </m:r>
-                          <m:r>
-                            <a:rPr lang="zh-CN" altLang="en-US" i="1" smtClean="0">
-                              <a:latin typeface="Cambria Math" panose="02040503050406030204" pitchFamily="18" charset="0"/>
-                            </a:rPr>
-                            <m:t>分类</m:t>
-                          </m:r>
-                        </m:e>
-                      </m:groupChr>
-                      <m:sSup>
-                        <m:sSupPr>
-                          <m:ctrlPr>
-                            <a:rPr lang="zh-CN" altLang="zh-CN" i="1">
-                              <a:latin typeface="Cambria Math" panose="02040503050406030204" pitchFamily="18" charset="0"/>
-                            </a:rPr>
-                          </m:ctrlPr>
-                        </m:sSupPr>
-                        <m:e>
-                          <m:r>
-                            <a:rPr lang="en-US" altLang="zh-CN" i="1">
-                              <a:latin typeface="Cambria Math" panose="02040503050406030204" pitchFamily="18" charset="0"/>
-                            </a:rPr>
-                            <m:t>𝐶</m:t>
-                          </m:r>
-                        </m:e>
-                        <m:sup>
-                          <m:r>
-                            <a:rPr lang="en-US" altLang="zh-CN" i="1">
-                              <a:latin typeface="Cambria Math" panose="02040503050406030204" pitchFamily="18" charset="0"/>
-                            </a:rPr>
-                            <m:t>∗</m:t>
-                          </m:r>
-                        </m:sup>
-                      </m:sSup>
                     </m:oMath>
                   </m:oMathPara>
                 </a14:m>
@@ -14029,19 +13356,24 @@
         <mc:Fallback xmlns="">
           <p:sp>
             <p:nvSpPr>
-              <p:cNvPr id="3" name="内容占位符 2"/>
+              <p:cNvPr id="4" name="矩形 3"/>
               <p:cNvSpPr>
-                <a:spLocks noGrp="1" noRot="1" noChangeAspect="1" noMove="1" noResize="1" noEditPoints="1" noAdjustHandles="1" noChangeArrowheads="1" noChangeShapeType="1" noTextEdit="1"/>
+                <a:spLocks noRot="1" noChangeAspect="1" noMove="1" noResize="1" noEditPoints="1" noAdjustHandles="1" noChangeArrowheads="1" noChangeShapeType="1" noTextEdit="1"/>
               </p:cNvSpPr>
-              <p:nvPr>
-                <p:ph idx="1"/>
-              </p:nvPr>
+              <p:nvPr/>
             </p:nvSpPr>
             <p:spPr>
+              <a:xfrm>
+                <a:off x="512732" y="4226444"/>
+                <a:ext cx="4020460" cy="565539"/>
+              </a:xfrm>
+              <a:prstGeom prst="rect">
+                <a:avLst/>
+              </a:prstGeom>
               <a:blipFill>
                 <a:blip r:embed="rId3"/>
                 <a:stretch>
-                  <a:fillRect l="-1391"/>
+                  <a:fillRect/>
                 </a:stretch>
               </a:blipFill>
             </p:spPr>
@@ -14060,82 +13392,26 @@
           </p:sp>
         </mc:Fallback>
       </mc:AlternateContent>
-    </p:spTree>
-    <p:extLst>
-      <p:ext uri="{BB962C8B-B14F-4D97-AF65-F5344CB8AC3E}">
-        <p14:creationId xmlns:p14="http://schemas.microsoft.com/office/powerpoint/2010/main" val="1144268137"/>
-      </p:ext>
-    </p:extLst>
-  </p:cSld>
-  <p:clrMapOvr>
-    <a:masterClrMapping/>
-  </p:clrMapOvr>
-  <p:timing>
-    <p:tnLst>
-      <p:par>
-        <p:cTn id="1" dur="indefinite" restart="never" nodeType="tmRoot"/>
-      </p:par>
-    </p:tnLst>
-  </p:timing>
-</p:sld>
-</file>
-
-<file path=ppt/slides/slide6.xml><?xml version="1.0" encoding="utf-8"?>
-<p:sld xmlns:a="http://schemas.openxmlformats.org/drawingml/2006/main" xmlns:r="http://schemas.openxmlformats.org/officeDocument/2006/relationships" xmlns:p="http://schemas.openxmlformats.org/presentationml/2006/main">
-  <p:cSld>
-    <p:spTree>
-      <p:nvGrpSpPr>
-        <p:cNvPr id="1" name=""/>
-        <p:cNvGrpSpPr/>
-        <p:nvPr/>
-      </p:nvGrpSpPr>
-      <p:grpSpPr>
-        <a:xfrm>
-          <a:off x="0" y="0"/>
-          <a:ext cx="0" cy="0"/>
-          <a:chOff x="0" y="0"/>
-          <a:chExt cx="0" cy="0"/>
-        </a:xfrm>
-      </p:grpSpPr>
-      <p:sp>
-        <p:nvSpPr>
-          <p:cNvPr id="2" name="标题 1"/>
-          <p:cNvSpPr>
-            <a:spLocks noGrp="1"/>
-          </p:cNvSpPr>
-          <p:nvPr>
-            <p:ph type="title"/>
-          </p:nvPr>
-        </p:nvSpPr>
-        <p:spPr/>
-        <p:txBody>
-          <a:bodyPr/>
-          <a:lstStyle/>
-          <a:p>
-            <a:r>
-              <a:rPr lang="zh-CN" altLang="en-US" dirty="0" smtClean="0"/>
-              <a:t>骨架关节特征</a:t>
-            </a:r>
-            <a:endParaRPr lang="zh-CN" altLang="en-US" dirty="0"/>
-          </a:p>
-        </p:txBody>
-      </p:sp>
-      <mc:AlternateContent xmlns:mc="http://schemas.openxmlformats.org/markup-compatibility/2006">
-        <mc:Choice xmlns:a14="http://schemas.microsoft.com/office/drawing/2010/main" Requires="a14">
+      <mc:AlternateContent xmlns:mc="http://schemas.openxmlformats.org/markup-compatibility/2006" xmlns:a14="http://schemas.microsoft.com/office/drawing/2010/main">
+        <mc:Choice Requires="a14">
           <p:sp>
             <p:nvSpPr>
-              <p:cNvPr id="3" name="内容占位符 2"/>
-              <p:cNvSpPr>
-                <a:spLocks noGrp="1"/>
-              </p:cNvSpPr>
-              <p:nvPr>
-                <p:ph idx="1"/>
-              </p:nvPr>
+              <p:cNvPr id="5" name="矩形 4"/>
+              <p:cNvSpPr/>
+              <p:nvPr/>
             </p:nvSpPr>
-            <p:spPr/>
+            <p:spPr>
+              <a:xfrm>
+                <a:off x="4331010" y="3272786"/>
+                <a:ext cx="4572000" cy="2472856"/>
+              </a:xfrm>
+              <a:prstGeom prst="rect">
+                <a:avLst/>
+              </a:prstGeom>
+            </p:spPr>
             <p:txBody>
               <a:bodyPr>
-                <a:normAutofit/>
+                <a:spAutoFit/>
               </a:bodyPr>
               <a:lstStyle/>
               <a:p>
@@ -14143,19 +13419,6 @@
                   <a:lnSpc>
                     <a:spcPct val="200000"/>
                   </a:lnSpc>
-                </a:pPr>
-                <a:r>
-                  <a:rPr lang="zh-CN" altLang="en-US" dirty="0" smtClean="0"/>
-                  <a:t>动作序列识别</a:t>
-                </a:r>
-                <a:endParaRPr lang="en-US" altLang="zh-CN" dirty="0" smtClean="0"/>
-              </a:p>
-              <a:p>
-                <a:pPr marL="0" indent="0">
-                  <a:lnSpc>
-                    <a:spcPct val="100000"/>
-                  </a:lnSpc>
-                  <a:buNone/>
                 </a:pPr>
                 <a14:m>
                   <m:oMathPara xmlns:m="http://schemas.openxmlformats.org/officeDocument/2006/math">
@@ -14411,11 +13674,10 @@
                 <a:endParaRPr lang="en-US" altLang="zh-CN" dirty="0"/>
               </a:p>
               <a:p>
-                <a:pPr marL="0" indent="0">
+                <a:pPr>
                   <a:lnSpc>
                     <a:spcPct val="200000"/>
                   </a:lnSpc>
-                  <a:buNone/>
                 </a:pPr>
                 <a14:m>
                   <m:oMathPara xmlns:m="http://schemas.openxmlformats.org/officeDocument/2006/math">
@@ -14575,36 +13837,32 @@
                     </m:oMath>
                   </m:oMathPara>
                 </a14:m>
-                <a:endParaRPr lang="en-US" altLang="zh-CN" b="1" dirty="0" smtClean="0"/>
-              </a:p>
-              <a:p>
-                <a:pPr marL="0" indent="0">
-                  <a:lnSpc>
-                    <a:spcPct val="200000"/>
-                  </a:lnSpc>
-                  <a:buNone/>
-                </a:pPr>
                 <a:endParaRPr lang="zh-CN" altLang="en-US" dirty="0"/>
               </a:p>
             </p:txBody>
           </p:sp>
         </mc:Choice>
-        <mc:Fallback>
+        <mc:Fallback xmlns="">
           <p:sp>
             <p:nvSpPr>
-              <p:cNvPr id="3" name="内容占位符 2"/>
+              <p:cNvPr id="5" name="矩形 4"/>
               <p:cNvSpPr>
-                <a:spLocks noGrp="1" noRot="1" noChangeAspect="1" noMove="1" noResize="1" noEditPoints="1" noAdjustHandles="1" noChangeArrowheads="1" noChangeShapeType="1" noTextEdit="1"/>
+                <a:spLocks noRot="1" noChangeAspect="1" noMove="1" noResize="1" noEditPoints="1" noAdjustHandles="1" noChangeArrowheads="1" noChangeShapeType="1" noTextEdit="1"/>
               </p:cNvSpPr>
-              <p:nvPr>
-                <p:ph idx="1"/>
-              </p:nvPr>
+              <p:nvPr/>
             </p:nvSpPr>
             <p:spPr>
+              <a:xfrm>
+                <a:off x="4331010" y="3272786"/>
+                <a:ext cx="4572000" cy="2472856"/>
+              </a:xfrm>
+              <a:prstGeom prst="rect">
+                <a:avLst/>
+              </a:prstGeom>
               <a:blipFill>
-                <a:blip r:embed="rId2"/>
+                <a:blip r:embed="rId4"/>
                 <a:stretch>
-                  <a:fillRect l="-1391"/>
+                  <a:fillRect/>
                 </a:stretch>
               </a:blipFill>
             </p:spPr>
@@ -14626,7 +13884,7 @@
     </p:spTree>
     <p:extLst>
       <p:ext uri="{BB962C8B-B14F-4D97-AF65-F5344CB8AC3E}">
-        <p14:creationId xmlns:p14="http://schemas.microsoft.com/office/powerpoint/2010/main" val="1322437563"/>
+        <p14:creationId xmlns:p14="http://schemas.microsoft.com/office/powerpoint/2010/main" val="1144268137"/>
       </p:ext>
     </p:extLst>
   </p:cSld>
@@ -14643,7 +13901,7 @@
 </p:sld>
 </file>
 
-<file path=ppt/slides/slide7.xml><?xml version="1.0" encoding="utf-8"?>
+<file path=ppt/slides/slide6.xml><?xml version="1.0" encoding="utf-8"?>
 <p:sld xmlns:a="http://schemas.openxmlformats.org/drawingml/2006/main" xmlns:r="http://schemas.openxmlformats.org/officeDocument/2006/relationships" xmlns:p="http://schemas.openxmlformats.org/presentationml/2006/main">
   <p:cSld>
     <p:spTree>
@@ -14676,16 +13934,93 @@
           <a:lstStyle/>
           <a:p>
             <a:r>
-              <a:rPr lang="zh-CN" altLang="en-US" dirty="0" smtClean="0"/>
+              <a:rPr lang="zh-CN" altLang="en-US" dirty="0"/>
               <a:t>三维模型特征</a:t>
             </a:r>
-            <a:endParaRPr lang="zh-CN" altLang="en-US" dirty="0"/>
+          </a:p>
+        </p:txBody>
+      </p:sp>
+      <p:sp>
+        <p:nvSpPr>
+          <p:cNvPr id="3" name="内容占位符 2"/>
+          <p:cNvSpPr>
+            <a:spLocks noGrp="1"/>
+          </p:cNvSpPr>
+          <p:nvPr>
+            <p:ph idx="1"/>
+          </p:nvPr>
+        </p:nvSpPr>
+        <p:spPr/>
+        <p:txBody>
+          <a:bodyPr>
+            <a:normAutofit/>
+          </a:bodyPr>
+          <a:lstStyle/>
+          <a:p>
+            <a:pPr>
+              <a:lnSpc>
+                <a:spcPct val="100000"/>
+              </a:lnSpc>
+            </a:pPr>
+            <a:r>
+              <a:rPr lang="zh-CN" altLang="en-US" sz="1800" dirty="0"/>
+              <a:t>单纯地使用人体骨架关节信息作为特征不能够利用人体与环境交互</a:t>
+            </a:r>
+            <a:r>
+              <a:rPr lang="zh-CN" altLang="en-US" sz="1800" dirty="0" smtClean="0"/>
+              <a:t>信息，并且骨架信息并非在所有场合都适用。</a:t>
+            </a:r>
+            <a:endParaRPr lang="en-US" altLang="zh-CN" sz="1800" dirty="0" smtClean="0"/>
+          </a:p>
+          <a:p>
+            <a:pPr>
+              <a:lnSpc>
+                <a:spcPct val="100000"/>
+              </a:lnSpc>
+            </a:pPr>
+            <a:r>
+              <a:rPr lang="zh-CN" altLang="en-US" sz="1800" dirty="0" smtClean="0"/>
+              <a:t>将人体的深度图像转化为点云并以三维模型的方式进行表示，可以清晰的表示</a:t>
+            </a:r>
+            <a:r>
+              <a:rPr lang="zh-CN" altLang="en-US" sz="1800" dirty="0"/>
+              <a:t>人体与环境</a:t>
+            </a:r>
+            <a:r>
+              <a:rPr lang="zh-CN" altLang="en-US" sz="1800" dirty="0" smtClean="0"/>
+              <a:t>物体的交互信息。</a:t>
+            </a:r>
+            <a:endParaRPr lang="en-US" altLang="zh-CN" sz="1800" dirty="0" smtClean="0"/>
+          </a:p>
+          <a:p>
+            <a:pPr>
+              <a:lnSpc>
+                <a:spcPct val="100000"/>
+              </a:lnSpc>
+            </a:pPr>
+            <a:r>
+              <a:rPr lang="zh-CN" altLang="en-US" sz="1800" dirty="0" smtClean="0"/>
+              <a:t>局部占用模式：依据关节点位置进行采样。</a:t>
+            </a:r>
+            <a:endParaRPr lang="en-US" altLang="zh-CN" sz="1800" dirty="0" smtClean="0"/>
+          </a:p>
+          <a:p>
+            <a:pPr>
+              <a:lnSpc>
+                <a:spcPct val="100000"/>
+              </a:lnSpc>
+            </a:pPr>
+            <a:r>
+              <a:rPr lang="zh-CN" altLang="en-US" sz="1800" dirty="0" smtClean="0"/>
+              <a:t>随机占用模式：随机在视频的四维空间中进行采样。</a:t>
+            </a:r>
+            <a:endParaRPr lang="zh-CN" altLang="en-US" sz="1800" dirty="0"/>
           </a:p>
         </p:txBody>
       </p:sp>
       <p:pic>
         <p:nvPicPr>
-          <p:cNvPr id="16" name="图片 15"/>
+          <p:cNvPr id="8" name="图片 7"/>
           <p:cNvPicPr/>
           <p:nvPr/>
         </p:nvPicPr>
@@ -14703,7 +14038,7 @@
         </p:blipFill>
         <p:spPr>
           <a:xfrm>
-            <a:off x="1261872" y="2468306"/>
+            <a:off x="1322257" y="4320157"/>
             <a:ext cx="2606040" cy="1925455"/>
           </a:xfrm>
           <a:prstGeom prst="rect">
@@ -14713,7 +14048,7 @@
       </p:pic>
       <p:pic>
         <p:nvPicPr>
-          <p:cNvPr id="17" name="图片 16"/>
+          <p:cNvPr id="9" name="图片 8"/>
           <p:cNvPicPr/>
           <p:nvPr/>
         </p:nvPicPr>
@@ -14731,7 +14066,7 @@
         </p:blipFill>
         <p:spPr>
           <a:xfrm>
-            <a:off x="4841748" y="2399657"/>
+            <a:off x="4902133" y="4251508"/>
             <a:ext cx="3168396" cy="1925455"/>
           </a:xfrm>
           <a:prstGeom prst="rect">
@@ -14747,7 +14082,7 @@
         </p:nvSpPr>
         <p:spPr>
           <a:xfrm>
-            <a:off x="1953185" y="4522154"/>
+            <a:off x="2013570" y="6374005"/>
             <a:ext cx="1223413" cy="300082"/>
           </a:xfrm>
           <a:prstGeom prst="rect">
@@ -14776,7 +14111,7 @@
         </p:nvSpPr>
         <p:spPr>
           <a:xfrm>
-            <a:off x="5814239" y="4522154"/>
+            <a:off x="5874624" y="6374005"/>
             <a:ext cx="1223413" cy="300082"/>
           </a:xfrm>
           <a:prstGeom prst="rect">
@@ -14800,7 +14135,7 @@
     </p:spTree>
     <p:extLst>
       <p:ext uri="{BB962C8B-B14F-4D97-AF65-F5344CB8AC3E}">
-        <p14:creationId xmlns:p14="http://schemas.microsoft.com/office/powerpoint/2010/main" val="2571856346"/>
+        <p14:creationId xmlns:p14="http://schemas.microsoft.com/office/powerpoint/2010/main" val="4140533716"/>
       </p:ext>
     </p:extLst>
   </p:cSld>
@@ -14817,7 +14152,7 @@
 </p:sld>
 </file>
 
-<file path=ppt/slides/slide8.xml><?xml version="1.0" encoding="utf-8"?>
+<file path=ppt/slides/slide7.xml><?xml version="1.0" encoding="utf-8"?>
 <p:sld xmlns:a="http://schemas.openxmlformats.org/drawingml/2006/main" xmlns:r="http://schemas.openxmlformats.org/officeDocument/2006/relationships" xmlns:p="http://schemas.openxmlformats.org/presentationml/2006/main">
   <p:cSld>
     <p:spTree>
@@ -17154,6 +16489,198 @@
 </p:sld>
 </file>
 
+<file path=ppt/slides/slide8.xml><?xml version="1.0" encoding="utf-8"?>
+<p:sld xmlns:a="http://schemas.openxmlformats.org/drawingml/2006/main" xmlns:r="http://schemas.openxmlformats.org/officeDocument/2006/relationships" xmlns:p="http://schemas.openxmlformats.org/presentationml/2006/main">
+  <p:cSld>
+    <p:spTree>
+      <p:nvGrpSpPr>
+        <p:cNvPr id="1" name=""/>
+        <p:cNvGrpSpPr/>
+        <p:nvPr/>
+      </p:nvGrpSpPr>
+      <p:grpSpPr>
+        <a:xfrm>
+          <a:off x="0" y="0"/>
+          <a:ext cx="0" cy="0"/>
+          <a:chOff x="0" y="0"/>
+          <a:chExt cx="0" cy="0"/>
+        </a:xfrm>
+      </p:grpSpPr>
+      <p:sp>
+        <p:nvSpPr>
+          <p:cNvPr id="2" name="标题 1"/>
+          <p:cNvSpPr>
+            <a:spLocks noGrp="1"/>
+          </p:cNvSpPr>
+          <p:nvPr>
+            <p:ph type="title"/>
+          </p:nvPr>
+        </p:nvSpPr>
+        <p:spPr/>
+        <p:txBody>
+          <a:bodyPr/>
+          <a:lstStyle/>
+          <a:p>
+            <a:r>
+              <a:rPr lang="zh-CN" altLang="en-US" dirty="0"/>
+              <a:t>三维模型特征</a:t>
+            </a:r>
+          </a:p>
+        </p:txBody>
+      </p:sp>
+      <p:sp>
+        <p:nvSpPr>
+          <p:cNvPr id="3" name="内容占位符 2"/>
+          <p:cNvSpPr>
+            <a:spLocks noGrp="1"/>
+          </p:cNvSpPr>
+          <p:nvPr>
+            <p:ph idx="1"/>
+          </p:nvPr>
+        </p:nvSpPr>
+        <p:spPr/>
+        <p:txBody>
+          <a:bodyPr>
+            <a:normAutofit/>
+          </a:bodyPr>
+          <a:lstStyle/>
+          <a:p>
+            <a:pPr>
+              <a:lnSpc>
+                <a:spcPct val="100000"/>
+              </a:lnSpc>
+            </a:pPr>
+            <a:r>
+              <a:rPr lang="zh-CN" altLang="en-US" sz="1800" dirty="0"/>
+              <a:t>人体的姿态是由大量关节连接而成，但对于特定动作而言，只有少部分关节点具有</a:t>
+            </a:r>
+            <a:r>
+              <a:rPr lang="zh-CN" altLang="en-US" sz="1800" dirty="0" smtClean="0"/>
+              <a:t>识别力。</a:t>
+            </a:r>
+            <a:endParaRPr lang="en-US" altLang="zh-CN" sz="1800" dirty="0" smtClean="0"/>
+          </a:p>
+          <a:p>
+            <a:pPr>
+              <a:lnSpc>
+                <a:spcPct val="100000"/>
+              </a:lnSpc>
+            </a:pPr>
+            <a:r>
+              <a:rPr lang="zh-CN" altLang="en-US" sz="1800" dirty="0"/>
+              <a:t>由于可能的</a:t>
+            </a:r>
+            <a:r>
+              <a:rPr lang="en-US" altLang="zh-CN" sz="1800" dirty="0" err="1"/>
+              <a:t>Actionlet</a:t>
+            </a:r>
+            <a:r>
+              <a:rPr lang="zh-CN" altLang="en-US" sz="1800" dirty="0"/>
+              <a:t>数量巨大，为了从动作信息中高效的提取</a:t>
+            </a:r>
+            <a:r>
+              <a:rPr lang="en-US" altLang="zh-CN" sz="1800" dirty="0" err="1"/>
+              <a:t>Actionlet</a:t>
+            </a:r>
+            <a:r>
+              <a:rPr lang="zh-CN" altLang="en-US" sz="1800" dirty="0"/>
+              <a:t>，需要使用</a:t>
+            </a:r>
+            <a:r>
+              <a:rPr lang="en-US" altLang="zh-CN" sz="1800" dirty="0" err="1"/>
+              <a:t>Aprior</a:t>
+            </a:r>
+            <a:r>
+              <a:rPr lang="zh-CN" altLang="en-US" sz="1800" dirty="0"/>
+              <a:t>数据挖掘算法</a:t>
+            </a:r>
+            <a:r>
+              <a:rPr lang="zh-CN" altLang="en-US" sz="1800" dirty="0" smtClean="0"/>
+              <a:t>。</a:t>
+            </a:r>
+            <a:endParaRPr lang="zh-CN" altLang="en-US" sz="1800" dirty="0"/>
+          </a:p>
+        </p:txBody>
+      </p:sp>
+      <p:pic>
+        <p:nvPicPr>
+          <p:cNvPr id="4" name="图片 3"/>
+          <p:cNvPicPr>
+            <a:picLocks noChangeAspect="1"/>
+          </p:cNvPicPr>
+          <p:nvPr/>
+        </p:nvPicPr>
+        <p:blipFill>
+          <a:blip r:embed="rId2">
+            <a:extLst>
+              <a:ext uri="{28A0092B-C50C-407E-A947-70E740481C1C}">
+                <a14:useLocalDpi xmlns:a14="http://schemas.microsoft.com/office/drawing/2010/main" val="0"/>
+              </a:ext>
+            </a:extLst>
+          </a:blip>
+          <a:stretch>
+            <a:fillRect/>
+          </a:stretch>
+        </p:blipFill>
+        <p:spPr>
+          <a:xfrm>
+            <a:off x="990959" y="3666225"/>
+            <a:ext cx="3168879" cy="2895025"/>
+          </a:xfrm>
+          <a:prstGeom prst="rect">
+            <a:avLst/>
+          </a:prstGeom>
+        </p:spPr>
+      </p:pic>
+      <p:pic>
+        <p:nvPicPr>
+          <p:cNvPr id="5" name="图片 4"/>
+          <p:cNvPicPr>
+            <a:picLocks noChangeAspect="1"/>
+          </p:cNvPicPr>
+          <p:nvPr/>
+        </p:nvPicPr>
+        <p:blipFill rotWithShape="1">
+          <a:blip r:embed="rId3">
+            <a:extLst>
+              <a:ext uri="{28A0092B-C50C-407E-A947-70E740481C1C}">
+                <a14:useLocalDpi xmlns:a14="http://schemas.microsoft.com/office/drawing/2010/main" val="0"/>
+              </a:ext>
+            </a:extLst>
+          </a:blip>
+          <a:srcRect b="1849"/>
+          <a:stretch/>
+        </p:blipFill>
+        <p:spPr>
+          <a:xfrm>
+            <a:off x="4794418" y="3603056"/>
+            <a:ext cx="3448660" cy="3021361"/>
+          </a:xfrm>
+          <a:prstGeom prst="rect">
+            <a:avLst/>
+          </a:prstGeom>
+        </p:spPr>
+      </p:pic>
+    </p:spTree>
+    <p:extLst>
+      <p:ext uri="{BB962C8B-B14F-4D97-AF65-F5344CB8AC3E}">
+        <p14:creationId xmlns:p14="http://schemas.microsoft.com/office/powerpoint/2010/main" val="2414797741"/>
+      </p:ext>
+    </p:extLst>
+  </p:cSld>
+  <p:clrMapOvr>
+    <a:masterClrMapping/>
+  </p:clrMapOvr>
+  <p:timing>
+    <p:tnLst>
+      <p:par>
+        <p:cTn id="1" dur="indefinite" restart="never" nodeType="tmRoot"/>
+      </p:par>
+    </p:tnLst>
+  </p:timing>
+</p:sld>
+</file>
+
 <file path=ppt/slides/slide9.xml><?xml version="1.0" encoding="utf-8"?>
 <p:sld xmlns:a="http://schemas.openxmlformats.org/drawingml/2006/main" xmlns:r="http://schemas.openxmlformats.org/officeDocument/2006/relationships" xmlns:p="http://schemas.openxmlformats.org/presentationml/2006/main">
   <p:cSld>
@@ -17221,344 +16748,63 @@
           <a:p>
             <a:pPr>
               <a:lnSpc>
-                <a:spcPct val="200000"/>
+                <a:spcPct val="100000"/>
               </a:lnSpc>
             </a:pPr>
             <a:r>
-              <a:rPr lang="zh-CN" altLang="en-US" dirty="0" smtClean="0"/>
-              <a:t>视频</a:t>
-            </a:r>
-            <a:r>
-              <a:rPr lang="zh-CN" altLang="en-US" dirty="0"/>
-              <a:t>序列</a:t>
-            </a:r>
-            <a:r>
-              <a:rPr lang="zh-CN" altLang="en-US" dirty="0" smtClean="0"/>
-              <a:t>的长度标准化：</a:t>
-            </a:r>
-            <a:endParaRPr lang="en-US" altLang="zh-CN" sz="1800" dirty="0"/>
-          </a:p>
-          <a:p>
-            <a:pPr marL="0" indent="0">
+              <a:rPr lang="zh-CN" altLang="zh-CN" sz="1800" dirty="0"/>
+              <a:t>动作是一个连续的过程，所以与单帧图像相比，从连续的动作序列提取的特征更具有</a:t>
+            </a:r>
+            <a:r>
+              <a:rPr lang="zh-CN" altLang="zh-CN" sz="1800" dirty="0" smtClean="0"/>
+              <a:t>识别力</a:t>
+            </a:r>
+            <a:r>
+              <a:rPr lang="zh-CN" altLang="en-US" sz="1800" dirty="0" smtClean="0"/>
+              <a:t>。</a:t>
+            </a:r>
+            <a:endParaRPr lang="en-US" altLang="zh-CN" sz="1800" dirty="0" smtClean="0"/>
+          </a:p>
+          <a:p>
+            <a:pPr>
               <a:lnSpc>
-                <a:spcPct val="200000"/>
+                <a:spcPct val="100000"/>
               </a:lnSpc>
-              <a:buNone/>
             </a:pPr>
-            <a:endParaRPr lang="zh-CN" altLang="en-US" dirty="0"/>
+            <a:endParaRPr lang="zh-CN" altLang="en-US" sz="1800" dirty="0"/>
           </a:p>
         </p:txBody>
       </p:sp>
-      <p:graphicFrame>
-        <p:nvGraphicFramePr>
-          <p:cNvPr id="4" name="表格 3"/>
-          <p:cNvGraphicFramePr>
-            <a:graphicFrameLocks noGrp="1"/>
-          </p:cNvGraphicFramePr>
-          <p:nvPr>
-            <p:extLst>
-              <p:ext uri="{D42A27DB-BD31-4B8C-83A1-F6EECF244321}">
-                <p14:modId xmlns:p14="http://schemas.microsoft.com/office/powerpoint/2010/main" val="637406359"/>
-              </p:ext>
-            </p:extLst>
-          </p:nvPr>
-        </p:nvGraphicFramePr>
-        <p:xfrm>
-          <a:off x="1211580" y="3155355"/>
-          <a:ext cx="7107174" cy="1371150"/>
-        </p:xfrm>
-        <a:graphic>
-          <a:graphicData uri="http://schemas.openxmlformats.org/drawingml/2006/table">
-            <a:tbl>
-              <a:tblPr firstRow="1" bandRow="1">
-                <a:tableStyleId>{5C22544A-7EE6-4342-B048-85BDC9FD1C3A}</a:tableStyleId>
-              </a:tblPr>
-              <a:tblGrid>
-                <a:gridCol w="3553587">
-                  <a:extLst>
-                    <a:ext uri="{9D8B030D-6E8A-4147-A177-3AD203B41FA5}">
-                      <a16:colId xmlns:a16="http://schemas.microsoft.com/office/drawing/2014/main" val="1208958817"/>
-                    </a:ext>
-                  </a:extLst>
-                </a:gridCol>
-                <a:gridCol w="3553587">
-                  <a:extLst>
-                    <a:ext uri="{9D8B030D-6E8A-4147-A177-3AD203B41FA5}">
-                      <a16:colId xmlns:a16="http://schemas.microsoft.com/office/drawing/2014/main" val="468389851"/>
-                    </a:ext>
-                  </a:extLst>
-                </a:gridCol>
-              </a:tblGrid>
-              <a:tr h="685575">
-                <a:tc>
-                  <a:txBody>
-                    <a:bodyPr/>
-                    <a:lstStyle/>
-                    <a:p>
-                      <a:pPr algn="ctr"/>
-                      <a:r>
-                        <a:rPr lang="zh-CN" altLang="en-US" sz="1800" dirty="0" smtClean="0">
-                          <a:solidFill>
-                            <a:schemeClr val="tx1"/>
-                          </a:solidFill>
-                        </a:rPr>
-                        <a:t>骨架关节特征</a:t>
-                      </a:r>
-                      <a:endParaRPr lang="zh-CN" altLang="en-US" sz="1800" dirty="0">
-                        <a:solidFill>
-                          <a:schemeClr val="tx1"/>
-                        </a:solidFill>
-                      </a:endParaRPr>
-                    </a:p>
-                  </a:txBody>
-                  <a:tcPr marL="68580" marR="68580" marT="34290" marB="34290" anchor="ctr">
-                    <a:lnL w="12700" cap="flat" cmpd="sng" algn="ctr">
-                      <a:solidFill>
-                        <a:schemeClr val="tx1"/>
-                      </a:solidFill>
-                      <a:prstDash val="solid"/>
-                      <a:round/>
-                      <a:headEnd type="none" w="med" len="med"/>
-                      <a:tailEnd type="none" w="med" len="med"/>
-                    </a:lnL>
-                    <a:lnR w="12700" cap="flat" cmpd="sng" algn="ctr">
-                      <a:solidFill>
-                        <a:schemeClr val="tx1"/>
-                      </a:solidFill>
-                      <a:prstDash val="solid"/>
-                      <a:round/>
-                      <a:headEnd type="none" w="med" len="med"/>
-                      <a:tailEnd type="none" w="med" len="med"/>
-                    </a:lnR>
-                    <a:lnT w="12700" cap="flat" cmpd="sng" algn="ctr">
-                      <a:solidFill>
-                        <a:schemeClr val="tx1"/>
-                      </a:solidFill>
-                      <a:prstDash val="solid"/>
-                      <a:round/>
-                      <a:headEnd type="none" w="med" len="med"/>
-                      <a:tailEnd type="none" w="med" len="med"/>
-                    </a:lnT>
-                    <a:lnB w="12700" cap="flat" cmpd="sng" algn="ctr">
-                      <a:solidFill>
-                        <a:schemeClr val="tx1"/>
-                      </a:solidFill>
-                      <a:prstDash val="solid"/>
-                      <a:round/>
-                      <a:headEnd type="none" w="med" len="med"/>
-                      <a:tailEnd type="none" w="med" len="med"/>
-                    </a:lnB>
-                    <a:solidFill>
-                      <a:schemeClr val="bg1"/>
-                    </a:solidFill>
-                  </a:tcPr>
-                </a:tc>
-                <a:tc>
-                  <a:txBody>
-                    <a:bodyPr/>
-                    <a:lstStyle/>
-                    <a:p>
-                      <a:pPr algn="ctr"/>
-                      <a:r>
-                        <a:rPr lang="zh-CN" altLang="en-US" sz="1800" dirty="0" smtClean="0">
-                          <a:solidFill>
-                            <a:schemeClr val="tx1"/>
-                          </a:solidFill>
-                        </a:rPr>
-                        <a:t>三维模型特征</a:t>
-                      </a:r>
-                      <a:endParaRPr lang="zh-CN" altLang="en-US" sz="1800" dirty="0">
-                        <a:solidFill>
-                          <a:schemeClr val="tx1"/>
-                        </a:solidFill>
-                      </a:endParaRPr>
-                    </a:p>
-                  </a:txBody>
-                  <a:tcPr marL="68580" marR="68580" marT="34290" marB="34290" anchor="ctr">
-                    <a:lnL w="12700" cap="flat" cmpd="sng" algn="ctr">
-                      <a:solidFill>
-                        <a:schemeClr val="tx1"/>
-                      </a:solidFill>
-                      <a:prstDash val="solid"/>
-                      <a:round/>
-                      <a:headEnd type="none" w="med" len="med"/>
-                      <a:tailEnd type="none" w="med" len="med"/>
-                    </a:lnL>
-                    <a:lnR w="12700" cap="flat" cmpd="sng" algn="ctr">
-                      <a:solidFill>
-                        <a:schemeClr val="tx1"/>
-                      </a:solidFill>
-                      <a:prstDash val="solid"/>
-                      <a:round/>
-                      <a:headEnd type="none" w="med" len="med"/>
-                      <a:tailEnd type="none" w="med" len="med"/>
-                    </a:lnR>
-                    <a:lnT w="12700" cap="flat" cmpd="sng" algn="ctr">
-                      <a:solidFill>
-                        <a:schemeClr val="tx1"/>
-                      </a:solidFill>
-                      <a:prstDash val="solid"/>
-                      <a:round/>
-                      <a:headEnd type="none" w="med" len="med"/>
-                      <a:tailEnd type="none" w="med" len="med"/>
-                    </a:lnT>
-                    <a:lnB w="12700" cap="flat" cmpd="sng" algn="ctr">
-                      <a:solidFill>
-                        <a:schemeClr val="tx1"/>
-                      </a:solidFill>
-                      <a:prstDash val="solid"/>
-                      <a:round/>
-                      <a:headEnd type="none" w="med" len="med"/>
-                      <a:tailEnd type="none" w="med" len="med"/>
-                    </a:lnB>
-                    <a:solidFill>
-                      <a:schemeClr val="bg1"/>
-                    </a:solidFill>
-                  </a:tcPr>
-                </a:tc>
-                <a:extLst>
-                  <a:ext uri="{0D108BD9-81ED-4DB2-BD59-A6C34878D82A}">
-                    <a16:rowId xmlns:a16="http://schemas.microsoft.com/office/drawing/2014/main" val="1758937660"/>
-                  </a:ext>
-                </a:extLst>
-              </a:tr>
-              <a:tr h="685575">
-                <a:tc>
-                  <a:txBody>
-                    <a:bodyPr/>
-                    <a:lstStyle/>
-                    <a:p>
-                      <a:pPr algn="ctr"/>
-                      <a:r>
-                        <a:rPr lang="zh-CN" altLang="en-US" sz="1800" dirty="0" smtClean="0">
-                          <a:solidFill>
-                            <a:schemeClr val="tx1"/>
-                          </a:solidFill>
-                        </a:rPr>
-                        <a:t>三次样条曲线插值</a:t>
-                      </a:r>
-                      <a:endParaRPr lang="zh-CN" altLang="en-US" sz="1800" dirty="0">
-                        <a:solidFill>
-                          <a:schemeClr val="tx1"/>
-                        </a:solidFill>
-                      </a:endParaRPr>
-                    </a:p>
-                  </a:txBody>
-                  <a:tcPr marL="68580" marR="68580" marT="34290" marB="34290" anchor="ctr">
-                    <a:lnL w="12700" cap="flat" cmpd="sng" algn="ctr">
-                      <a:solidFill>
-                        <a:schemeClr val="tx1"/>
-                      </a:solidFill>
-                      <a:prstDash val="solid"/>
-                      <a:round/>
-                      <a:headEnd type="none" w="med" len="med"/>
-                      <a:tailEnd type="none" w="med" len="med"/>
-                    </a:lnL>
-                    <a:lnR w="12700" cap="flat" cmpd="sng" algn="ctr">
-                      <a:solidFill>
-                        <a:schemeClr val="tx1"/>
-                      </a:solidFill>
-                      <a:prstDash val="solid"/>
-                      <a:round/>
-                      <a:headEnd type="none" w="med" len="med"/>
-                      <a:tailEnd type="none" w="med" len="med"/>
-                    </a:lnR>
-                    <a:lnT w="12700" cap="flat" cmpd="sng" algn="ctr">
-                      <a:solidFill>
-                        <a:schemeClr val="tx1"/>
-                      </a:solidFill>
-                      <a:prstDash val="solid"/>
-                      <a:round/>
-                      <a:headEnd type="none" w="med" len="med"/>
-                      <a:tailEnd type="none" w="med" len="med"/>
-                    </a:lnT>
-                    <a:lnB w="12700" cap="flat" cmpd="sng" algn="ctr">
-                      <a:solidFill>
-                        <a:schemeClr val="tx1"/>
-                      </a:solidFill>
-                      <a:prstDash val="solid"/>
-                      <a:round/>
-                      <a:headEnd type="none" w="med" len="med"/>
-                      <a:tailEnd type="none" w="med" len="med"/>
-                    </a:lnB>
-                    <a:solidFill>
-                      <a:schemeClr val="bg1"/>
-                    </a:solidFill>
-                  </a:tcPr>
-                </a:tc>
-                <a:tc>
-                  <a:txBody>
-                    <a:bodyPr/>
-                    <a:lstStyle/>
-                    <a:p>
-                      <a:pPr algn="ctr"/>
-                      <a:r>
-                        <a:rPr lang="zh-CN" altLang="en-US" sz="1800" dirty="0" smtClean="0">
-                          <a:solidFill>
-                            <a:schemeClr val="tx1"/>
-                          </a:solidFill>
-                        </a:rPr>
-                        <a:t>最近邻插值</a:t>
-                      </a:r>
-                      <a:endParaRPr lang="zh-CN" altLang="en-US" sz="1800" dirty="0">
-                        <a:solidFill>
-                          <a:schemeClr val="tx1"/>
-                        </a:solidFill>
-                      </a:endParaRPr>
-                    </a:p>
-                  </a:txBody>
-                  <a:tcPr marL="68580" marR="68580" marT="34290" marB="34290" anchor="ctr">
-                    <a:lnL w="12700" cap="flat" cmpd="sng" algn="ctr">
-                      <a:solidFill>
-                        <a:schemeClr val="tx1"/>
-                      </a:solidFill>
-                      <a:prstDash val="solid"/>
-                      <a:round/>
-                      <a:headEnd type="none" w="med" len="med"/>
-                      <a:tailEnd type="none" w="med" len="med"/>
-                    </a:lnL>
-                    <a:lnR w="12700" cap="flat" cmpd="sng" algn="ctr">
-                      <a:solidFill>
-                        <a:schemeClr val="tx1"/>
-                      </a:solidFill>
-                      <a:prstDash val="solid"/>
-                      <a:round/>
-                      <a:headEnd type="none" w="med" len="med"/>
-                      <a:tailEnd type="none" w="med" len="med"/>
-                    </a:lnR>
-                    <a:lnT w="12700" cap="flat" cmpd="sng" algn="ctr">
-                      <a:solidFill>
-                        <a:schemeClr val="tx1"/>
-                      </a:solidFill>
-                      <a:prstDash val="solid"/>
-                      <a:round/>
-                      <a:headEnd type="none" w="med" len="med"/>
-                      <a:tailEnd type="none" w="med" len="med"/>
-                    </a:lnT>
-                    <a:lnB w="12700" cap="flat" cmpd="sng" algn="ctr">
-                      <a:solidFill>
-                        <a:schemeClr val="tx1"/>
-                      </a:solidFill>
-                      <a:prstDash val="solid"/>
-                      <a:round/>
-                      <a:headEnd type="none" w="med" len="med"/>
-                      <a:tailEnd type="none" w="med" len="med"/>
-                    </a:lnB>
-                    <a:solidFill>
-                      <a:schemeClr val="bg1"/>
-                    </a:solidFill>
-                  </a:tcPr>
-                </a:tc>
-                <a:extLst>
-                  <a:ext uri="{0D108BD9-81ED-4DB2-BD59-A6C34878D82A}">
-                    <a16:rowId xmlns:a16="http://schemas.microsoft.com/office/drawing/2014/main" val="3002071815"/>
-                  </a:ext>
-                </a:extLst>
-              </a:tr>
-            </a:tbl>
-          </a:graphicData>
-        </a:graphic>
-      </p:graphicFrame>
+      <p:pic>
+        <p:nvPicPr>
+          <p:cNvPr id="5" name="图片 4"/>
+          <p:cNvPicPr>
+            <a:picLocks noChangeAspect="1"/>
+          </p:cNvPicPr>
+          <p:nvPr/>
+        </p:nvPicPr>
+        <p:blipFill>
+          <a:blip r:embed="rId2" cstate="print">
+            <a:extLst>
+              <a:ext uri="{28A0092B-C50C-407E-A947-70E740481C1C}">
+                <a14:useLocalDpi xmlns:a14="http://schemas.microsoft.com/office/drawing/2010/main" val="0"/>
+              </a:ext>
+            </a:extLst>
+          </a:blip>
+          <a:stretch>
+            <a:fillRect/>
+          </a:stretch>
+        </p:blipFill>
+        <p:spPr>
+          <a:xfrm>
+            <a:off x="2233037" y="3310433"/>
+            <a:ext cx="4262653" cy="2866530"/>
+          </a:xfrm>
+          <a:prstGeom prst="rect">
+            <a:avLst/>
+          </a:prstGeom>
+        </p:spPr>
+      </p:pic>
     </p:spTree>
     <p:extLst>
       <p:ext uri="{BB962C8B-B14F-4D97-AF65-F5344CB8AC3E}">
